--- a/topic02-primitive-arrays/unit-02a-lectures/talk-4-github/github.pptx
+++ b/topic02-primitive-arrays/unit-02a-lectures/talk-4-github/github.pptx
@@ -5,7 +5,7 @@
     <p:sldMasterId id="2147483648" r:id="rId1"/>
   </p:sldMasterIdLst>
   <p:notesMasterIdLst>
-    <p:notesMasterId r:id="rId29"/>
+    <p:notesMasterId r:id="rId38"/>
   </p:notesMasterIdLst>
   <p:sldIdLst>
     <p:sldId id="455" r:id="rId2"/>
@@ -34,7 +34,16 @@
     <p:sldId id="429" r:id="rId25"/>
     <p:sldId id="430" r:id="rId26"/>
     <p:sldId id="456" r:id="rId27"/>
-    <p:sldId id="400" r:id="rId28"/>
+    <p:sldId id="460" r:id="rId28"/>
+    <p:sldId id="461" r:id="rId29"/>
+    <p:sldId id="462" r:id="rId30"/>
+    <p:sldId id="463" r:id="rId31"/>
+    <p:sldId id="464" r:id="rId32"/>
+    <p:sldId id="465" r:id="rId33"/>
+    <p:sldId id="466" r:id="rId34"/>
+    <p:sldId id="467" r:id="rId35"/>
+    <p:sldId id="468" r:id="rId36"/>
+    <p:sldId id="400" r:id="rId37"/>
   </p:sldIdLst>
   <p:sldSz cx="12192000" cy="6858000"/>
   <p:notesSz cx="6858000" cy="9144000"/>
@@ -223,7 +232,7 @@
           <a:p>
             <a:fld id="{095F4F7D-93E1-42D7-8D11-D19DDB54A6AF}" type="datetimeFigureOut">
               <a:rPr lang="en-VI" smtClean="0"/>
-              <a:t>24/1/25</a:t>
+              <a:t>01/21/2026</a:t>
             </a:fld>
             <a:endParaRPr lang="en-VI"/>
           </a:p>
@@ -701,7 +710,7 @@
           <a:p>
             <a:fld id="{03E64A9E-647E-404C-A049-F942E86289E7}" type="datetimeFigureOut">
               <a:rPr lang="en-IE" smtClean="0"/>
-              <a:t>24/01/2025</a:t>
+              <a:t>21/01/2026</a:t>
             </a:fld>
             <a:endParaRPr lang="en-IE"/>
           </a:p>
@@ -901,7 +910,7 @@
           <a:p>
             <a:fld id="{03E64A9E-647E-404C-A049-F942E86289E7}" type="datetimeFigureOut">
               <a:rPr lang="en-IE" smtClean="0"/>
-              <a:t>24/01/2025</a:t>
+              <a:t>21/01/2026</a:t>
             </a:fld>
             <a:endParaRPr lang="en-IE"/>
           </a:p>
@@ -1111,7 +1120,7 @@
           <a:p>
             <a:fld id="{03E64A9E-647E-404C-A049-F942E86289E7}" type="datetimeFigureOut">
               <a:rPr lang="en-IE" smtClean="0"/>
-              <a:t>24/01/2025</a:t>
+              <a:t>21/01/2026</a:t>
             </a:fld>
             <a:endParaRPr lang="en-IE"/>
           </a:p>
@@ -1375,7 +1384,7 @@
           <a:p>
             <a:fld id="{03E64A9E-647E-404C-A049-F942E86289E7}" type="datetimeFigureOut">
               <a:rPr lang="en-IE" smtClean="0"/>
-              <a:t>24/01/2025</a:t>
+              <a:t>21/01/2026</a:t>
             </a:fld>
             <a:endParaRPr lang="en-IE"/>
           </a:p>
@@ -1651,7 +1660,7 @@
           <a:p>
             <a:fld id="{03E64A9E-647E-404C-A049-F942E86289E7}" type="datetimeFigureOut">
               <a:rPr lang="en-IE" smtClean="0"/>
-              <a:t>24/01/2025</a:t>
+              <a:t>21/01/2026</a:t>
             </a:fld>
             <a:endParaRPr lang="en-IE"/>
           </a:p>
@@ -1919,7 +1928,7 @@
           <a:p>
             <a:fld id="{03E64A9E-647E-404C-A049-F942E86289E7}" type="datetimeFigureOut">
               <a:rPr lang="en-IE" smtClean="0"/>
-              <a:t>24/01/2025</a:t>
+              <a:t>21/01/2026</a:t>
             </a:fld>
             <a:endParaRPr lang="en-IE"/>
           </a:p>
@@ -2334,7 +2343,7 @@
           <a:p>
             <a:fld id="{03E64A9E-647E-404C-A049-F942E86289E7}" type="datetimeFigureOut">
               <a:rPr lang="en-IE" smtClean="0"/>
-              <a:t>24/01/2025</a:t>
+              <a:t>21/01/2026</a:t>
             </a:fld>
             <a:endParaRPr lang="en-IE"/>
           </a:p>
@@ -2476,7 +2485,7 @@
           <a:p>
             <a:fld id="{03E64A9E-647E-404C-A049-F942E86289E7}" type="datetimeFigureOut">
               <a:rPr lang="en-IE" smtClean="0"/>
-              <a:t>24/01/2025</a:t>
+              <a:t>21/01/2026</a:t>
             </a:fld>
             <a:endParaRPr lang="en-IE"/>
           </a:p>
@@ -2589,7 +2598,7 @@
           <a:p>
             <a:fld id="{03E64A9E-647E-404C-A049-F942E86289E7}" type="datetimeFigureOut">
               <a:rPr lang="en-IE" smtClean="0"/>
-              <a:t>24/01/2025</a:t>
+              <a:t>21/01/2026</a:t>
             </a:fld>
             <a:endParaRPr lang="en-IE"/>
           </a:p>
@@ -2902,7 +2911,7 @@
           <a:p>
             <a:fld id="{03E64A9E-647E-404C-A049-F942E86289E7}" type="datetimeFigureOut">
               <a:rPr lang="en-IE" smtClean="0"/>
-              <a:t>24/01/2025</a:t>
+              <a:t>21/01/2026</a:t>
             </a:fld>
             <a:endParaRPr lang="en-IE"/>
           </a:p>
@@ -3191,7 +3200,7 @@
           <a:p>
             <a:fld id="{03E64A9E-647E-404C-A049-F942E86289E7}" type="datetimeFigureOut">
               <a:rPr lang="en-IE" smtClean="0"/>
-              <a:t>24/01/2025</a:t>
+              <a:t>21/01/2026</a:t>
             </a:fld>
             <a:endParaRPr lang="en-IE"/>
           </a:p>
@@ -3434,7 +3443,7 @@
           <a:p>
             <a:fld id="{03E64A9E-647E-404C-A049-F942E86289E7}" type="datetimeFigureOut">
               <a:rPr lang="en-IE" smtClean="0"/>
-              <a:t>24/01/2025</a:t>
+              <a:t>21/01/2026</a:t>
             </a:fld>
             <a:endParaRPr lang="en-IE"/>
           </a:p>
@@ -4005,7 +4014,7 @@
           </a:ln>
           <a:extLst>
             <a:ext uri="{C572A759-6A51-4108-AA02-DFA0A04FC94B}">
-              <ma14:wrappingTextBoxFlag xmlns="" xmlns:ma14="http://schemas.microsoft.com/office/mac/drawingml/2011/main" val="1"/>
+              <ma14:wrappingTextBoxFlag xmlns:ma14="http://schemas.microsoft.com/office/mac/drawingml/2011/main" xmlns="" val="1"/>
             </a:ext>
           </a:extLst>
         </p:spPr>
@@ -4647,7 +4656,7 @@
           </a:ln>
           <a:extLst>
             <a:ext uri="{C572A759-6A51-4108-AA02-DFA0A04FC94B}">
-              <ma14:wrappingTextBoxFlag xmlns="" xmlns:ma14="http://schemas.microsoft.com/office/mac/drawingml/2011/main" val="1"/>
+              <ma14:wrappingTextBoxFlag xmlns:ma14="http://schemas.microsoft.com/office/mac/drawingml/2011/main" xmlns="" val="1"/>
             </a:ext>
           </a:extLst>
         </p:spPr>
@@ -11869,59 +11878,12 @@
           <a:chExt cx="0" cy="0"/>
         </a:xfrm>
       </p:grpSpPr>
-      <p:pic>
-        <p:nvPicPr>
-          <p:cNvPr id="1026" name="Picture 2" descr="Related image">
-            <a:extLst>
-              <a:ext uri="{FF2B5EF4-FFF2-40B4-BE49-F238E27FC236}">
-                <a16:creationId xmlns:a16="http://schemas.microsoft.com/office/drawing/2014/main" id="{FB2D4E39-808A-4F04-B545-AACD2B9CD0EF}"/>
-              </a:ext>
-            </a:extLst>
-          </p:cNvPr>
-          <p:cNvPicPr>
-            <a:picLocks noChangeAspect="1" noChangeArrowheads="1"/>
-          </p:cNvPicPr>
-          <p:nvPr/>
-        </p:nvPicPr>
-        <p:blipFill>
-          <a:blip r:embed="rId2">
-            <a:extLst>
-              <a:ext uri="{28A0092B-C50C-407E-A947-70E740481C1C}">
-                <a14:useLocalDpi xmlns:a14="http://schemas.microsoft.com/office/drawing/2010/main" val="0"/>
-              </a:ext>
-            </a:extLst>
-          </a:blip>
-          <a:srcRect/>
-          <a:stretch>
-            <a:fillRect/>
-          </a:stretch>
-        </p:blipFill>
-        <p:spPr bwMode="auto">
-          <a:xfrm>
-            <a:off x="2501226" y="998731"/>
-            <a:ext cx="6784504" cy="4175079"/>
-          </a:xfrm>
-          <a:prstGeom prst="rect">
-            <a:avLst/>
-          </a:prstGeom>
-          <a:noFill/>
-          <a:extLst>
-            <a:ext uri="{909E8E84-426E-40DD-AFC4-6F175D3DCCD1}">
-              <a14:hiddenFill xmlns:a14="http://schemas.microsoft.com/office/drawing/2010/main">
-                <a:solidFill>
-                  <a:srgbClr val="FFFFFF"/>
-                </a:solidFill>
-              </a14:hiddenFill>
-            </a:ext>
-          </a:extLst>
-        </p:spPr>
-      </p:pic>
       <p:sp>
         <p:nvSpPr>
           <p:cNvPr id="2" name="Title 1">
             <a:extLst>
               <a:ext uri="{FF2B5EF4-FFF2-40B4-BE49-F238E27FC236}">
-                <a16:creationId xmlns:a16="http://schemas.microsoft.com/office/drawing/2014/main" id="{A65975DD-5C1D-47DE-94EA-6DF61AF38C02}"/>
+                <a16:creationId xmlns:a16="http://schemas.microsoft.com/office/drawing/2014/main" id="{7D7F855F-6576-1898-08FB-BC25BADC2CF9}"/>
               </a:ext>
             </a:extLst>
           </p:cNvPr>
@@ -11932,34 +11894,1817 @@
             <p:ph type="title"/>
           </p:nvPr>
         </p:nvSpPr>
-        <p:spPr>
-          <a:xfrm>
-            <a:off x="5487928" y="4036568"/>
-            <a:ext cx="3461335" cy="1732883"/>
-          </a:xfrm>
-        </p:spPr>
+        <p:spPr/>
         <p:txBody>
           <a:bodyPr/>
           <a:lstStyle/>
           <a:p>
             <a:r>
-              <a:rPr lang="en-IE" dirty="0"/>
-              <a:t>Any questions?</a:t>
-            </a:r>
+              <a:rPr lang="en-US" dirty="0"/>
+              <a:t>How IntelliJ Uses Git and GitHub</a:t>
+            </a:r>
+            <a:endParaRPr lang="en-IE" dirty="0"/>
+          </a:p>
+        </p:txBody>
+      </p:sp>
+      <p:sp>
+        <p:nvSpPr>
+          <p:cNvPr id="3" name="Content Placeholder 2">
+            <a:extLst>
+              <a:ext uri="{FF2B5EF4-FFF2-40B4-BE49-F238E27FC236}">
+                <a16:creationId xmlns:a16="http://schemas.microsoft.com/office/drawing/2014/main" id="{B2586C30-12CA-AB45-22CC-82277D026B8B}"/>
+              </a:ext>
+            </a:extLst>
+          </p:cNvPr>
+          <p:cNvSpPr>
+            <a:spLocks noGrp="1"/>
+          </p:cNvSpPr>
+          <p:nvPr>
+            <p:ph idx="1"/>
+          </p:nvPr>
+        </p:nvSpPr>
+        <p:spPr/>
+        <p:txBody>
+          <a:bodyPr/>
+          <a:lstStyle/>
+          <a:p>
+            <a:r>
+              <a:rPr lang="en-US" dirty="0"/>
+              <a:t>IntelliJ IDEA has </a:t>
+            </a:r>
+            <a:r>
+              <a:rPr lang="en-US" b="1" dirty="0"/>
+              <a:t>built-in support for Git</a:t>
+            </a:r>
+            <a:r>
+              <a:rPr lang="en-US" dirty="0"/>
+              <a:t>.</a:t>
+            </a:r>
+          </a:p>
+          <a:p>
+            <a:endParaRPr lang="en-US" dirty="0"/>
+          </a:p>
+          <a:p>
+            <a:r>
+              <a:rPr lang="en-US" dirty="0"/>
+              <a:t>This means:</a:t>
+            </a:r>
+          </a:p>
+          <a:p>
+            <a:pPr lvl="1"/>
+            <a:r>
+              <a:rPr lang="en-US" dirty="0"/>
+              <a:t>You do </a:t>
+            </a:r>
+            <a:r>
+              <a:rPr lang="en-US" b="1" dirty="0"/>
+              <a:t>not</a:t>
+            </a:r>
+            <a:r>
+              <a:rPr lang="en-US" dirty="0"/>
+              <a:t> need to use the command line</a:t>
+            </a:r>
+          </a:p>
+          <a:p>
+            <a:pPr lvl="1"/>
+            <a:r>
+              <a:rPr lang="en-US" dirty="0"/>
+              <a:t>Most Git actions are done through menus and buttons</a:t>
+            </a:r>
+          </a:p>
+          <a:p>
+            <a:pPr lvl="1"/>
+            <a:r>
+              <a:rPr lang="en-US" dirty="0"/>
+              <a:t>IntelliJ talks to </a:t>
+            </a:r>
+            <a:r>
+              <a:rPr lang="en-US" b="1" dirty="0"/>
+              <a:t>Git (locally)</a:t>
+            </a:r>
+            <a:r>
+              <a:rPr lang="en-US" dirty="0"/>
+              <a:t> and </a:t>
+            </a:r>
+            <a:r>
+              <a:rPr lang="en-US" b="1" dirty="0"/>
+              <a:t>GitHub (remotely)</a:t>
+            </a:r>
+            <a:r>
+              <a:rPr lang="en-US" dirty="0"/>
+              <a:t> for you</a:t>
+            </a:r>
+          </a:p>
+          <a:p>
+            <a:pPr lvl="1"/>
+            <a:endParaRPr lang="en-US" dirty="0"/>
+          </a:p>
+          <a:p>
+            <a:r>
+              <a:rPr lang="en-US" dirty="0"/>
+              <a:t>Think of IntelliJ as a </a:t>
+            </a:r>
+            <a:r>
+              <a:rPr lang="en-US" b="1" dirty="0"/>
+              <a:t>graphical interface</a:t>
+            </a:r>
+            <a:r>
+              <a:rPr lang="en-US" dirty="0"/>
+              <a:t> on top of Git</a:t>
+            </a:r>
+          </a:p>
+          <a:p>
+            <a:endParaRPr lang="en-IE" dirty="0"/>
           </a:p>
         </p:txBody>
       </p:sp>
     </p:spTree>
     <p:extLst>
       <p:ext uri="{BB962C8B-B14F-4D97-AF65-F5344CB8AC3E}">
-        <p14:creationId xmlns:p14="http://schemas.microsoft.com/office/powerpoint/2010/main" val="522624457"/>
+        <p14:creationId xmlns:p14="http://schemas.microsoft.com/office/powerpoint/2010/main" val="287668781"/>
       </p:ext>
     </p:extLst>
   </p:cSld>
   <p:clrMapOvr>
     <a:masterClrMapping/>
   </p:clrMapOvr>
-  <p:transition spd="med"/>
+  <p:timing>
+    <p:tnLst>
+      <p:par>
+        <p:cTn id="1" dur="indefinite" restart="never" nodeType="tmRoot">
+          <p:childTnLst>
+            <p:seq concurrent="1" nextAc="seek">
+              <p:cTn id="2" dur="indefinite" nodeType="mainSeq">
+                <p:childTnLst>
+                  <p:par>
+                    <p:cTn id="3" fill="hold">
+                      <p:stCondLst>
+                        <p:cond delay="indefinite"/>
+                      </p:stCondLst>
+                      <p:childTnLst>
+                        <p:par>
+                          <p:cTn id="4" fill="hold">
+                            <p:stCondLst>
+                              <p:cond delay="0"/>
+                            </p:stCondLst>
+                            <p:childTnLst>
+                              <p:par>
+                                <p:cTn id="5" presetID="2" presetClass="entr" presetSubtype="4" fill="hold" grpId="0" nodeType="clickEffect">
+                                  <p:stCondLst>
+                                    <p:cond delay="0"/>
+                                  </p:stCondLst>
+                                  <p:childTnLst>
+                                    <p:set>
+                                      <p:cBhvr>
+                                        <p:cTn id="6" dur="1" fill="hold">
+                                          <p:stCondLst>
+                                            <p:cond delay="0"/>
+                                          </p:stCondLst>
+                                        </p:cTn>
+                                        <p:tgtEl>
+                                          <p:spTgt spid="3">
+                                            <p:txEl>
+                                              <p:pRg st="0" end="0"/>
+                                            </p:txEl>
+                                          </p:spTgt>
+                                        </p:tgtEl>
+                                        <p:attrNameLst>
+                                          <p:attrName>style.visibility</p:attrName>
+                                        </p:attrNameLst>
+                                      </p:cBhvr>
+                                      <p:to>
+                                        <p:strVal val="visible"/>
+                                      </p:to>
+                                    </p:set>
+                                    <p:anim calcmode="lin" valueType="num">
+                                      <p:cBhvr additive="base">
+                                        <p:cTn id="7" dur="500" fill="hold"/>
+                                        <p:tgtEl>
+                                          <p:spTgt spid="3">
+                                            <p:txEl>
+                                              <p:pRg st="0" end="0"/>
+                                            </p:txEl>
+                                          </p:spTgt>
+                                        </p:tgtEl>
+                                        <p:attrNameLst>
+                                          <p:attrName>ppt_x</p:attrName>
+                                        </p:attrNameLst>
+                                      </p:cBhvr>
+                                      <p:tavLst>
+                                        <p:tav tm="0">
+                                          <p:val>
+                                            <p:strVal val="#ppt_x"/>
+                                          </p:val>
+                                        </p:tav>
+                                        <p:tav tm="100000">
+                                          <p:val>
+                                            <p:strVal val="#ppt_x"/>
+                                          </p:val>
+                                        </p:tav>
+                                      </p:tavLst>
+                                    </p:anim>
+                                    <p:anim calcmode="lin" valueType="num">
+                                      <p:cBhvr additive="base">
+                                        <p:cTn id="8" dur="500" fill="hold"/>
+                                        <p:tgtEl>
+                                          <p:spTgt spid="3">
+                                            <p:txEl>
+                                              <p:pRg st="0" end="0"/>
+                                            </p:txEl>
+                                          </p:spTgt>
+                                        </p:tgtEl>
+                                        <p:attrNameLst>
+                                          <p:attrName>ppt_y</p:attrName>
+                                        </p:attrNameLst>
+                                      </p:cBhvr>
+                                      <p:tavLst>
+                                        <p:tav tm="0">
+                                          <p:val>
+                                            <p:strVal val="1+#ppt_h/2"/>
+                                          </p:val>
+                                        </p:tav>
+                                        <p:tav tm="100000">
+                                          <p:val>
+                                            <p:strVal val="#ppt_y"/>
+                                          </p:val>
+                                        </p:tav>
+                                      </p:tavLst>
+                                    </p:anim>
+                                  </p:childTnLst>
+                                </p:cTn>
+                              </p:par>
+                            </p:childTnLst>
+                          </p:cTn>
+                        </p:par>
+                      </p:childTnLst>
+                    </p:cTn>
+                  </p:par>
+                  <p:par>
+                    <p:cTn id="9" fill="hold">
+                      <p:stCondLst>
+                        <p:cond delay="indefinite"/>
+                      </p:stCondLst>
+                      <p:childTnLst>
+                        <p:par>
+                          <p:cTn id="10" fill="hold">
+                            <p:stCondLst>
+                              <p:cond delay="0"/>
+                            </p:stCondLst>
+                            <p:childTnLst>
+                              <p:par>
+                                <p:cTn id="11" presetID="2" presetClass="entr" presetSubtype="4" fill="hold" grpId="0" nodeType="clickEffect">
+                                  <p:stCondLst>
+                                    <p:cond delay="0"/>
+                                  </p:stCondLst>
+                                  <p:childTnLst>
+                                    <p:set>
+                                      <p:cBhvr>
+                                        <p:cTn id="12" dur="1" fill="hold">
+                                          <p:stCondLst>
+                                            <p:cond delay="0"/>
+                                          </p:stCondLst>
+                                        </p:cTn>
+                                        <p:tgtEl>
+                                          <p:spTgt spid="3">
+                                            <p:txEl>
+                                              <p:pRg st="2" end="2"/>
+                                            </p:txEl>
+                                          </p:spTgt>
+                                        </p:tgtEl>
+                                        <p:attrNameLst>
+                                          <p:attrName>style.visibility</p:attrName>
+                                        </p:attrNameLst>
+                                      </p:cBhvr>
+                                      <p:to>
+                                        <p:strVal val="visible"/>
+                                      </p:to>
+                                    </p:set>
+                                    <p:anim calcmode="lin" valueType="num">
+                                      <p:cBhvr additive="base">
+                                        <p:cTn id="13" dur="500" fill="hold"/>
+                                        <p:tgtEl>
+                                          <p:spTgt spid="3">
+                                            <p:txEl>
+                                              <p:pRg st="2" end="2"/>
+                                            </p:txEl>
+                                          </p:spTgt>
+                                        </p:tgtEl>
+                                        <p:attrNameLst>
+                                          <p:attrName>ppt_x</p:attrName>
+                                        </p:attrNameLst>
+                                      </p:cBhvr>
+                                      <p:tavLst>
+                                        <p:tav tm="0">
+                                          <p:val>
+                                            <p:strVal val="#ppt_x"/>
+                                          </p:val>
+                                        </p:tav>
+                                        <p:tav tm="100000">
+                                          <p:val>
+                                            <p:strVal val="#ppt_x"/>
+                                          </p:val>
+                                        </p:tav>
+                                      </p:tavLst>
+                                    </p:anim>
+                                    <p:anim calcmode="lin" valueType="num">
+                                      <p:cBhvr additive="base">
+                                        <p:cTn id="14" dur="500" fill="hold"/>
+                                        <p:tgtEl>
+                                          <p:spTgt spid="3">
+                                            <p:txEl>
+                                              <p:pRg st="2" end="2"/>
+                                            </p:txEl>
+                                          </p:spTgt>
+                                        </p:tgtEl>
+                                        <p:attrNameLst>
+                                          <p:attrName>ppt_y</p:attrName>
+                                        </p:attrNameLst>
+                                      </p:cBhvr>
+                                      <p:tavLst>
+                                        <p:tav tm="0">
+                                          <p:val>
+                                            <p:strVal val="1+#ppt_h/2"/>
+                                          </p:val>
+                                        </p:tav>
+                                        <p:tav tm="100000">
+                                          <p:val>
+                                            <p:strVal val="#ppt_y"/>
+                                          </p:val>
+                                        </p:tav>
+                                      </p:tavLst>
+                                    </p:anim>
+                                  </p:childTnLst>
+                                </p:cTn>
+                              </p:par>
+                              <p:par>
+                                <p:cTn id="15" presetID="2" presetClass="entr" presetSubtype="4" fill="hold" grpId="0" nodeType="withEffect">
+                                  <p:stCondLst>
+                                    <p:cond delay="0"/>
+                                  </p:stCondLst>
+                                  <p:childTnLst>
+                                    <p:set>
+                                      <p:cBhvr>
+                                        <p:cTn id="16" dur="1" fill="hold">
+                                          <p:stCondLst>
+                                            <p:cond delay="0"/>
+                                          </p:stCondLst>
+                                        </p:cTn>
+                                        <p:tgtEl>
+                                          <p:spTgt spid="3">
+                                            <p:txEl>
+                                              <p:pRg st="3" end="3"/>
+                                            </p:txEl>
+                                          </p:spTgt>
+                                        </p:tgtEl>
+                                        <p:attrNameLst>
+                                          <p:attrName>style.visibility</p:attrName>
+                                        </p:attrNameLst>
+                                      </p:cBhvr>
+                                      <p:to>
+                                        <p:strVal val="visible"/>
+                                      </p:to>
+                                    </p:set>
+                                    <p:anim calcmode="lin" valueType="num">
+                                      <p:cBhvr additive="base">
+                                        <p:cTn id="17" dur="500" fill="hold"/>
+                                        <p:tgtEl>
+                                          <p:spTgt spid="3">
+                                            <p:txEl>
+                                              <p:pRg st="3" end="3"/>
+                                            </p:txEl>
+                                          </p:spTgt>
+                                        </p:tgtEl>
+                                        <p:attrNameLst>
+                                          <p:attrName>ppt_x</p:attrName>
+                                        </p:attrNameLst>
+                                      </p:cBhvr>
+                                      <p:tavLst>
+                                        <p:tav tm="0">
+                                          <p:val>
+                                            <p:strVal val="#ppt_x"/>
+                                          </p:val>
+                                        </p:tav>
+                                        <p:tav tm="100000">
+                                          <p:val>
+                                            <p:strVal val="#ppt_x"/>
+                                          </p:val>
+                                        </p:tav>
+                                      </p:tavLst>
+                                    </p:anim>
+                                    <p:anim calcmode="lin" valueType="num">
+                                      <p:cBhvr additive="base">
+                                        <p:cTn id="18" dur="500" fill="hold"/>
+                                        <p:tgtEl>
+                                          <p:spTgt spid="3">
+                                            <p:txEl>
+                                              <p:pRg st="3" end="3"/>
+                                            </p:txEl>
+                                          </p:spTgt>
+                                        </p:tgtEl>
+                                        <p:attrNameLst>
+                                          <p:attrName>ppt_y</p:attrName>
+                                        </p:attrNameLst>
+                                      </p:cBhvr>
+                                      <p:tavLst>
+                                        <p:tav tm="0">
+                                          <p:val>
+                                            <p:strVal val="1+#ppt_h/2"/>
+                                          </p:val>
+                                        </p:tav>
+                                        <p:tav tm="100000">
+                                          <p:val>
+                                            <p:strVal val="#ppt_y"/>
+                                          </p:val>
+                                        </p:tav>
+                                      </p:tavLst>
+                                    </p:anim>
+                                  </p:childTnLst>
+                                </p:cTn>
+                              </p:par>
+                              <p:par>
+                                <p:cTn id="19" presetID="2" presetClass="entr" presetSubtype="4" fill="hold" grpId="0" nodeType="withEffect">
+                                  <p:stCondLst>
+                                    <p:cond delay="0"/>
+                                  </p:stCondLst>
+                                  <p:childTnLst>
+                                    <p:set>
+                                      <p:cBhvr>
+                                        <p:cTn id="20" dur="1" fill="hold">
+                                          <p:stCondLst>
+                                            <p:cond delay="0"/>
+                                          </p:stCondLst>
+                                        </p:cTn>
+                                        <p:tgtEl>
+                                          <p:spTgt spid="3">
+                                            <p:txEl>
+                                              <p:pRg st="4" end="4"/>
+                                            </p:txEl>
+                                          </p:spTgt>
+                                        </p:tgtEl>
+                                        <p:attrNameLst>
+                                          <p:attrName>style.visibility</p:attrName>
+                                        </p:attrNameLst>
+                                      </p:cBhvr>
+                                      <p:to>
+                                        <p:strVal val="visible"/>
+                                      </p:to>
+                                    </p:set>
+                                    <p:anim calcmode="lin" valueType="num">
+                                      <p:cBhvr additive="base">
+                                        <p:cTn id="21" dur="500" fill="hold"/>
+                                        <p:tgtEl>
+                                          <p:spTgt spid="3">
+                                            <p:txEl>
+                                              <p:pRg st="4" end="4"/>
+                                            </p:txEl>
+                                          </p:spTgt>
+                                        </p:tgtEl>
+                                        <p:attrNameLst>
+                                          <p:attrName>ppt_x</p:attrName>
+                                        </p:attrNameLst>
+                                      </p:cBhvr>
+                                      <p:tavLst>
+                                        <p:tav tm="0">
+                                          <p:val>
+                                            <p:strVal val="#ppt_x"/>
+                                          </p:val>
+                                        </p:tav>
+                                        <p:tav tm="100000">
+                                          <p:val>
+                                            <p:strVal val="#ppt_x"/>
+                                          </p:val>
+                                        </p:tav>
+                                      </p:tavLst>
+                                    </p:anim>
+                                    <p:anim calcmode="lin" valueType="num">
+                                      <p:cBhvr additive="base">
+                                        <p:cTn id="22" dur="500" fill="hold"/>
+                                        <p:tgtEl>
+                                          <p:spTgt spid="3">
+                                            <p:txEl>
+                                              <p:pRg st="4" end="4"/>
+                                            </p:txEl>
+                                          </p:spTgt>
+                                        </p:tgtEl>
+                                        <p:attrNameLst>
+                                          <p:attrName>ppt_y</p:attrName>
+                                        </p:attrNameLst>
+                                      </p:cBhvr>
+                                      <p:tavLst>
+                                        <p:tav tm="0">
+                                          <p:val>
+                                            <p:strVal val="1+#ppt_h/2"/>
+                                          </p:val>
+                                        </p:tav>
+                                        <p:tav tm="100000">
+                                          <p:val>
+                                            <p:strVal val="#ppt_y"/>
+                                          </p:val>
+                                        </p:tav>
+                                      </p:tavLst>
+                                    </p:anim>
+                                  </p:childTnLst>
+                                </p:cTn>
+                              </p:par>
+                              <p:par>
+                                <p:cTn id="23" presetID="2" presetClass="entr" presetSubtype="4" fill="hold" grpId="0" nodeType="withEffect">
+                                  <p:stCondLst>
+                                    <p:cond delay="0"/>
+                                  </p:stCondLst>
+                                  <p:childTnLst>
+                                    <p:set>
+                                      <p:cBhvr>
+                                        <p:cTn id="24" dur="1" fill="hold">
+                                          <p:stCondLst>
+                                            <p:cond delay="0"/>
+                                          </p:stCondLst>
+                                        </p:cTn>
+                                        <p:tgtEl>
+                                          <p:spTgt spid="3">
+                                            <p:txEl>
+                                              <p:pRg st="5" end="5"/>
+                                            </p:txEl>
+                                          </p:spTgt>
+                                        </p:tgtEl>
+                                        <p:attrNameLst>
+                                          <p:attrName>style.visibility</p:attrName>
+                                        </p:attrNameLst>
+                                      </p:cBhvr>
+                                      <p:to>
+                                        <p:strVal val="visible"/>
+                                      </p:to>
+                                    </p:set>
+                                    <p:anim calcmode="lin" valueType="num">
+                                      <p:cBhvr additive="base">
+                                        <p:cTn id="25" dur="500" fill="hold"/>
+                                        <p:tgtEl>
+                                          <p:spTgt spid="3">
+                                            <p:txEl>
+                                              <p:pRg st="5" end="5"/>
+                                            </p:txEl>
+                                          </p:spTgt>
+                                        </p:tgtEl>
+                                        <p:attrNameLst>
+                                          <p:attrName>ppt_x</p:attrName>
+                                        </p:attrNameLst>
+                                      </p:cBhvr>
+                                      <p:tavLst>
+                                        <p:tav tm="0">
+                                          <p:val>
+                                            <p:strVal val="#ppt_x"/>
+                                          </p:val>
+                                        </p:tav>
+                                        <p:tav tm="100000">
+                                          <p:val>
+                                            <p:strVal val="#ppt_x"/>
+                                          </p:val>
+                                        </p:tav>
+                                      </p:tavLst>
+                                    </p:anim>
+                                    <p:anim calcmode="lin" valueType="num">
+                                      <p:cBhvr additive="base">
+                                        <p:cTn id="26" dur="500" fill="hold"/>
+                                        <p:tgtEl>
+                                          <p:spTgt spid="3">
+                                            <p:txEl>
+                                              <p:pRg st="5" end="5"/>
+                                            </p:txEl>
+                                          </p:spTgt>
+                                        </p:tgtEl>
+                                        <p:attrNameLst>
+                                          <p:attrName>ppt_y</p:attrName>
+                                        </p:attrNameLst>
+                                      </p:cBhvr>
+                                      <p:tavLst>
+                                        <p:tav tm="0">
+                                          <p:val>
+                                            <p:strVal val="1+#ppt_h/2"/>
+                                          </p:val>
+                                        </p:tav>
+                                        <p:tav tm="100000">
+                                          <p:val>
+                                            <p:strVal val="#ppt_y"/>
+                                          </p:val>
+                                        </p:tav>
+                                      </p:tavLst>
+                                    </p:anim>
+                                  </p:childTnLst>
+                                </p:cTn>
+                              </p:par>
+                            </p:childTnLst>
+                          </p:cTn>
+                        </p:par>
+                      </p:childTnLst>
+                    </p:cTn>
+                  </p:par>
+                  <p:par>
+                    <p:cTn id="27" fill="hold">
+                      <p:stCondLst>
+                        <p:cond delay="indefinite"/>
+                      </p:stCondLst>
+                      <p:childTnLst>
+                        <p:par>
+                          <p:cTn id="28" fill="hold">
+                            <p:stCondLst>
+                              <p:cond delay="0"/>
+                            </p:stCondLst>
+                            <p:childTnLst>
+                              <p:par>
+                                <p:cTn id="29" presetID="2" presetClass="entr" presetSubtype="4" fill="hold" grpId="0" nodeType="clickEffect">
+                                  <p:stCondLst>
+                                    <p:cond delay="0"/>
+                                  </p:stCondLst>
+                                  <p:childTnLst>
+                                    <p:set>
+                                      <p:cBhvr>
+                                        <p:cTn id="30" dur="1" fill="hold">
+                                          <p:stCondLst>
+                                            <p:cond delay="0"/>
+                                          </p:stCondLst>
+                                        </p:cTn>
+                                        <p:tgtEl>
+                                          <p:spTgt spid="3">
+                                            <p:txEl>
+                                              <p:pRg st="7" end="7"/>
+                                            </p:txEl>
+                                          </p:spTgt>
+                                        </p:tgtEl>
+                                        <p:attrNameLst>
+                                          <p:attrName>style.visibility</p:attrName>
+                                        </p:attrNameLst>
+                                      </p:cBhvr>
+                                      <p:to>
+                                        <p:strVal val="visible"/>
+                                      </p:to>
+                                    </p:set>
+                                    <p:anim calcmode="lin" valueType="num">
+                                      <p:cBhvr additive="base">
+                                        <p:cTn id="31" dur="500" fill="hold"/>
+                                        <p:tgtEl>
+                                          <p:spTgt spid="3">
+                                            <p:txEl>
+                                              <p:pRg st="7" end="7"/>
+                                            </p:txEl>
+                                          </p:spTgt>
+                                        </p:tgtEl>
+                                        <p:attrNameLst>
+                                          <p:attrName>ppt_x</p:attrName>
+                                        </p:attrNameLst>
+                                      </p:cBhvr>
+                                      <p:tavLst>
+                                        <p:tav tm="0">
+                                          <p:val>
+                                            <p:strVal val="#ppt_x"/>
+                                          </p:val>
+                                        </p:tav>
+                                        <p:tav tm="100000">
+                                          <p:val>
+                                            <p:strVal val="#ppt_x"/>
+                                          </p:val>
+                                        </p:tav>
+                                      </p:tavLst>
+                                    </p:anim>
+                                    <p:anim calcmode="lin" valueType="num">
+                                      <p:cBhvr additive="base">
+                                        <p:cTn id="32" dur="500" fill="hold"/>
+                                        <p:tgtEl>
+                                          <p:spTgt spid="3">
+                                            <p:txEl>
+                                              <p:pRg st="7" end="7"/>
+                                            </p:txEl>
+                                          </p:spTgt>
+                                        </p:tgtEl>
+                                        <p:attrNameLst>
+                                          <p:attrName>ppt_y</p:attrName>
+                                        </p:attrNameLst>
+                                      </p:cBhvr>
+                                      <p:tavLst>
+                                        <p:tav tm="0">
+                                          <p:val>
+                                            <p:strVal val="1+#ppt_h/2"/>
+                                          </p:val>
+                                        </p:tav>
+                                        <p:tav tm="100000">
+                                          <p:val>
+                                            <p:strVal val="#ppt_y"/>
+                                          </p:val>
+                                        </p:tav>
+                                      </p:tavLst>
+                                    </p:anim>
+                                  </p:childTnLst>
+                                </p:cTn>
+                              </p:par>
+                            </p:childTnLst>
+                          </p:cTn>
+                        </p:par>
+                      </p:childTnLst>
+                    </p:cTn>
+                  </p:par>
+                </p:childTnLst>
+              </p:cTn>
+              <p:prevCondLst>
+                <p:cond evt="onPrev" delay="0">
+                  <p:tgtEl>
+                    <p:sldTgt/>
+                  </p:tgtEl>
+                </p:cond>
+              </p:prevCondLst>
+              <p:nextCondLst>
+                <p:cond evt="onNext" delay="0">
+                  <p:tgtEl>
+                    <p:sldTgt/>
+                  </p:tgtEl>
+                </p:cond>
+              </p:nextCondLst>
+            </p:seq>
+          </p:childTnLst>
+        </p:cTn>
+      </p:par>
+    </p:tnLst>
+    <p:bldLst>
+      <p:bldP spid="3" grpId="0" build="p"/>
+    </p:bldLst>
+  </p:timing>
+</p:sld>
+</file>
+
+<file path=ppt/slides/slide28.xml><?xml version="1.0" encoding="utf-8"?>
+<p:sld xmlns:a="http://schemas.openxmlformats.org/drawingml/2006/main" xmlns:r="http://schemas.openxmlformats.org/officeDocument/2006/relationships" xmlns:p="http://schemas.openxmlformats.org/presentationml/2006/main">
+  <p:cSld>
+    <p:spTree>
+      <p:nvGrpSpPr>
+        <p:cNvPr id="1" name=""/>
+        <p:cNvGrpSpPr/>
+        <p:nvPr/>
+      </p:nvGrpSpPr>
+      <p:grpSpPr>
+        <a:xfrm>
+          <a:off x="0" y="0"/>
+          <a:ext cx="0" cy="0"/>
+          <a:chOff x="0" y="0"/>
+          <a:chExt cx="0" cy="0"/>
+        </a:xfrm>
+      </p:grpSpPr>
+      <p:sp>
+        <p:nvSpPr>
+          <p:cNvPr id="2" name="Title 1">
+            <a:extLst>
+              <a:ext uri="{FF2B5EF4-FFF2-40B4-BE49-F238E27FC236}">
+                <a16:creationId xmlns:a16="http://schemas.microsoft.com/office/drawing/2014/main" id="{F2FDFCEB-55CB-AE07-D173-922A5EAE2BE5}"/>
+              </a:ext>
+            </a:extLst>
+          </p:cNvPr>
+          <p:cNvSpPr>
+            <a:spLocks noGrp="1"/>
+          </p:cNvSpPr>
+          <p:nvPr>
+            <p:ph type="title"/>
+          </p:nvPr>
+        </p:nvSpPr>
+        <p:spPr/>
+        <p:txBody>
+          <a:bodyPr/>
+          <a:lstStyle/>
+          <a:p>
+            <a:r>
+              <a:rPr lang="en-IE" dirty="0"/>
+              <a:t>Connecting IntelliJ to GitHub</a:t>
+            </a:r>
+          </a:p>
+        </p:txBody>
+      </p:sp>
+      <p:sp>
+        <p:nvSpPr>
+          <p:cNvPr id="3" name="Content Placeholder 2">
+            <a:extLst>
+              <a:ext uri="{FF2B5EF4-FFF2-40B4-BE49-F238E27FC236}">
+                <a16:creationId xmlns:a16="http://schemas.microsoft.com/office/drawing/2014/main" id="{E5302CDA-2A54-844B-5653-54D8141DA657}"/>
+              </a:ext>
+            </a:extLst>
+          </p:cNvPr>
+          <p:cNvSpPr>
+            <a:spLocks noGrp="1"/>
+          </p:cNvSpPr>
+          <p:nvPr>
+            <p:ph idx="1"/>
+          </p:nvPr>
+        </p:nvSpPr>
+        <p:spPr>
+          <a:xfrm>
+            <a:off x="838200" y="1825625"/>
+            <a:ext cx="6807200" cy="4351338"/>
+          </a:xfrm>
+        </p:spPr>
+        <p:txBody>
+          <a:bodyPr>
+            <a:normAutofit/>
+          </a:bodyPr>
+          <a:lstStyle/>
+          <a:p>
+            <a:r>
+              <a:rPr lang="en-US" dirty="0"/>
+              <a:t>Before using GitHub in IntelliJ:</a:t>
+            </a:r>
+          </a:p>
+          <a:p>
+            <a:pPr marL="971550" lvl="1" indent="-514350">
+              <a:buFont typeface="+mj-lt"/>
+              <a:buAutoNum type="arabicPeriod"/>
+            </a:pPr>
+            <a:r>
+              <a:rPr lang="en-US" dirty="0"/>
+              <a:t>You must have a </a:t>
+            </a:r>
+            <a:r>
+              <a:rPr lang="en-US" b="1" dirty="0"/>
+              <a:t>GitHub account</a:t>
+            </a:r>
+            <a:endParaRPr lang="en-US" dirty="0"/>
+          </a:p>
+          <a:p>
+            <a:pPr marL="971550" lvl="1" indent="-514350">
+              <a:buFont typeface="+mj-lt"/>
+              <a:buAutoNum type="arabicPeriod"/>
+            </a:pPr>
+            <a:r>
+              <a:rPr lang="en-US" dirty="0"/>
+              <a:t>Git must be installed on your computer</a:t>
+            </a:r>
+          </a:p>
+          <a:p>
+            <a:pPr marL="971550" lvl="1" indent="-514350">
+              <a:buFont typeface="+mj-lt"/>
+              <a:buAutoNum type="arabicPeriod"/>
+            </a:pPr>
+            <a:r>
+              <a:rPr lang="en-US" dirty="0"/>
+              <a:t>IntelliJ must be linked to your GitHub account</a:t>
+            </a:r>
+          </a:p>
+          <a:p>
+            <a:endParaRPr lang="en-IE" dirty="0"/>
+          </a:p>
+        </p:txBody>
+      </p:sp>
+    </p:spTree>
+    <p:extLst>
+      <p:ext uri="{BB962C8B-B14F-4D97-AF65-F5344CB8AC3E}">
+        <p14:creationId xmlns:p14="http://schemas.microsoft.com/office/powerpoint/2010/main" val="4203212534"/>
+      </p:ext>
+    </p:extLst>
+  </p:cSld>
+  <p:clrMapOvr>
+    <a:masterClrMapping/>
+  </p:clrMapOvr>
+</p:sld>
+</file>
+
+<file path=ppt/slides/slide29.xml><?xml version="1.0" encoding="utf-8"?>
+<p:sld xmlns:a="http://schemas.openxmlformats.org/drawingml/2006/main" xmlns:r="http://schemas.openxmlformats.org/officeDocument/2006/relationships" xmlns:p="http://schemas.openxmlformats.org/presentationml/2006/main">
+  <p:cSld>
+    <p:spTree>
+      <p:nvGrpSpPr>
+        <p:cNvPr id="1" name=""/>
+        <p:cNvGrpSpPr/>
+        <p:nvPr/>
+      </p:nvGrpSpPr>
+      <p:grpSpPr>
+        <a:xfrm>
+          <a:off x="0" y="0"/>
+          <a:ext cx="0" cy="0"/>
+          <a:chOff x="0" y="0"/>
+          <a:chExt cx="0" cy="0"/>
+        </a:xfrm>
+      </p:grpSpPr>
+      <p:sp>
+        <p:nvSpPr>
+          <p:cNvPr id="2" name="Title 1">
+            <a:extLst>
+              <a:ext uri="{FF2B5EF4-FFF2-40B4-BE49-F238E27FC236}">
+                <a16:creationId xmlns:a16="http://schemas.microsoft.com/office/drawing/2014/main" id="{3F1940E8-7D03-90F6-C6B4-B504320A2021}"/>
+              </a:ext>
+            </a:extLst>
+          </p:cNvPr>
+          <p:cNvSpPr>
+            <a:spLocks noGrp="1"/>
+          </p:cNvSpPr>
+          <p:nvPr>
+            <p:ph type="title"/>
+          </p:nvPr>
+        </p:nvSpPr>
+        <p:spPr/>
+        <p:txBody>
+          <a:bodyPr/>
+          <a:lstStyle/>
+          <a:p>
+            <a:endParaRPr lang="en-IE"/>
+          </a:p>
+        </p:txBody>
+      </p:sp>
+      <p:sp>
+        <p:nvSpPr>
+          <p:cNvPr id="3" name="Content Placeholder 2">
+            <a:extLst>
+              <a:ext uri="{FF2B5EF4-FFF2-40B4-BE49-F238E27FC236}">
+                <a16:creationId xmlns:a16="http://schemas.microsoft.com/office/drawing/2014/main" id="{2EEA6BBD-8E83-6227-1B6D-2EA4799097AB}"/>
+              </a:ext>
+            </a:extLst>
+          </p:cNvPr>
+          <p:cNvSpPr>
+            <a:spLocks noGrp="1"/>
+          </p:cNvSpPr>
+          <p:nvPr>
+            <p:ph idx="1"/>
+          </p:nvPr>
+        </p:nvSpPr>
+        <p:spPr>
+          <a:xfrm>
+            <a:off x="770467" y="1825625"/>
+            <a:ext cx="5406121" cy="3935096"/>
+          </a:xfrm>
+        </p:spPr>
+        <p:txBody>
+          <a:bodyPr>
+            <a:normAutofit/>
+          </a:bodyPr>
+          <a:lstStyle/>
+          <a:p>
+            <a:r>
+              <a:rPr lang="en-US" dirty="0"/>
+              <a:t>In IntelliJ:</a:t>
+            </a:r>
+          </a:p>
+          <a:p>
+            <a:pPr lvl="1"/>
+            <a:r>
+              <a:rPr lang="en-US" dirty="0"/>
+              <a:t>Settings → Version Control → GitHub</a:t>
+            </a:r>
+          </a:p>
+          <a:p>
+            <a:pPr lvl="1"/>
+            <a:r>
+              <a:rPr lang="en-US" dirty="0"/>
+              <a:t>Sign in using browser authentication</a:t>
+            </a:r>
+          </a:p>
+          <a:p>
+            <a:endParaRPr lang="en-US" dirty="0"/>
+          </a:p>
+          <a:p>
+            <a:r>
+              <a:rPr lang="en-US" dirty="0"/>
+              <a:t>Once connected, IntelliJ can:</a:t>
+            </a:r>
+          </a:p>
+          <a:p>
+            <a:pPr lvl="1"/>
+            <a:r>
+              <a:rPr lang="en-US" dirty="0"/>
+              <a:t>Create repositories on GitHub</a:t>
+            </a:r>
+          </a:p>
+          <a:p>
+            <a:pPr lvl="1"/>
+            <a:r>
+              <a:rPr lang="en-US" dirty="0"/>
+              <a:t>Push and pull code automatically</a:t>
+            </a:r>
+          </a:p>
+          <a:p>
+            <a:endParaRPr lang="en-IE" dirty="0"/>
+          </a:p>
+        </p:txBody>
+      </p:sp>
+      <p:pic>
+        <p:nvPicPr>
+          <p:cNvPr id="5" name="Picture 4">
+            <a:extLst>
+              <a:ext uri="{FF2B5EF4-FFF2-40B4-BE49-F238E27FC236}">
+                <a16:creationId xmlns:a16="http://schemas.microsoft.com/office/drawing/2014/main" id="{5434B9D5-5649-0799-2D5F-3031439611E3}"/>
+              </a:ext>
+            </a:extLst>
+          </p:cNvPr>
+          <p:cNvPicPr>
+            <a:picLocks noChangeAspect="1"/>
+          </p:cNvPicPr>
+          <p:nvPr/>
+        </p:nvPicPr>
+        <p:blipFill>
+          <a:blip r:embed="rId2"/>
+          <a:stretch>
+            <a:fillRect/>
+          </a:stretch>
+        </p:blipFill>
+        <p:spPr>
+          <a:xfrm>
+            <a:off x="6096000" y="43710"/>
+            <a:ext cx="5839305" cy="3428894"/>
+          </a:xfrm>
+          <a:prstGeom prst="rect">
+            <a:avLst/>
+          </a:prstGeom>
+        </p:spPr>
+      </p:pic>
+      <p:pic>
+        <p:nvPicPr>
+          <p:cNvPr id="6" name="Picture 5">
+            <a:extLst>
+              <a:ext uri="{FF2B5EF4-FFF2-40B4-BE49-F238E27FC236}">
+                <a16:creationId xmlns:a16="http://schemas.microsoft.com/office/drawing/2014/main" id="{B82A11C6-3BE7-3006-CC97-63837B2A7BA2}"/>
+              </a:ext>
+            </a:extLst>
+          </p:cNvPr>
+          <p:cNvPicPr>
+            <a:picLocks noChangeAspect="1"/>
+          </p:cNvPicPr>
+          <p:nvPr/>
+        </p:nvPicPr>
+        <p:blipFill>
+          <a:blip r:embed="rId3"/>
+          <a:stretch>
+            <a:fillRect/>
+          </a:stretch>
+        </p:blipFill>
+        <p:spPr>
+          <a:xfrm>
+            <a:off x="6697064" y="3737286"/>
+            <a:ext cx="4020111" cy="3077004"/>
+          </a:xfrm>
+          <a:prstGeom prst="rect">
+            <a:avLst/>
+          </a:prstGeom>
+        </p:spPr>
+      </p:pic>
+    </p:spTree>
+    <p:extLst>
+      <p:ext uri="{BB962C8B-B14F-4D97-AF65-F5344CB8AC3E}">
+        <p14:creationId xmlns:p14="http://schemas.microsoft.com/office/powerpoint/2010/main" val="445714046"/>
+      </p:ext>
+    </p:extLst>
+  </p:cSld>
+  <p:clrMapOvr>
+    <a:masterClrMapping/>
+  </p:clrMapOvr>
+  <p:timing>
+    <p:tnLst>
+      <p:par>
+        <p:cTn id="1" dur="indefinite" restart="never" nodeType="tmRoot">
+          <p:childTnLst>
+            <p:seq concurrent="1" nextAc="seek">
+              <p:cTn id="2" dur="indefinite" nodeType="mainSeq">
+                <p:childTnLst>
+                  <p:par>
+                    <p:cTn id="3" fill="hold">
+                      <p:stCondLst>
+                        <p:cond delay="indefinite"/>
+                      </p:stCondLst>
+                      <p:childTnLst>
+                        <p:par>
+                          <p:cTn id="4" fill="hold">
+                            <p:stCondLst>
+                              <p:cond delay="0"/>
+                            </p:stCondLst>
+                            <p:childTnLst>
+                              <p:par>
+                                <p:cTn id="5" presetID="2" presetClass="entr" presetSubtype="4" fill="hold" grpId="0" nodeType="clickEffect">
+                                  <p:stCondLst>
+                                    <p:cond delay="0"/>
+                                  </p:stCondLst>
+                                  <p:childTnLst>
+                                    <p:set>
+                                      <p:cBhvr>
+                                        <p:cTn id="6" dur="1" fill="hold">
+                                          <p:stCondLst>
+                                            <p:cond delay="0"/>
+                                          </p:stCondLst>
+                                        </p:cTn>
+                                        <p:tgtEl>
+                                          <p:spTgt spid="3">
+                                            <p:txEl>
+                                              <p:pRg st="0" end="0"/>
+                                            </p:txEl>
+                                          </p:spTgt>
+                                        </p:tgtEl>
+                                        <p:attrNameLst>
+                                          <p:attrName>style.visibility</p:attrName>
+                                        </p:attrNameLst>
+                                      </p:cBhvr>
+                                      <p:to>
+                                        <p:strVal val="visible"/>
+                                      </p:to>
+                                    </p:set>
+                                    <p:anim calcmode="lin" valueType="num">
+                                      <p:cBhvr additive="base">
+                                        <p:cTn id="7" dur="500" fill="hold"/>
+                                        <p:tgtEl>
+                                          <p:spTgt spid="3">
+                                            <p:txEl>
+                                              <p:pRg st="0" end="0"/>
+                                            </p:txEl>
+                                          </p:spTgt>
+                                        </p:tgtEl>
+                                        <p:attrNameLst>
+                                          <p:attrName>ppt_x</p:attrName>
+                                        </p:attrNameLst>
+                                      </p:cBhvr>
+                                      <p:tavLst>
+                                        <p:tav tm="0">
+                                          <p:val>
+                                            <p:strVal val="#ppt_x"/>
+                                          </p:val>
+                                        </p:tav>
+                                        <p:tav tm="100000">
+                                          <p:val>
+                                            <p:strVal val="#ppt_x"/>
+                                          </p:val>
+                                        </p:tav>
+                                      </p:tavLst>
+                                    </p:anim>
+                                    <p:anim calcmode="lin" valueType="num">
+                                      <p:cBhvr additive="base">
+                                        <p:cTn id="8" dur="500" fill="hold"/>
+                                        <p:tgtEl>
+                                          <p:spTgt spid="3">
+                                            <p:txEl>
+                                              <p:pRg st="0" end="0"/>
+                                            </p:txEl>
+                                          </p:spTgt>
+                                        </p:tgtEl>
+                                        <p:attrNameLst>
+                                          <p:attrName>ppt_y</p:attrName>
+                                        </p:attrNameLst>
+                                      </p:cBhvr>
+                                      <p:tavLst>
+                                        <p:tav tm="0">
+                                          <p:val>
+                                            <p:strVal val="1+#ppt_h/2"/>
+                                          </p:val>
+                                        </p:tav>
+                                        <p:tav tm="100000">
+                                          <p:val>
+                                            <p:strVal val="#ppt_y"/>
+                                          </p:val>
+                                        </p:tav>
+                                      </p:tavLst>
+                                    </p:anim>
+                                  </p:childTnLst>
+                                </p:cTn>
+                              </p:par>
+                              <p:par>
+                                <p:cTn id="9" presetID="2" presetClass="entr" presetSubtype="4" fill="hold" grpId="0" nodeType="withEffect">
+                                  <p:stCondLst>
+                                    <p:cond delay="0"/>
+                                  </p:stCondLst>
+                                  <p:childTnLst>
+                                    <p:set>
+                                      <p:cBhvr>
+                                        <p:cTn id="10" dur="1" fill="hold">
+                                          <p:stCondLst>
+                                            <p:cond delay="0"/>
+                                          </p:stCondLst>
+                                        </p:cTn>
+                                        <p:tgtEl>
+                                          <p:spTgt spid="3">
+                                            <p:txEl>
+                                              <p:pRg st="1" end="1"/>
+                                            </p:txEl>
+                                          </p:spTgt>
+                                        </p:tgtEl>
+                                        <p:attrNameLst>
+                                          <p:attrName>style.visibility</p:attrName>
+                                        </p:attrNameLst>
+                                      </p:cBhvr>
+                                      <p:to>
+                                        <p:strVal val="visible"/>
+                                      </p:to>
+                                    </p:set>
+                                    <p:anim calcmode="lin" valueType="num">
+                                      <p:cBhvr additive="base">
+                                        <p:cTn id="11" dur="500" fill="hold"/>
+                                        <p:tgtEl>
+                                          <p:spTgt spid="3">
+                                            <p:txEl>
+                                              <p:pRg st="1" end="1"/>
+                                            </p:txEl>
+                                          </p:spTgt>
+                                        </p:tgtEl>
+                                        <p:attrNameLst>
+                                          <p:attrName>ppt_x</p:attrName>
+                                        </p:attrNameLst>
+                                      </p:cBhvr>
+                                      <p:tavLst>
+                                        <p:tav tm="0">
+                                          <p:val>
+                                            <p:strVal val="#ppt_x"/>
+                                          </p:val>
+                                        </p:tav>
+                                        <p:tav tm="100000">
+                                          <p:val>
+                                            <p:strVal val="#ppt_x"/>
+                                          </p:val>
+                                        </p:tav>
+                                      </p:tavLst>
+                                    </p:anim>
+                                    <p:anim calcmode="lin" valueType="num">
+                                      <p:cBhvr additive="base">
+                                        <p:cTn id="12" dur="500" fill="hold"/>
+                                        <p:tgtEl>
+                                          <p:spTgt spid="3">
+                                            <p:txEl>
+                                              <p:pRg st="1" end="1"/>
+                                            </p:txEl>
+                                          </p:spTgt>
+                                        </p:tgtEl>
+                                        <p:attrNameLst>
+                                          <p:attrName>ppt_y</p:attrName>
+                                        </p:attrNameLst>
+                                      </p:cBhvr>
+                                      <p:tavLst>
+                                        <p:tav tm="0">
+                                          <p:val>
+                                            <p:strVal val="1+#ppt_h/2"/>
+                                          </p:val>
+                                        </p:tav>
+                                        <p:tav tm="100000">
+                                          <p:val>
+                                            <p:strVal val="#ppt_y"/>
+                                          </p:val>
+                                        </p:tav>
+                                      </p:tavLst>
+                                    </p:anim>
+                                  </p:childTnLst>
+                                </p:cTn>
+                              </p:par>
+                              <p:par>
+                                <p:cTn id="13" presetID="2" presetClass="entr" presetSubtype="4" fill="hold" grpId="0" nodeType="withEffect">
+                                  <p:stCondLst>
+                                    <p:cond delay="0"/>
+                                  </p:stCondLst>
+                                  <p:childTnLst>
+                                    <p:set>
+                                      <p:cBhvr>
+                                        <p:cTn id="14" dur="1" fill="hold">
+                                          <p:stCondLst>
+                                            <p:cond delay="0"/>
+                                          </p:stCondLst>
+                                        </p:cTn>
+                                        <p:tgtEl>
+                                          <p:spTgt spid="3">
+                                            <p:txEl>
+                                              <p:pRg st="2" end="2"/>
+                                            </p:txEl>
+                                          </p:spTgt>
+                                        </p:tgtEl>
+                                        <p:attrNameLst>
+                                          <p:attrName>style.visibility</p:attrName>
+                                        </p:attrNameLst>
+                                      </p:cBhvr>
+                                      <p:to>
+                                        <p:strVal val="visible"/>
+                                      </p:to>
+                                    </p:set>
+                                    <p:anim calcmode="lin" valueType="num">
+                                      <p:cBhvr additive="base">
+                                        <p:cTn id="15" dur="500" fill="hold"/>
+                                        <p:tgtEl>
+                                          <p:spTgt spid="3">
+                                            <p:txEl>
+                                              <p:pRg st="2" end="2"/>
+                                            </p:txEl>
+                                          </p:spTgt>
+                                        </p:tgtEl>
+                                        <p:attrNameLst>
+                                          <p:attrName>ppt_x</p:attrName>
+                                        </p:attrNameLst>
+                                      </p:cBhvr>
+                                      <p:tavLst>
+                                        <p:tav tm="0">
+                                          <p:val>
+                                            <p:strVal val="#ppt_x"/>
+                                          </p:val>
+                                        </p:tav>
+                                        <p:tav tm="100000">
+                                          <p:val>
+                                            <p:strVal val="#ppt_x"/>
+                                          </p:val>
+                                        </p:tav>
+                                      </p:tavLst>
+                                    </p:anim>
+                                    <p:anim calcmode="lin" valueType="num">
+                                      <p:cBhvr additive="base">
+                                        <p:cTn id="16" dur="500" fill="hold"/>
+                                        <p:tgtEl>
+                                          <p:spTgt spid="3">
+                                            <p:txEl>
+                                              <p:pRg st="2" end="2"/>
+                                            </p:txEl>
+                                          </p:spTgt>
+                                        </p:tgtEl>
+                                        <p:attrNameLst>
+                                          <p:attrName>ppt_y</p:attrName>
+                                        </p:attrNameLst>
+                                      </p:cBhvr>
+                                      <p:tavLst>
+                                        <p:tav tm="0">
+                                          <p:val>
+                                            <p:strVal val="1+#ppt_h/2"/>
+                                          </p:val>
+                                        </p:tav>
+                                        <p:tav tm="100000">
+                                          <p:val>
+                                            <p:strVal val="#ppt_y"/>
+                                          </p:val>
+                                        </p:tav>
+                                      </p:tavLst>
+                                    </p:anim>
+                                  </p:childTnLst>
+                                </p:cTn>
+                              </p:par>
+                            </p:childTnLst>
+                          </p:cTn>
+                        </p:par>
+                        <p:par>
+                          <p:cTn id="17" fill="hold">
+                            <p:stCondLst>
+                              <p:cond delay="500"/>
+                            </p:stCondLst>
+                            <p:childTnLst>
+                              <p:par>
+                                <p:cTn id="18" presetID="42" presetClass="entr" presetSubtype="0" fill="hold" nodeType="afterEffect">
+                                  <p:stCondLst>
+                                    <p:cond delay="0"/>
+                                  </p:stCondLst>
+                                  <p:childTnLst>
+                                    <p:set>
+                                      <p:cBhvr>
+                                        <p:cTn id="19" dur="1" fill="hold">
+                                          <p:stCondLst>
+                                            <p:cond delay="0"/>
+                                          </p:stCondLst>
+                                        </p:cTn>
+                                        <p:tgtEl>
+                                          <p:spTgt spid="5"/>
+                                        </p:tgtEl>
+                                        <p:attrNameLst>
+                                          <p:attrName>style.visibility</p:attrName>
+                                        </p:attrNameLst>
+                                      </p:cBhvr>
+                                      <p:to>
+                                        <p:strVal val="visible"/>
+                                      </p:to>
+                                    </p:set>
+                                    <p:animEffect transition="in" filter="fade">
+                                      <p:cBhvr>
+                                        <p:cTn id="20" dur="1000"/>
+                                        <p:tgtEl>
+                                          <p:spTgt spid="5"/>
+                                        </p:tgtEl>
+                                      </p:cBhvr>
+                                    </p:animEffect>
+                                    <p:anim calcmode="lin" valueType="num">
+                                      <p:cBhvr>
+                                        <p:cTn id="21" dur="1000" fill="hold"/>
+                                        <p:tgtEl>
+                                          <p:spTgt spid="5"/>
+                                        </p:tgtEl>
+                                        <p:attrNameLst>
+                                          <p:attrName>ppt_x</p:attrName>
+                                        </p:attrNameLst>
+                                      </p:cBhvr>
+                                      <p:tavLst>
+                                        <p:tav tm="0">
+                                          <p:val>
+                                            <p:strVal val="#ppt_x"/>
+                                          </p:val>
+                                        </p:tav>
+                                        <p:tav tm="100000">
+                                          <p:val>
+                                            <p:strVal val="#ppt_x"/>
+                                          </p:val>
+                                        </p:tav>
+                                      </p:tavLst>
+                                    </p:anim>
+                                    <p:anim calcmode="lin" valueType="num">
+                                      <p:cBhvr>
+                                        <p:cTn id="22" dur="1000" fill="hold"/>
+                                        <p:tgtEl>
+                                          <p:spTgt spid="5"/>
+                                        </p:tgtEl>
+                                        <p:attrNameLst>
+                                          <p:attrName>ppt_y</p:attrName>
+                                        </p:attrNameLst>
+                                      </p:cBhvr>
+                                      <p:tavLst>
+                                        <p:tav tm="0">
+                                          <p:val>
+                                            <p:strVal val="#ppt_y+.1"/>
+                                          </p:val>
+                                        </p:tav>
+                                        <p:tav tm="100000">
+                                          <p:val>
+                                            <p:strVal val="#ppt_y"/>
+                                          </p:val>
+                                        </p:tav>
+                                      </p:tavLst>
+                                    </p:anim>
+                                  </p:childTnLst>
+                                </p:cTn>
+                              </p:par>
+                            </p:childTnLst>
+                          </p:cTn>
+                        </p:par>
+                      </p:childTnLst>
+                    </p:cTn>
+                  </p:par>
+                  <p:par>
+                    <p:cTn id="23" fill="hold">
+                      <p:stCondLst>
+                        <p:cond delay="indefinite"/>
+                      </p:stCondLst>
+                      <p:childTnLst>
+                        <p:par>
+                          <p:cTn id="24" fill="hold">
+                            <p:stCondLst>
+                              <p:cond delay="0"/>
+                            </p:stCondLst>
+                            <p:childTnLst>
+                              <p:par>
+                                <p:cTn id="25" presetID="2" presetClass="entr" presetSubtype="4" fill="hold" grpId="0" nodeType="clickEffect">
+                                  <p:stCondLst>
+                                    <p:cond delay="0"/>
+                                  </p:stCondLst>
+                                  <p:childTnLst>
+                                    <p:set>
+                                      <p:cBhvr>
+                                        <p:cTn id="26" dur="1" fill="hold">
+                                          <p:stCondLst>
+                                            <p:cond delay="0"/>
+                                          </p:stCondLst>
+                                        </p:cTn>
+                                        <p:tgtEl>
+                                          <p:spTgt spid="3">
+                                            <p:txEl>
+                                              <p:pRg st="4" end="4"/>
+                                            </p:txEl>
+                                          </p:spTgt>
+                                        </p:tgtEl>
+                                        <p:attrNameLst>
+                                          <p:attrName>style.visibility</p:attrName>
+                                        </p:attrNameLst>
+                                      </p:cBhvr>
+                                      <p:to>
+                                        <p:strVal val="visible"/>
+                                      </p:to>
+                                    </p:set>
+                                    <p:anim calcmode="lin" valueType="num">
+                                      <p:cBhvr additive="base">
+                                        <p:cTn id="27" dur="500" fill="hold"/>
+                                        <p:tgtEl>
+                                          <p:spTgt spid="3">
+                                            <p:txEl>
+                                              <p:pRg st="4" end="4"/>
+                                            </p:txEl>
+                                          </p:spTgt>
+                                        </p:tgtEl>
+                                        <p:attrNameLst>
+                                          <p:attrName>ppt_x</p:attrName>
+                                        </p:attrNameLst>
+                                      </p:cBhvr>
+                                      <p:tavLst>
+                                        <p:tav tm="0">
+                                          <p:val>
+                                            <p:strVal val="#ppt_x"/>
+                                          </p:val>
+                                        </p:tav>
+                                        <p:tav tm="100000">
+                                          <p:val>
+                                            <p:strVal val="#ppt_x"/>
+                                          </p:val>
+                                        </p:tav>
+                                      </p:tavLst>
+                                    </p:anim>
+                                    <p:anim calcmode="lin" valueType="num">
+                                      <p:cBhvr additive="base">
+                                        <p:cTn id="28" dur="500" fill="hold"/>
+                                        <p:tgtEl>
+                                          <p:spTgt spid="3">
+                                            <p:txEl>
+                                              <p:pRg st="4" end="4"/>
+                                            </p:txEl>
+                                          </p:spTgt>
+                                        </p:tgtEl>
+                                        <p:attrNameLst>
+                                          <p:attrName>ppt_y</p:attrName>
+                                        </p:attrNameLst>
+                                      </p:cBhvr>
+                                      <p:tavLst>
+                                        <p:tav tm="0">
+                                          <p:val>
+                                            <p:strVal val="1+#ppt_h/2"/>
+                                          </p:val>
+                                        </p:tav>
+                                        <p:tav tm="100000">
+                                          <p:val>
+                                            <p:strVal val="#ppt_y"/>
+                                          </p:val>
+                                        </p:tav>
+                                      </p:tavLst>
+                                    </p:anim>
+                                  </p:childTnLst>
+                                </p:cTn>
+                              </p:par>
+                              <p:par>
+                                <p:cTn id="29" presetID="2" presetClass="entr" presetSubtype="4" fill="hold" grpId="0" nodeType="withEffect">
+                                  <p:stCondLst>
+                                    <p:cond delay="0"/>
+                                  </p:stCondLst>
+                                  <p:childTnLst>
+                                    <p:set>
+                                      <p:cBhvr>
+                                        <p:cTn id="30" dur="1" fill="hold">
+                                          <p:stCondLst>
+                                            <p:cond delay="0"/>
+                                          </p:stCondLst>
+                                        </p:cTn>
+                                        <p:tgtEl>
+                                          <p:spTgt spid="3">
+                                            <p:txEl>
+                                              <p:pRg st="5" end="5"/>
+                                            </p:txEl>
+                                          </p:spTgt>
+                                        </p:tgtEl>
+                                        <p:attrNameLst>
+                                          <p:attrName>style.visibility</p:attrName>
+                                        </p:attrNameLst>
+                                      </p:cBhvr>
+                                      <p:to>
+                                        <p:strVal val="visible"/>
+                                      </p:to>
+                                    </p:set>
+                                    <p:anim calcmode="lin" valueType="num">
+                                      <p:cBhvr additive="base">
+                                        <p:cTn id="31" dur="500" fill="hold"/>
+                                        <p:tgtEl>
+                                          <p:spTgt spid="3">
+                                            <p:txEl>
+                                              <p:pRg st="5" end="5"/>
+                                            </p:txEl>
+                                          </p:spTgt>
+                                        </p:tgtEl>
+                                        <p:attrNameLst>
+                                          <p:attrName>ppt_x</p:attrName>
+                                        </p:attrNameLst>
+                                      </p:cBhvr>
+                                      <p:tavLst>
+                                        <p:tav tm="0">
+                                          <p:val>
+                                            <p:strVal val="#ppt_x"/>
+                                          </p:val>
+                                        </p:tav>
+                                        <p:tav tm="100000">
+                                          <p:val>
+                                            <p:strVal val="#ppt_x"/>
+                                          </p:val>
+                                        </p:tav>
+                                      </p:tavLst>
+                                    </p:anim>
+                                    <p:anim calcmode="lin" valueType="num">
+                                      <p:cBhvr additive="base">
+                                        <p:cTn id="32" dur="500" fill="hold"/>
+                                        <p:tgtEl>
+                                          <p:spTgt spid="3">
+                                            <p:txEl>
+                                              <p:pRg st="5" end="5"/>
+                                            </p:txEl>
+                                          </p:spTgt>
+                                        </p:tgtEl>
+                                        <p:attrNameLst>
+                                          <p:attrName>ppt_y</p:attrName>
+                                        </p:attrNameLst>
+                                      </p:cBhvr>
+                                      <p:tavLst>
+                                        <p:tav tm="0">
+                                          <p:val>
+                                            <p:strVal val="1+#ppt_h/2"/>
+                                          </p:val>
+                                        </p:tav>
+                                        <p:tav tm="100000">
+                                          <p:val>
+                                            <p:strVal val="#ppt_y"/>
+                                          </p:val>
+                                        </p:tav>
+                                      </p:tavLst>
+                                    </p:anim>
+                                  </p:childTnLst>
+                                </p:cTn>
+                              </p:par>
+                              <p:par>
+                                <p:cTn id="33" presetID="2" presetClass="entr" presetSubtype="4" fill="hold" grpId="0" nodeType="withEffect">
+                                  <p:stCondLst>
+                                    <p:cond delay="0"/>
+                                  </p:stCondLst>
+                                  <p:childTnLst>
+                                    <p:set>
+                                      <p:cBhvr>
+                                        <p:cTn id="34" dur="1" fill="hold">
+                                          <p:stCondLst>
+                                            <p:cond delay="0"/>
+                                          </p:stCondLst>
+                                        </p:cTn>
+                                        <p:tgtEl>
+                                          <p:spTgt spid="3">
+                                            <p:txEl>
+                                              <p:pRg st="6" end="6"/>
+                                            </p:txEl>
+                                          </p:spTgt>
+                                        </p:tgtEl>
+                                        <p:attrNameLst>
+                                          <p:attrName>style.visibility</p:attrName>
+                                        </p:attrNameLst>
+                                      </p:cBhvr>
+                                      <p:to>
+                                        <p:strVal val="visible"/>
+                                      </p:to>
+                                    </p:set>
+                                    <p:anim calcmode="lin" valueType="num">
+                                      <p:cBhvr additive="base">
+                                        <p:cTn id="35" dur="500" fill="hold"/>
+                                        <p:tgtEl>
+                                          <p:spTgt spid="3">
+                                            <p:txEl>
+                                              <p:pRg st="6" end="6"/>
+                                            </p:txEl>
+                                          </p:spTgt>
+                                        </p:tgtEl>
+                                        <p:attrNameLst>
+                                          <p:attrName>ppt_x</p:attrName>
+                                        </p:attrNameLst>
+                                      </p:cBhvr>
+                                      <p:tavLst>
+                                        <p:tav tm="0">
+                                          <p:val>
+                                            <p:strVal val="#ppt_x"/>
+                                          </p:val>
+                                        </p:tav>
+                                        <p:tav tm="100000">
+                                          <p:val>
+                                            <p:strVal val="#ppt_x"/>
+                                          </p:val>
+                                        </p:tav>
+                                      </p:tavLst>
+                                    </p:anim>
+                                    <p:anim calcmode="lin" valueType="num">
+                                      <p:cBhvr additive="base">
+                                        <p:cTn id="36" dur="500" fill="hold"/>
+                                        <p:tgtEl>
+                                          <p:spTgt spid="3">
+                                            <p:txEl>
+                                              <p:pRg st="6" end="6"/>
+                                            </p:txEl>
+                                          </p:spTgt>
+                                        </p:tgtEl>
+                                        <p:attrNameLst>
+                                          <p:attrName>ppt_y</p:attrName>
+                                        </p:attrNameLst>
+                                      </p:cBhvr>
+                                      <p:tavLst>
+                                        <p:tav tm="0">
+                                          <p:val>
+                                            <p:strVal val="1+#ppt_h/2"/>
+                                          </p:val>
+                                        </p:tav>
+                                        <p:tav tm="100000">
+                                          <p:val>
+                                            <p:strVal val="#ppt_y"/>
+                                          </p:val>
+                                        </p:tav>
+                                      </p:tavLst>
+                                    </p:anim>
+                                  </p:childTnLst>
+                                </p:cTn>
+                              </p:par>
+                            </p:childTnLst>
+                          </p:cTn>
+                        </p:par>
+                        <p:par>
+                          <p:cTn id="37" fill="hold">
+                            <p:stCondLst>
+                              <p:cond delay="500"/>
+                            </p:stCondLst>
+                            <p:childTnLst>
+                              <p:par>
+                                <p:cTn id="38" presetID="42" presetClass="entr" presetSubtype="0" fill="hold" nodeType="afterEffect">
+                                  <p:stCondLst>
+                                    <p:cond delay="0"/>
+                                  </p:stCondLst>
+                                  <p:childTnLst>
+                                    <p:set>
+                                      <p:cBhvr>
+                                        <p:cTn id="39" dur="1" fill="hold">
+                                          <p:stCondLst>
+                                            <p:cond delay="0"/>
+                                          </p:stCondLst>
+                                        </p:cTn>
+                                        <p:tgtEl>
+                                          <p:spTgt spid="6"/>
+                                        </p:tgtEl>
+                                        <p:attrNameLst>
+                                          <p:attrName>style.visibility</p:attrName>
+                                        </p:attrNameLst>
+                                      </p:cBhvr>
+                                      <p:to>
+                                        <p:strVal val="visible"/>
+                                      </p:to>
+                                    </p:set>
+                                    <p:animEffect transition="in" filter="fade">
+                                      <p:cBhvr>
+                                        <p:cTn id="40" dur="1000"/>
+                                        <p:tgtEl>
+                                          <p:spTgt spid="6"/>
+                                        </p:tgtEl>
+                                      </p:cBhvr>
+                                    </p:animEffect>
+                                    <p:anim calcmode="lin" valueType="num">
+                                      <p:cBhvr>
+                                        <p:cTn id="41" dur="1000" fill="hold"/>
+                                        <p:tgtEl>
+                                          <p:spTgt spid="6"/>
+                                        </p:tgtEl>
+                                        <p:attrNameLst>
+                                          <p:attrName>ppt_x</p:attrName>
+                                        </p:attrNameLst>
+                                      </p:cBhvr>
+                                      <p:tavLst>
+                                        <p:tav tm="0">
+                                          <p:val>
+                                            <p:strVal val="#ppt_x"/>
+                                          </p:val>
+                                        </p:tav>
+                                        <p:tav tm="100000">
+                                          <p:val>
+                                            <p:strVal val="#ppt_x"/>
+                                          </p:val>
+                                        </p:tav>
+                                      </p:tavLst>
+                                    </p:anim>
+                                    <p:anim calcmode="lin" valueType="num">
+                                      <p:cBhvr>
+                                        <p:cTn id="42" dur="1000" fill="hold"/>
+                                        <p:tgtEl>
+                                          <p:spTgt spid="6"/>
+                                        </p:tgtEl>
+                                        <p:attrNameLst>
+                                          <p:attrName>ppt_y</p:attrName>
+                                        </p:attrNameLst>
+                                      </p:cBhvr>
+                                      <p:tavLst>
+                                        <p:tav tm="0">
+                                          <p:val>
+                                            <p:strVal val="#ppt_y+.1"/>
+                                          </p:val>
+                                        </p:tav>
+                                        <p:tav tm="100000">
+                                          <p:val>
+                                            <p:strVal val="#ppt_y"/>
+                                          </p:val>
+                                        </p:tav>
+                                      </p:tavLst>
+                                    </p:anim>
+                                  </p:childTnLst>
+                                </p:cTn>
+                              </p:par>
+                            </p:childTnLst>
+                          </p:cTn>
+                        </p:par>
+                      </p:childTnLst>
+                    </p:cTn>
+                  </p:par>
+                </p:childTnLst>
+              </p:cTn>
+              <p:prevCondLst>
+                <p:cond evt="onPrev" delay="0">
+                  <p:tgtEl>
+                    <p:sldTgt/>
+                  </p:tgtEl>
+                </p:cond>
+              </p:prevCondLst>
+              <p:nextCondLst>
+                <p:cond evt="onNext" delay="0">
+                  <p:tgtEl>
+                    <p:sldTgt/>
+                  </p:tgtEl>
+                </p:cond>
+              </p:nextCondLst>
+            </p:seq>
+          </p:childTnLst>
+        </p:cTn>
+      </p:par>
+    </p:tnLst>
+    <p:bldLst>
+      <p:bldP spid="3" grpId="0" uiExpand="1" build="p"/>
+    </p:bldLst>
+  </p:timing>
 </p:sld>
 </file>
 
@@ -12177,6 +13922,4526 @@
   <p:clrMapOvr>
     <a:masterClrMapping/>
   </p:clrMapOvr>
+</p:sld>
+</file>
+
+<file path=ppt/slides/slide30.xml><?xml version="1.0" encoding="utf-8"?>
+<p:sld xmlns:a="http://schemas.openxmlformats.org/drawingml/2006/main" xmlns:r="http://schemas.openxmlformats.org/officeDocument/2006/relationships" xmlns:p="http://schemas.openxmlformats.org/presentationml/2006/main">
+  <p:cSld>
+    <p:spTree>
+      <p:nvGrpSpPr>
+        <p:cNvPr id="1" name=""/>
+        <p:cNvGrpSpPr/>
+        <p:nvPr/>
+      </p:nvGrpSpPr>
+      <p:grpSpPr>
+        <a:xfrm>
+          <a:off x="0" y="0"/>
+          <a:ext cx="0" cy="0"/>
+          <a:chOff x="0" y="0"/>
+          <a:chExt cx="0" cy="0"/>
+        </a:xfrm>
+      </p:grpSpPr>
+      <p:sp>
+        <p:nvSpPr>
+          <p:cNvPr id="2" name="Title 1">
+            <a:extLst>
+              <a:ext uri="{FF2B5EF4-FFF2-40B4-BE49-F238E27FC236}">
+                <a16:creationId xmlns:a16="http://schemas.microsoft.com/office/drawing/2014/main" id="{C4DD193E-89BC-FAE8-F2F8-699AC9093AC2}"/>
+              </a:ext>
+            </a:extLst>
+          </p:cNvPr>
+          <p:cNvSpPr>
+            <a:spLocks noGrp="1"/>
+          </p:cNvSpPr>
+          <p:nvPr>
+            <p:ph type="title"/>
+          </p:nvPr>
+        </p:nvSpPr>
+        <p:spPr/>
+        <p:txBody>
+          <a:bodyPr/>
+          <a:lstStyle/>
+          <a:p>
+            <a:r>
+              <a:rPr lang="en-US" dirty="0"/>
+              <a:t>Creating a GitHub Repository from IntelliJ</a:t>
+            </a:r>
+            <a:endParaRPr lang="en-IE" dirty="0"/>
+          </a:p>
+        </p:txBody>
+      </p:sp>
+      <p:sp>
+        <p:nvSpPr>
+          <p:cNvPr id="3" name="Content Placeholder 2">
+            <a:extLst>
+              <a:ext uri="{FF2B5EF4-FFF2-40B4-BE49-F238E27FC236}">
+                <a16:creationId xmlns:a16="http://schemas.microsoft.com/office/drawing/2014/main" id="{3D58D4C9-463C-69DE-8655-412F205B42B5}"/>
+              </a:ext>
+            </a:extLst>
+          </p:cNvPr>
+          <p:cNvSpPr>
+            <a:spLocks noGrp="1"/>
+          </p:cNvSpPr>
+          <p:nvPr>
+            <p:ph idx="1"/>
+          </p:nvPr>
+        </p:nvSpPr>
+        <p:spPr/>
+        <p:txBody>
+          <a:bodyPr>
+            <a:normAutofit/>
+          </a:bodyPr>
+          <a:lstStyle/>
+          <a:p>
+            <a:pPr marL="0" indent="0">
+              <a:buNone/>
+            </a:pPr>
+            <a:r>
+              <a:rPr lang="en-US" dirty="0"/>
+              <a:t>You can create a GitHub repository </a:t>
+            </a:r>
+            <a:r>
+              <a:rPr lang="en-US" b="1" dirty="0"/>
+              <a:t>directly from IntelliJ</a:t>
+            </a:r>
+            <a:r>
+              <a:rPr lang="en-US" dirty="0"/>
+              <a:t>.</a:t>
+            </a:r>
+          </a:p>
+          <a:p>
+            <a:pPr marL="0" indent="0">
+              <a:buNone/>
+            </a:pPr>
+            <a:r>
+              <a:rPr lang="en-US" dirty="0"/>
+              <a:t>Typical workflow:</a:t>
+            </a:r>
+          </a:p>
+          <a:p>
+            <a:pPr marL="971550" lvl="1" indent="-514350">
+              <a:buFont typeface="+mj-lt"/>
+              <a:buAutoNum type="arabicPeriod"/>
+            </a:pPr>
+            <a:r>
+              <a:rPr lang="en-US" dirty="0"/>
+              <a:t>Create a new Java project in IntelliJ</a:t>
+            </a:r>
+          </a:p>
+          <a:p>
+            <a:pPr marL="971550" lvl="1" indent="-514350">
+              <a:buFont typeface="+mj-lt"/>
+              <a:buAutoNum type="arabicPeriod"/>
+            </a:pPr>
+            <a:r>
+              <a:rPr lang="en-US" dirty="0"/>
+              <a:t>Enable Git when prompted</a:t>
+            </a:r>
+          </a:p>
+          <a:p>
+            <a:pPr marL="971550" lvl="1" indent="-514350">
+              <a:buFont typeface="+mj-lt"/>
+              <a:buAutoNum type="arabicPeriod"/>
+            </a:pPr>
+            <a:r>
+              <a:rPr lang="en-US" dirty="0"/>
+              <a:t>Select </a:t>
+            </a:r>
+            <a:r>
+              <a:rPr lang="en-US" b="1" dirty="0"/>
+              <a:t>Share Project on GitHub</a:t>
+            </a:r>
+            <a:endParaRPr lang="en-US" dirty="0"/>
+          </a:p>
+          <a:p>
+            <a:pPr marL="0" indent="0">
+              <a:buNone/>
+            </a:pPr>
+            <a:r>
+              <a:rPr lang="en-US" dirty="0"/>
+              <a:t>IntelliJ will:</a:t>
+            </a:r>
+          </a:p>
+          <a:p>
+            <a:pPr lvl="1"/>
+            <a:r>
+              <a:rPr lang="en-US" dirty="0"/>
+              <a:t>Create the repository on GitHub</a:t>
+            </a:r>
+          </a:p>
+          <a:p>
+            <a:pPr lvl="1"/>
+            <a:r>
+              <a:rPr lang="en-US" dirty="0"/>
+              <a:t>Create a local Git repository</a:t>
+            </a:r>
+          </a:p>
+          <a:p>
+            <a:pPr lvl="1"/>
+            <a:r>
+              <a:rPr lang="en-US" dirty="0"/>
+              <a:t>Perform the first commit</a:t>
+            </a:r>
+          </a:p>
+          <a:p>
+            <a:pPr lvl="1"/>
+            <a:r>
+              <a:rPr lang="en-US" dirty="0"/>
+              <a:t>Push the project to GitHub</a:t>
+            </a:r>
+          </a:p>
+          <a:p>
+            <a:endParaRPr lang="en-IE" dirty="0"/>
+          </a:p>
+        </p:txBody>
+      </p:sp>
+    </p:spTree>
+    <p:extLst>
+      <p:ext uri="{BB962C8B-B14F-4D97-AF65-F5344CB8AC3E}">
+        <p14:creationId xmlns:p14="http://schemas.microsoft.com/office/powerpoint/2010/main" val="2452796105"/>
+      </p:ext>
+    </p:extLst>
+  </p:cSld>
+  <p:clrMapOvr>
+    <a:masterClrMapping/>
+  </p:clrMapOvr>
+</p:sld>
+</file>
+
+<file path=ppt/slides/slide31.xml><?xml version="1.0" encoding="utf-8"?>
+<p:sld xmlns:a="http://schemas.openxmlformats.org/drawingml/2006/main" xmlns:r="http://schemas.openxmlformats.org/officeDocument/2006/relationships" xmlns:p="http://schemas.openxmlformats.org/presentationml/2006/main">
+  <p:cSld>
+    <p:spTree>
+      <p:nvGrpSpPr>
+        <p:cNvPr id="1" name=""/>
+        <p:cNvGrpSpPr/>
+        <p:nvPr/>
+      </p:nvGrpSpPr>
+      <p:grpSpPr>
+        <a:xfrm>
+          <a:off x="0" y="0"/>
+          <a:ext cx="0" cy="0"/>
+          <a:chOff x="0" y="0"/>
+          <a:chExt cx="0" cy="0"/>
+        </a:xfrm>
+      </p:grpSpPr>
+      <p:sp>
+        <p:nvSpPr>
+          <p:cNvPr id="2" name="Title 1">
+            <a:extLst>
+              <a:ext uri="{FF2B5EF4-FFF2-40B4-BE49-F238E27FC236}">
+                <a16:creationId xmlns:a16="http://schemas.microsoft.com/office/drawing/2014/main" id="{EAE90203-77E0-E768-D411-7B7CBB7A2413}"/>
+              </a:ext>
+            </a:extLst>
+          </p:cNvPr>
+          <p:cNvSpPr>
+            <a:spLocks noGrp="1"/>
+          </p:cNvSpPr>
+          <p:nvPr>
+            <p:ph type="title"/>
+          </p:nvPr>
+        </p:nvSpPr>
+        <p:spPr>
+          <a:xfrm>
+            <a:off x="247073" y="-142875"/>
+            <a:ext cx="10515600" cy="1325563"/>
+          </a:xfrm>
+        </p:spPr>
+        <p:txBody>
+          <a:bodyPr/>
+          <a:lstStyle/>
+          <a:p>
+            <a:r>
+              <a:rPr lang="en-US" dirty="0"/>
+              <a:t>The IntelliJ Git Tool Window</a:t>
+            </a:r>
+            <a:endParaRPr lang="en-IE" dirty="0"/>
+          </a:p>
+        </p:txBody>
+      </p:sp>
+      <p:sp>
+        <p:nvSpPr>
+          <p:cNvPr id="3" name="Content Placeholder 2">
+            <a:extLst>
+              <a:ext uri="{FF2B5EF4-FFF2-40B4-BE49-F238E27FC236}">
+                <a16:creationId xmlns:a16="http://schemas.microsoft.com/office/drawing/2014/main" id="{05A3ABE1-BEA9-3485-69A1-819DDA822B1D}"/>
+              </a:ext>
+            </a:extLst>
+          </p:cNvPr>
+          <p:cNvSpPr>
+            <a:spLocks noGrp="1"/>
+          </p:cNvSpPr>
+          <p:nvPr>
+            <p:ph idx="1"/>
+          </p:nvPr>
+        </p:nvSpPr>
+        <p:spPr>
+          <a:xfrm>
+            <a:off x="247073" y="997527"/>
+            <a:ext cx="11577064" cy="5283200"/>
+          </a:xfrm>
+        </p:spPr>
+        <p:txBody>
+          <a:bodyPr>
+            <a:normAutofit/>
+          </a:bodyPr>
+          <a:lstStyle/>
+          <a:p>
+            <a:pPr marL="0" indent="0">
+              <a:buNone/>
+            </a:pPr>
+            <a:r>
+              <a:rPr lang="en-US" dirty="0"/>
+              <a:t>IntelliJ provides a </a:t>
+            </a:r>
+            <a:r>
+              <a:rPr lang="en-US" b="1" dirty="0"/>
+              <a:t>Git tool window</a:t>
+            </a:r>
+            <a:r>
+              <a:rPr lang="en-US" dirty="0"/>
+              <a:t> (bottom of the screen), </a:t>
+            </a:r>
+          </a:p>
+          <a:p>
+            <a:pPr marL="0" indent="0">
+              <a:buNone/>
+            </a:pPr>
+            <a:r>
+              <a:rPr lang="en-US" dirty="0"/>
+              <a:t>From here you can:</a:t>
+            </a:r>
+          </a:p>
+          <a:p>
+            <a:pPr lvl="1"/>
+            <a:r>
+              <a:rPr lang="en-US" dirty="0"/>
+              <a:t>See which files have changed</a:t>
+            </a:r>
+          </a:p>
+          <a:p>
+            <a:pPr lvl="1"/>
+            <a:r>
+              <a:rPr lang="en-US" dirty="0"/>
+              <a:t>Stage files for commit</a:t>
+            </a:r>
+          </a:p>
+          <a:p>
+            <a:pPr lvl="1"/>
+            <a:r>
+              <a:rPr lang="en-US" dirty="0"/>
+              <a:t>Write commit messages</a:t>
+            </a:r>
+          </a:p>
+          <a:p>
+            <a:pPr lvl="1"/>
+            <a:r>
+              <a:rPr lang="en-US" dirty="0"/>
+              <a:t>Commit changes</a:t>
+            </a:r>
+          </a:p>
+          <a:p>
+            <a:pPr lvl="1"/>
+            <a:r>
+              <a:rPr lang="en-US" dirty="0"/>
+              <a:t>Push to GitHub</a:t>
+            </a:r>
+          </a:p>
+          <a:p>
+            <a:pPr lvl="1"/>
+            <a:endParaRPr lang="en-US" dirty="0"/>
+          </a:p>
+          <a:p>
+            <a:pPr marL="0" indent="0">
+              <a:buNone/>
+            </a:pPr>
+            <a:r>
+              <a:rPr lang="en-US" dirty="0"/>
+              <a:t>This replaces commands like: git status, git add, git commit</a:t>
+            </a:r>
+          </a:p>
+          <a:p>
+            <a:pPr marL="0" indent="0">
+              <a:buNone/>
+            </a:pPr>
+            <a:endParaRPr lang="en-IE" dirty="0"/>
+          </a:p>
+        </p:txBody>
+      </p:sp>
+      <p:pic>
+        <p:nvPicPr>
+          <p:cNvPr id="7" name="Picture 6">
+            <a:extLst>
+              <a:ext uri="{FF2B5EF4-FFF2-40B4-BE49-F238E27FC236}">
+                <a16:creationId xmlns:a16="http://schemas.microsoft.com/office/drawing/2014/main" id="{C1A2F89F-4A84-ED21-2024-17306423C063}"/>
+              </a:ext>
+            </a:extLst>
+          </p:cNvPr>
+          <p:cNvPicPr>
+            <a:picLocks noChangeAspect="1"/>
+          </p:cNvPicPr>
+          <p:nvPr/>
+        </p:nvPicPr>
+        <p:blipFill>
+          <a:blip r:embed="rId2"/>
+          <a:stretch>
+            <a:fillRect/>
+          </a:stretch>
+        </p:blipFill>
+        <p:spPr>
+          <a:xfrm>
+            <a:off x="4141075" y="4816541"/>
+            <a:ext cx="7596391" cy="1925845"/>
+          </a:xfrm>
+          <a:prstGeom prst="rect">
+            <a:avLst/>
+          </a:prstGeom>
+        </p:spPr>
+      </p:pic>
+    </p:spTree>
+    <p:extLst>
+      <p:ext uri="{BB962C8B-B14F-4D97-AF65-F5344CB8AC3E}">
+        <p14:creationId xmlns:p14="http://schemas.microsoft.com/office/powerpoint/2010/main" val="2408871873"/>
+      </p:ext>
+    </p:extLst>
+  </p:cSld>
+  <p:clrMapOvr>
+    <a:masterClrMapping/>
+  </p:clrMapOvr>
+</p:sld>
+</file>
+
+<file path=ppt/slides/slide32.xml><?xml version="1.0" encoding="utf-8"?>
+<p:sld xmlns:a="http://schemas.openxmlformats.org/drawingml/2006/main" xmlns:r="http://schemas.openxmlformats.org/officeDocument/2006/relationships" xmlns:p="http://schemas.openxmlformats.org/presentationml/2006/main">
+  <p:cSld>
+    <p:spTree>
+      <p:nvGrpSpPr>
+        <p:cNvPr id="1" name=""/>
+        <p:cNvGrpSpPr/>
+        <p:nvPr/>
+      </p:nvGrpSpPr>
+      <p:grpSpPr>
+        <a:xfrm>
+          <a:off x="0" y="0"/>
+          <a:ext cx="0" cy="0"/>
+          <a:chOff x="0" y="0"/>
+          <a:chExt cx="0" cy="0"/>
+        </a:xfrm>
+      </p:grpSpPr>
+      <p:sp>
+        <p:nvSpPr>
+          <p:cNvPr id="2" name="Title 1">
+            <a:extLst>
+              <a:ext uri="{FF2B5EF4-FFF2-40B4-BE49-F238E27FC236}">
+                <a16:creationId xmlns:a16="http://schemas.microsoft.com/office/drawing/2014/main" id="{1E55D05E-3F43-CC24-6332-D1CF7B7932CF}"/>
+              </a:ext>
+            </a:extLst>
+          </p:cNvPr>
+          <p:cNvSpPr>
+            <a:spLocks noGrp="1"/>
+          </p:cNvSpPr>
+          <p:nvPr>
+            <p:ph type="title"/>
+          </p:nvPr>
+        </p:nvSpPr>
+        <p:spPr/>
+        <p:txBody>
+          <a:bodyPr/>
+          <a:lstStyle/>
+          <a:p>
+            <a:r>
+              <a:rPr lang="en-US" dirty="0"/>
+              <a:t>Commit and Push in IntelliJ</a:t>
+            </a:r>
+            <a:endParaRPr lang="en-IE" dirty="0"/>
+          </a:p>
+        </p:txBody>
+      </p:sp>
+      <p:sp>
+        <p:nvSpPr>
+          <p:cNvPr id="3" name="Content Placeholder 2">
+            <a:extLst>
+              <a:ext uri="{FF2B5EF4-FFF2-40B4-BE49-F238E27FC236}">
+                <a16:creationId xmlns:a16="http://schemas.microsoft.com/office/drawing/2014/main" id="{64220784-BA6C-C564-F1C8-A4E2753D8197}"/>
+              </a:ext>
+            </a:extLst>
+          </p:cNvPr>
+          <p:cNvSpPr>
+            <a:spLocks noGrp="1"/>
+          </p:cNvSpPr>
+          <p:nvPr>
+            <p:ph idx="1"/>
+          </p:nvPr>
+        </p:nvSpPr>
+        <p:spPr>
+          <a:xfrm>
+            <a:off x="838200" y="1825625"/>
+            <a:ext cx="6991626" cy="4351338"/>
+          </a:xfrm>
+        </p:spPr>
+        <p:txBody>
+          <a:bodyPr>
+            <a:normAutofit/>
+          </a:bodyPr>
+          <a:lstStyle/>
+          <a:p>
+            <a:pPr marL="0" indent="0">
+              <a:buNone/>
+            </a:pPr>
+            <a:r>
+              <a:rPr lang="en-US" dirty="0"/>
+              <a:t>Typical daily workflow in IntelliJ:</a:t>
+            </a:r>
+          </a:p>
+          <a:p>
+            <a:pPr marL="971550" lvl="1" indent="-514350">
+              <a:buFont typeface="+mj-lt"/>
+              <a:buAutoNum type="arabicPeriod"/>
+            </a:pPr>
+            <a:r>
+              <a:rPr lang="en-US" dirty="0"/>
+              <a:t>Make changes to your code</a:t>
+            </a:r>
+          </a:p>
+          <a:p>
+            <a:pPr marL="971550" lvl="1" indent="-514350">
+              <a:buFont typeface="+mj-lt"/>
+              <a:buAutoNum type="arabicPeriod"/>
+            </a:pPr>
+            <a:r>
+              <a:rPr lang="en-US" dirty="0"/>
+              <a:t>IntelliJ highlights modified files</a:t>
+            </a:r>
+          </a:p>
+          <a:p>
+            <a:pPr marL="971550" lvl="1" indent="-514350">
+              <a:buFont typeface="+mj-lt"/>
+              <a:buAutoNum type="arabicPeriod"/>
+            </a:pPr>
+            <a:r>
+              <a:rPr lang="en-US" dirty="0"/>
+              <a:t>Click </a:t>
+            </a:r>
+            <a:r>
+              <a:rPr lang="en-US" b="1" dirty="0"/>
+              <a:t>Commit</a:t>
+            </a:r>
+            <a:endParaRPr lang="en-US" dirty="0"/>
+          </a:p>
+          <a:p>
+            <a:pPr marL="971550" lvl="1" indent="-514350">
+              <a:buFont typeface="+mj-lt"/>
+              <a:buAutoNum type="arabicPeriod"/>
+            </a:pPr>
+            <a:r>
+              <a:rPr lang="en-US" dirty="0"/>
+              <a:t>Write a clear commit message</a:t>
+            </a:r>
+          </a:p>
+          <a:p>
+            <a:pPr marL="971550" lvl="1" indent="-514350">
+              <a:buFont typeface="+mj-lt"/>
+              <a:buAutoNum type="arabicPeriod"/>
+            </a:pPr>
+            <a:r>
+              <a:rPr lang="en-US" dirty="0"/>
+              <a:t>Click </a:t>
+            </a:r>
+            <a:r>
+              <a:rPr lang="en-US" b="1" dirty="0"/>
+              <a:t>Push</a:t>
+            </a:r>
+            <a:endParaRPr lang="en-US" dirty="0"/>
+          </a:p>
+          <a:p>
+            <a:pPr marL="0" indent="0">
+              <a:buNone/>
+            </a:pPr>
+            <a:r>
+              <a:rPr lang="en-US" dirty="0"/>
+              <a:t>Result:</a:t>
+            </a:r>
+          </a:p>
+          <a:p>
+            <a:pPr lvl="1"/>
+            <a:r>
+              <a:rPr lang="en-US" dirty="0"/>
+              <a:t>Changes are saved locally (Git)</a:t>
+            </a:r>
+          </a:p>
+          <a:p>
+            <a:pPr lvl="1"/>
+            <a:r>
+              <a:rPr lang="en-US" dirty="0"/>
+              <a:t>Changes are uploaded to GitHub (remote repo)</a:t>
+            </a:r>
+          </a:p>
+          <a:p>
+            <a:endParaRPr lang="en-IE" dirty="0"/>
+          </a:p>
+        </p:txBody>
+      </p:sp>
+      <p:pic>
+        <p:nvPicPr>
+          <p:cNvPr id="5" name="Picture 4">
+            <a:extLst>
+              <a:ext uri="{FF2B5EF4-FFF2-40B4-BE49-F238E27FC236}">
+                <a16:creationId xmlns:a16="http://schemas.microsoft.com/office/drawing/2014/main" id="{5D3778E7-D9BD-331C-B524-DE053A0A5372}"/>
+              </a:ext>
+            </a:extLst>
+          </p:cNvPr>
+          <p:cNvPicPr>
+            <a:picLocks noChangeAspect="1"/>
+          </p:cNvPicPr>
+          <p:nvPr/>
+        </p:nvPicPr>
+        <p:blipFill>
+          <a:blip r:embed="rId2"/>
+          <a:stretch>
+            <a:fillRect/>
+          </a:stretch>
+        </p:blipFill>
+        <p:spPr>
+          <a:xfrm>
+            <a:off x="8072582" y="126124"/>
+            <a:ext cx="3772955" cy="6443423"/>
+          </a:xfrm>
+          <a:prstGeom prst="rect">
+            <a:avLst/>
+          </a:prstGeom>
+        </p:spPr>
+      </p:pic>
+    </p:spTree>
+    <p:extLst>
+      <p:ext uri="{BB962C8B-B14F-4D97-AF65-F5344CB8AC3E}">
+        <p14:creationId xmlns:p14="http://schemas.microsoft.com/office/powerpoint/2010/main" val="1712169325"/>
+      </p:ext>
+    </p:extLst>
+  </p:cSld>
+  <p:clrMapOvr>
+    <a:masterClrMapping/>
+  </p:clrMapOvr>
+</p:sld>
+</file>
+
+<file path=ppt/slides/slide33.xml><?xml version="1.0" encoding="utf-8"?>
+<p:sld xmlns:a="http://schemas.openxmlformats.org/drawingml/2006/main" xmlns:r="http://schemas.openxmlformats.org/officeDocument/2006/relationships" xmlns:p="http://schemas.openxmlformats.org/presentationml/2006/main">
+  <p:cSld>
+    <p:spTree>
+      <p:nvGrpSpPr>
+        <p:cNvPr id="1" name=""/>
+        <p:cNvGrpSpPr/>
+        <p:nvPr/>
+      </p:nvGrpSpPr>
+      <p:grpSpPr>
+        <a:xfrm>
+          <a:off x="0" y="0"/>
+          <a:ext cx="0" cy="0"/>
+          <a:chOff x="0" y="0"/>
+          <a:chExt cx="0" cy="0"/>
+        </a:xfrm>
+      </p:grpSpPr>
+      <p:sp>
+        <p:nvSpPr>
+          <p:cNvPr id="2" name="Title 1">
+            <a:extLst>
+              <a:ext uri="{FF2B5EF4-FFF2-40B4-BE49-F238E27FC236}">
+                <a16:creationId xmlns:a16="http://schemas.microsoft.com/office/drawing/2014/main" id="{F19A8BF7-C023-B00D-4C7F-B9FCC3C1192D}"/>
+              </a:ext>
+            </a:extLst>
+          </p:cNvPr>
+          <p:cNvSpPr>
+            <a:spLocks noGrp="1"/>
+          </p:cNvSpPr>
+          <p:nvPr>
+            <p:ph type="title"/>
+          </p:nvPr>
+        </p:nvSpPr>
+        <p:spPr/>
+        <p:txBody>
+          <a:bodyPr/>
+          <a:lstStyle/>
+          <a:p>
+            <a:r>
+              <a:rPr lang="en-IE" dirty="0"/>
+              <a:t>Pulling Changes from GitHub</a:t>
+            </a:r>
+          </a:p>
+        </p:txBody>
+      </p:sp>
+      <p:sp>
+        <p:nvSpPr>
+          <p:cNvPr id="3" name="Content Placeholder 2">
+            <a:extLst>
+              <a:ext uri="{FF2B5EF4-FFF2-40B4-BE49-F238E27FC236}">
+                <a16:creationId xmlns:a16="http://schemas.microsoft.com/office/drawing/2014/main" id="{3843741C-E185-3196-886B-370518A7A35D}"/>
+              </a:ext>
+            </a:extLst>
+          </p:cNvPr>
+          <p:cNvSpPr>
+            <a:spLocks noGrp="1"/>
+          </p:cNvSpPr>
+          <p:nvPr>
+            <p:ph idx="1"/>
+          </p:nvPr>
+        </p:nvSpPr>
+        <p:spPr/>
+        <p:txBody>
+          <a:bodyPr>
+            <a:normAutofit/>
+          </a:bodyPr>
+          <a:lstStyle/>
+          <a:p>
+            <a:pPr marL="0" indent="0">
+              <a:buNone/>
+            </a:pPr>
+            <a:r>
+              <a:rPr lang="en-US" dirty="0"/>
+              <a:t>If the GitHub repository changes:</a:t>
+            </a:r>
+          </a:p>
+          <a:p>
+            <a:pPr lvl="1"/>
+            <a:r>
+              <a:rPr lang="en-US" dirty="0"/>
+              <a:t>IntelliJ can </a:t>
+            </a:r>
+            <a:r>
+              <a:rPr lang="en-US" b="1" dirty="0"/>
+              <a:t>pull</a:t>
+            </a:r>
+            <a:r>
+              <a:rPr lang="en-US" dirty="0"/>
+              <a:t> updates</a:t>
+            </a:r>
+          </a:p>
+          <a:p>
+            <a:pPr lvl="1"/>
+            <a:r>
+              <a:rPr lang="en-US" dirty="0"/>
+              <a:t>Using IntelliJ:</a:t>
+            </a:r>
+          </a:p>
+          <a:p>
+            <a:pPr lvl="1"/>
+            <a:r>
+              <a:rPr lang="en-US" dirty="0"/>
+              <a:t>Git → Pull</a:t>
+            </a:r>
+          </a:p>
+          <a:p>
+            <a:pPr marL="0" indent="0">
+              <a:buNone/>
+            </a:pPr>
+            <a:r>
+              <a:rPr lang="en-US" dirty="0"/>
+              <a:t>This will:</a:t>
+            </a:r>
+          </a:p>
+          <a:p>
+            <a:pPr lvl="1"/>
+            <a:r>
+              <a:rPr lang="en-US" dirty="0"/>
+              <a:t>Download the latest version from GitHub</a:t>
+            </a:r>
+          </a:p>
+          <a:p>
+            <a:pPr lvl="1"/>
+            <a:r>
+              <a:rPr lang="en-US" dirty="0"/>
+              <a:t>Update your local project</a:t>
+            </a:r>
+          </a:p>
+          <a:p>
+            <a:pPr marL="0" indent="0">
+              <a:buNone/>
+            </a:pPr>
+            <a:r>
+              <a:rPr lang="en-US" dirty="0"/>
+              <a:t>This is essential when:</a:t>
+            </a:r>
+          </a:p>
+          <a:p>
+            <a:pPr lvl="1"/>
+            <a:r>
+              <a:rPr lang="en-US" dirty="0"/>
+              <a:t>Working on multiple machines</a:t>
+            </a:r>
+          </a:p>
+          <a:p>
+            <a:pPr lvl="1"/>
+            <a:r>
+              <a:rPr lang="en-US" dirty="0"/>
+              <a:t>Working with other people</a:t>
+            </a:r>
+          </a:p>
+          <a:p>
+            <a:endParaRPr lang="en-IE" dirty="0"/>
+          </a:p>
+        </p:txBody>
+      </p:sp>
+    </p:spTree>
+    <p:extLst>
+      <p:ext uri="{BB962C8B-B14F-4D97-AF65-F5344CB8AC3E}">
+        <p14:creationId xmlns:p14="http://schemas.microsoft.com/office/powerpoint/2010/main" val="3324714899"/>
+      </p:ext>
+    </p:extLst>
+  </p:cSld>
+  <p:clrMapOvr>
+    <a:masterClrMapping/>
+  </p:clrMapOvr>
+  <p:timing>
+    <p:tnLst>
+      <p:par>
+        <p:cTn id="1" dur="indefinite" restart="never" nodeType="tmRoot">
+          <p:childTnLst>
+            <p:seq concurrent="1" nextAc="seek">
+              <p:cTn id="2" dur="indefinite" nodeType="mainSeq">
+                <p:childTnLst>
+                  <p:par>
+                    <p:cTn id="3" fill="hold">
+                      <p:stCondLst>
+                        <p:cond delay="indefinite"/>
+                      </p:stCondLst>
+                      <p:childTnLst>
+                        <p:par>
+                          <p:cTn id="4" fill="hold">
+                            <p:stCondLst>
+                              <p:cond delay="0"/>
+                            </p:stCondLst>
+                            <p:childTnLst>
+                              <p:par>
+                                <p:cTn id="5" presetID="2" presetClass="entr" presetSubtype="4" fill="hold" grpId="0" nodeType="clickEffect">
+                                  <p:stCondLst>
+                                    <p:cond delay="0"/>
+                                  </p:stCondLst>
+                                  <p:childTnLst>
+                                    <p:set>
+                                      <p:cBhvr>
+                                        <p:cTn id="6" dur="1" fill="hold">
+                                          <p:stCondLst>
+                                            <p:cond delay="0"/>
+                                          </p:stCondLst>
+                                        </p:cTn>
+                                        <p:tgtEl>
+                                          <p:spTgt spid="3">
+                                            <p:txEl>
+                                              <p:pRg st="0" end="0"/>
+                                            </p:txEl>
+                                          </p:spTgt>
+                                        </p:tgtEl>
+                                        <p:attrNameLst>
+                                          <p:attrName>style.visibility</p:attrName>
+                                        </p:attrNameLst>
+                                      </p:cBhvr>
+                                      <p:to>
+                                        <p:strVal val="visible"/>
+                                      </p:to>
+                                    </p:set>
+                                    <p:anim calcmode="lin" valueType="num">
+                                      <p:cBhvr additive="base">
+                                        <p:cTn id="7" dur="500" fill="hold"/>
+                                        <p:tgtEl>
+                                          <p:spTgt spid="3">
+                                            <p:txEl>
+                                              <p:pRg st="0" end="0"/>
+                                            </p:txEl>
+                                          </p:spTgt>
+                                        </p:tgtEl>
+                                        <p:attrNameLst>
+                                          <p:attrName>ppt_x</p:attrName>
+                                        </p:attrNameLst>
+                                      </p:cBhvr>
+                                      <p:tavLst>
+                                        <p:tav tm="0">
+                                          <p:val>
+                                            <p:strVal val="#ppt_x"/>
+                                          </p:val>
+                                        </p:tav>
+                                        <p:tav tm="100000">
+                                          <p:val>
+                                            <p:strVal val="#ppt_x"/>
+                                          </p:val>
+                                        </p:tav>
+                                      </p:tavLst>
+                                    </p:anim>
+                                    <p:anim calcmode="lin" valueType="num">
+                                      <p:cBhvr additive="base">
+                                        <p:cTn id="8" dur="500" fill="hold"/>
+                                        <p:tgtEl>
+                                          <p:spTgt spid="3">
+                                            <p:txEl>
+                                              <p:pRg st="0" end="0"/>
+                                            </p:txEl>
+                                          </p:spTgt>
+                                        </p:tgtEl>
+                                        <p:attrNameLst>
+                                          <p:attrName>ppt_y</p:attrName>
+                                        </p:attrNameLst>
+                                      </p:cBhvr>
+                                      <p:tavLst>
+                                        <p:tav tm="0">
+                                          <p:val>
+                                            <p:strVal val="1+#ppt_h/2"/>
+                                          </p:val>
+                                        </p:tav>
+                                        <p:tav tm="100000">
+                                          <p:val>
+                                            <p:strVal val="#ppt_y"/>
+                                          </p:val>
+                                        </p:tav>
+                                      </p:tavLst>
+                                    </p:anim>
+                                  </p:childTnLst>
+                                </p:cTn>
+                              </p:par>
+                              <p:par>
+                                <p:cTn id="9" presetID="2" presetClass="entr" presetSubtype="4" fill="hold" grpId="0" nodeType="withEffect">
+                                  <p:stCondLst>
+                                    <p:cond delay="0"/>
+                                  </p:stCondLst>
+                                  <p:childTnLst>
+                                    <p:set>
+                                      <p:cBhvr>
+                                        <p:cTn id="10" dur="1" fill="hold">
+                                          <p:stCondLst>
+                                            <p:cond delay="0"/>
+                                          </p:stCondLst>
+                                        </p:cTn>
+                                        <p:tgtEl>
+                                          <p:spTgt spid="3">
+                                            <p:txEl>
+                                              <p:pRg st="1" end="1"/>
+                                            </p:txEl>
+                                          </p:spTgt>
+                                        </p:tgtEl>
+                                        <p:attrNameLst>
+                                          <p:attrName>style.visibility</p:attrName>
+                                        </p:attrNameLst>
+                                      </p:cBhvr>
+                                      <p:to>
+                                        <p:strVal val="visible"/>
+                                      </p:to>
+                                    </p:set>
+                                    <p:anim calcmode="lin" valueType="num">
+                                      <p:cBhvr additive="base">
+                                        <p:cTn id="11" dur="500" fill="hold"/>
+                                        <p:tgtEl>
+                                          <p:spTgt spid="3">
+                                            <p:txEl>
+                                              <p:pRg st="1" end="1"/>
+                                            </p:txEl>
+                                          </p:spTgt>
+                                        </p:tgtEl>
+                                        <p:attrNameLst>
+                                          <p:attrName>ppt_x</p:attrName>
+                                        </p:attrNameLst>
+                                      </p:cBhvr>
+                                      <p:tavLst>
+                                        <p:tav tm="0">
+                                          <p:val>
+                                            <p:strVal val="#ppt_x"/>
+                                          </p:val>
+                                        </p:tav>
+                                        <p:tav tm="100000">
+                                          <p:val>
+                                            <p:strVal val="#ppt_x"/>
+                                          </p:val>
+                                        </p:tav>
+                                      </p:tavLst>
+                                    </p:anim>
+                                    <p:anim calcmode="lin" valueType="num">
+                                      <p:cBhvr additive="base">
+                                        <p:cTn id="12" dur="500" fill="hold"/>
+                                        <p:tgtEl>
+                                          <p:spTgt spid="3">
+                                            <p:txEl>
+                                              <p:pRg st="1" end="1"/>
+                                            </p:txEl>
+                                          </p:spTgt>
+                                        </p:tgtEl>
+                                        <p:attrNameLst>
+                                          <p:attrName>ppt_y</p:attrName>
+                                        </p:attrNameLst>
+                                      </p:cBhvr>
+                                      <p:tavLst>
+                                        <p:tav tm="0">
+                                          <p:val>
+                                            <p:strVal val="1+#ppt_h/2"/>
+                                          </p:val>
+                                        </p:tav>
+                                        <p:tav tm="100000">
+                                          <p:val>
+                                            <p:strVal val="#ppt_y"/>
+                                          </p:val>
+                                        </p:tav>
+                                      </p:tavLst>
+                                    </p:anim>
+                                  </p:childTnLst>
+                                </p:cTn>
+                              </p:par>
+                              <p:par>
+                                <p:cTn id="13" presetID="2" presetClass="entr" presetSubtype="4" fill="hold" grpId="0" nodeType="withEffect">
+                                  <p:stCondLst>
+                                    <p:cond delay="0"/>
+                                  </p:stCondLst>
+                                  <p:childTnLst>
+                                    <p:set>
+                                      <p:cBhvr>
+                                        <p:cTn id="14" dur="1" fill="hold">
+                                          <p:stCondLst>
+                                            <p:cond delay="0"/>
+                                          </p:stCondLst>
+                                        </p:cTn>
+                                        <p:tgtEl>
+                                          <p:spTgt spid="3">
+                                            <p:txEl>
+                                              <p:pRg st="2" end="2"/>
+                                            </p:txEl>
+                                          </p:spTgt>
+                                        </p:tgtEl>
+                                        <p:attrNameLst>
+                                          <p:attrName>style.visibility</p:attrName>
+                                        </p:attrNameLst>
+                                      </p:cBhvr>
+                                      <p:to>
+                                        <p:strVal val="visible"/>
+                                      </p:to>
+                                    </p:set>
+                                    <p:anim calcmode="lin" valueType="num">
+                                      <p:cBhvr additive="base">
+                                        <p:cTn id="15" dur="500" fill="hold"/>
+                                        <p:tgtEl>
+                                          <p:spTgt spid="3">
+                                            <p:txEl>
+                                              <p:pRg st="2" end="2"/>
+                                            </p:txEl>
+                                          </p:spTgt>
+                                        </p:tgtEl>
+                                        <p:attrNameLst>
+                                          <p:attrName>ppt_x</p:attrName>
+                                        </p:attrNameLst>
+                                      </p:cBhvr>
+                                      <p:tavLst>
+                                        <p:tav tm="0">
+                                          <p:val>
+                                            <p:strVal val="#ppt_x"/>
+                                          </p:val>
+                                        </p:tav>
+                                        <p:tav tm="100000">
+                                          <p:val>
+                                            <p:strVal val="#ppt_x"/>
+                                          </p:val>
+                                        </p:tav>
+                                      </p:tavLst>
+                                    </p:anim>
+                                    <p:anim calcmode="lin" valueType="num">
+                                      <p:cBhvr additive="base">
+                                        <p:cTn id="16" dur="500" fill="hold"/>
+                                        <p:tgtEl>
+                                          <p:spTgt spid="3">
+                                            <p:txEl>
+                                              <p:pRg st="2" end="2"/>
+                                            </p:txEl>
+                                          </p:spTgt>
+                                        </p:tgtEl>
+                                        <p:attrNameLst>
+                                          <p:attrName>ppt_y</p:attrName>
+                                        </p:attrNameLst>
+                                      </p:cBhvr>
+                                      <p:tavLst>
+                                        <p:tav tm="0">
+                                          <p:val>
+                                            <p:strVal val="1+#ppt_h/2"/>
+                                          </p:val>
+                                        </p:tav>
+                                        <p:tav tm="100000">
+                                          <p:val>
+                                            <p:strVal val="#ppt_y"/>
+                                          </p:val>
+                                        </p:tav>
+                                      </p:tavLst>
+                                    </p:anim>
+                                  </p:childTnLst>
+                                </p:cTn>
+                              </p:par>
+                              <p:par>
+                                <p:cTn id="17" presetID="2" presetClass="entr" presetSubtype="4" fill="hold" grpId="0" nodeType="withEffect">
+                                  <p:stCondLst>
+                                    <p:cond delay="0"/>
+                                  </p:stCondLst>
+                                  <p:childTnLst>
+                                    <p:set>
+                                      <p:cBhvr>
+                                        <p:cTn id="18" dur="1" fill="hold">
+                                          <p:stCondLst>
+                                            <p:cond delay="0"/>
+                                          </p:stCondLst>
+                                        </p:cTn>
+                                        <p:tgtEl>
+                                          <p:spTgt spid="3">
+                                            <p:txEl>
+                                              <p:pRg st="3" end="3"/>
+                                            </p:txEl>
+                                          </p:spTgt>
+                                        </p:tgtEl>
+                                        <p:attrNameLst>
+                                          <p:attrName>style.visibility</p:attrName>
+                                        </p:attrNameLst>
+                                      </p:cBhvr>
+                                      <p:to>
+                                        <p:strVal val="visible"/>
+                                      </p:to>
+                                    </p:set>
+                                    <p:anim calcmode="lin" valueType="num">
+                                      <p:cBhvr additive="base">
+                                        <p:cTn id="19" dur="500" fill="hold"/>
+                                        <p:tgtEl>
+                                          <p:spTgt spid="3">
+                                            <p:txEl>
+                                              <p:pRg st="3" end="3"/>
+                                            </p:txEl>
+                                          </p:spTgt>
+                                        </p:tgtEl>
+                                        <p:attrNameLst>
+                                          <p:attrName>ppt_x</p:attrName>
+                                        </p:attrNameLst>
+                                      </p:cBhvr>
+                                      <p:tavLst>
+                                        <p:tav tm="0">
+                                          <p:val>
+                                            <p:strVal val="#ppt_x"/>
+                                          </p:val>
+                                        </p:tav>
+                                        <p:tav tm="100000">
+                                          <p:val>
+                                            <p:strVal val="#ppt_x"/>
+                                          </p:val>
+                                        </p:tav>
+                                      </p:tavLst>
+                                    </p:anim>
+                                    <p:anim calcmode="lin" valueType="num">
+                                      <p:cBhvr additive="base">
+                                        <p:cTn id="20" dur="500" fill="hold"/>
+                                        <p:tgtEl>
+                                          <p:spTgt spid="3">
+                                            <p:txEl>
+                                              <p:pRg st="3" end="3"/>
+                                            </p:txEl>
+                                          </p:spTgt>
+                                        </p:tgtEl>
+                                        <p:attrNameLst>
+                                          <p:attrName>ppt_y</p:attrName>
+                                        </p:attrNameLst>
+                                      </p:cBhvr>
+                                      <p:tavLst>
+                                        <p:tav tm="0">
+                                          <p:val>
+                                            <p:strVal val="1+#ppt_h/2"/>
+                                          </p:val>
+                                        </p:tav>
+                                        <p:tav tm="100000">
+                                          <p:val>
+                                            <p:strVal val="#ppt_y"/>
+                                          </p:val>
+                                        </p:tav>
+                                      </p:tavLst>
+                                    </p:anim>
+                                  </p:childTnLst>
+                                </p:cTn>
+                              </p:par>
+                            </p:childTnLst>
+                          </p:cTn>
+                        </p:par>
+                      </p:childTnLst>
+                    </p:cTn>
+                  </p:par>
+                  <p:par>
+                    <p:cTn id="21" fill="hold">
+                      <p:stCondLst>
+                        <p:cond delay="indefinite"/>
+                      </p:stCondLst>
+                      <p:childTnLst>
+                        <p:par>
+                          <p:cTn id="22" fill="hold">
+                            <p:stCondLst>
+                              <p:cond delay="0"/>
+                            </p:stCondLst>
+                            <p:childTnLst>
+                              <p:par>
+                                <p:cTn id="23" presetID="2" presetClass="entr" presetSubtype="4" fill="hold" grpId="0" nodeType="clickEffect">
+                                  <p:stCondLst>
+                                    <p:cond delay="0"/>
+                                  </p:stCondLst>
+                                  <p:childTnLst>
+                                    <p:set>
+                                      <p:cBhvr>
+                                        <p:cTn id="24" dur="1" fill="hold">
+                                          <p:stCondLst>
+                                            <p:cond delay="0"/>
+                                          </p:stCondLst>
+                                        </p:cTn>
+                                        <p:tgtEl>
+                                          <p:spTgt spid="3">
+                                            <p:txEl>
+                                              <p:pRg st="4" end="4"/>
+                                            </p:txEl>
+                                          </p:spTgt>
+                                        </p:tgtEl>
+                                        <p:attrNameLst>
+                                          <p:attrName>style.visibility</p:attrName>
+                                        </p:attrNameLst>
+                                      </p:cBhvr>
+                                      <p:to>
+                                        <p:strVal val="visible"/>
+                                      </p:to>
+                                    </p:set>
+                                    <p:anim calcmode="lin" valueType="num">
+                                      <p:cBhvr additive="base">
+                                        <p:cTn id="25" dur="500" fill="hold"/>
+                                        <p:tgtEl>
+                                          <p:spTgt spid="3">
+                                            <p:txEl>
+                                              <p:pRg st="4" end="4"/>
+                                            </p:txEl>
+                                          </p:spTgt>
+                                        </p:tgtEl>
+                                        <p:attrNameLst>
+                                          <p:attrName>ppt_x</p:attrName>
+                                        </p:attrNameLst>
+                                      </p:cBhvr>
+                                      <p:tavLst>
+                                        <p:tav tm="0">
+                                          <p:val>
+                                            <p:strVal val="#ppt_x"/>
+                                          </p:val>
+                                        </p:tav>
+                                        <p:tav tm="100000">
+                                          <p:val>
+                                            <p:strVal val="#ppt_x"/>
+                                          </p:val>
+                                        </p:tav>
+                                      </p:tavLst>
+                                    </p:anim>
+                                    <p:anim calcmode="lin" valueType="num">
+                                      <p:cBhvr additive="base">
+                                        <p:cTn id="26" dur="500" fill="hold"/>
+                                        <p:tgtEl>
+                                          <p:spTgt spid="3">
+                                            <p:txEl>
+                                              <p:pRg st="4" end="4"/>
+                                            </p:txEl>
+                                          </p:spTgt>
+                                        </p:tgtEl>
+                                        <p:attrNameLst>
+                                          <p:attrName>ppt_y</p:attrName>
+                                        </p:attrNameLst>
+                                      </p:cBhvr>
+                                      <p:tavLst>
+                                        <p:tav tm="0">
+                                          <p:val>
+                                            <p:strVal val="1+#ppt_h/2"/>
+                                          </p:val>
+                                        </p:tav>
+                                        <p:tav tm="100000">
+                                          <p:val>
+                                            <p:strVal val="#ppt_y"/>
+                                          </p:val>
+                                        </p:tav>
+                                      </p:tavLst>
+                                    </p:anim>
+                                  </p:childTnLst>
+                                </p:cTn>
+                              </p:par>
+                              <p:par>
+                                <p:cTn id="27" presetID="2" presetClass="entr" presetSubtype="4" fill="hold" grpId="0" nodeType="withEffect">
+                                  <p:stCondLst>
+                                    <p:cond delay="0"/>
+                                  </p:stCondLst>
+                                  <p:childTnLst>
+                                    <p:set>
+                                      <p:cBhvr>
+                                        <p:cTn id="28" dur="1" fill="hold">
+                                          <p:stCondLst>
+                                            <p:cond delay="0"/>
+                                          </p:stCondLst>
+                                        </p:cTn>
+                                        <p:tgtEl>
+                                          <p:spTgt spid="3">
+                                            <p:txEl>
+                                              <p:pRg st="5" end="5"/>
+                                            </p:txEl>
+                                          </p:spTgt>
+                                        </p:tgtEl>
+                                        <p:attrNameLst>
+                                          <p:attrName>style.visibility</p:attrName>
+                                        </p:attrNameLst>
+                                      </p:cBhvr>
+                                      <p:to>
+                                        <p:strVal val="visible"/>
+                                      </p:to>
+                                    </p:set>
+                                    <p:anim calcmode="lin" valueType="num">
+                                      <p:cBhvr additive="base">
+                                        <p:cTn id="29" dur="500" fill="hold"/>
+                                        <p:tgtEl>
+                                          <p:spTgt spid="3">
+                                            <p:txEl>
+                                              <p:pRg st="5" end="5"/>
+                                            </p:txEl>
+                                          </p:spTgt>
+                                        </p:tgtEl>
+                                        <p:attrNameLst>
+                                          <p:attrName>ppt_x</p:attrName>
+                                        </p:attrNameLst>
+                                      </p:cBhvr>
+                                      <p:tavLst>
+                                        <p:tav tm="0">
+                                          <p:val>
+                                            <p:strVal val="#ppt_x"/>
+                                          </p:val>
+                                        </p:tav>
+                                        <p:tav tm="100000">
+                                          <p:val>
+                                            <p:strVal val="#ppt_x"/>
+                                          </p:val>
+                                        </p:tav>
+                                      </p:tavLst>
+                                    </p:anim>
+                                    <p:anim calcmode="lin" valueType="num">
+                                      <p:cBhvr additive="base">
+                                        <p:cTn id="30" dur="500" fill="hold"/>
+                                        <p:tgtEl>
+                                          <p:spTgt spid="3">
+                                            <p:txEl>
+                                              <p:pRg st="5" end="5"/>
+                                            </p:txEl>
+                                          </p:spTgt>
+                                        </p:tgtEl>
+                                        <p:attrNameLst>
+                                          <p:attrName>ppt_y</p:attrName>
+                                        </p:attrNameLst>
+                                      </p:cBhvr>
+                                      <p:tavLst>
+                                        <p:tav tm="0">
+                                          <p:val>
+                                            <p:strVal val="1+#ppt_h/2"/>
+                                          </p:val>
+                                        </p:tav>
+                                        <p:tav tm="100000">
+                                          <p:val>
+                                            <p:strVal val="#ppt_y"/>
+                                          </p:val>
+                                        </p:tav>
+                                      </p:tavLst>
+                                    </p:anim>
+                                  </p:childTnLst>
+                                </p:cTn>
+                              </p:par>
+                              <p:par>
+                                <p:cTn id="31" presetID="2" presetClass="entr" presetSubtype="4" fill="hold" grpId="0" nodeType="withEffect">
+                                  <p:stCondLst>
+                                    <p:cond delay="0"/>
+                                  </p:stCondLst>
+                                  <p:childTnLst>
+                                    <p:set>
+                                      <p:cBhvr>
+                                        <p:cTn id="32" dur="1" fill="hold">
+                                          <p:stCondLst>
+                                            <p:cond delay="0"/>
+                                          </p:stCondLst>
+                                        </p:cTn>
+                                        <p:tgtEl>
+                                          <p:spTgt spid="3">
+                                            <p:txEl>
+                                              <p:pRg st="6" end="6"/>
+                                            </p:txEl>
+                                          </p:spTgt>
+                                        </p:tgtEl>
+                                        <p:attrNameLst>
+                                          <p:attrName>style.visibility</p:attrName>
+                                        </p:attrNameLst>
+                                      </p:cBhvr>
+                                      <p:to>
+                                        <p:strVal val="visible"/>
+                                      </p:to>
+                                    </p:set>
+                                    <p:anim calcmode="lin" valueType="num">
+                                      <p:cBhvr additive="base">
+                                        <p:cTn id="33" dur="500" fill="hold"/>
+                                        <p:tgtEl>
+                                          <p:spTgt spid="3">
+                                            <p:txEl>
+                                              <p:pRg st="6" end="6"/>
+                                            </p:txEl>
+                                          </p:spTgt>
+                                        </p:tgtEl>
+                                        <p:attrNameLst>
+                                          <p:attrName>ppt_x</p:attrName>
+                                        </p:attrNameLst>
+                                      </p:cBhvr>
+                                      <p:tavLst>
+                                        <p:tav tm="0">
+                                          <p:val>
+                                            <p:strVal val="#ppt_x"/>
+                                          </p:val>
+                                        </p:tav>
+                                        <p:tav tm="100000">
+                                          <p:val>
+                                            <p:strVal val="#ppt_x"/>
+                                          </p:val>
+                                        </p:tav>
+                                      </p:tavLst>
+                                    </p:anim>
+                                    <p:anim calcmode="lin" valueType="num">
+                                      <p:cBhvr additive="base">
+                                        <p:cTn id="34" dur="500" fill="hold"/>
+                                        <p:tgtEl>
+                                          <p:spTgt spid="3">
+                                            <p:txEl>
+                                              <p:pRg st="6" end="6"/>
+                                            </p:txEl>
+                                          </p:spTgt>
+                                        </p:tgtEl>
+                                        <p:attrNameLst>
+                                          <p:attrName>ppt_y</p:attrName>
+                                        </p:attrNameLst>
+                                      </p:cBhvr>
+                                      <p:tavLst>
+                                        <p:tav tm="0">
+                                          <p:val>
+                                            <p:strVal val="1+#ppt_h/2"/>
+                                          </p:val>
+                                        </p:tav>
+                                        <p:tav tm="100000">
+                                          <p:val>
+                                            <p:strVal val="#ppt_y"/>
+                                          </p:val>
+                                        </p:tav>
+                                      </p:tavLst>
+                                    </p:anim>
+                                  </p:childTnLst>
+                                </p:cTn>
+                              </p:par>
+                            </p:childTnLst>
+                          </p:cTn>
+                        </p:par>
+                      </p:childTnLst>
+                    </p:cTn>
+                  </p:par>
+                  <p:par>
+                    <p:cTn id="35" fill="hold">
+                      <p:stCondLst>
+                        <p:cond delay="indefinite"/>
+                      </p:stCondLst>
+                      <p:childTnLst>
+                        <p:par>
+                          <p:cTn id="36" fill="hold">
+                            <p:stCondLst>
+                              <p:cond delay="0"/>
+                            </p:stCondLst>
+                            <p:childTnLst>
+                              <p:par>
+                                <p:cTn id="37" presetID="2" presetClass="entr" presetSubtype="4" fill="hold" grpId="0" nodeType="clickEffect">
+                                  <p:stCondLst>
+                                    <p:cond delay="0"/>
+                                  </p:stCondLst>
+                                  <p:childTnLst>
+                                    <p:set>
+                                      <p:cBhvr>
+                                        <p:cTn id="38" dur="1" fill="hold">
+                                          <p:stCondLst>
+                                            <p:cond delay="0"/>
+                                          </p:stCondLst>
+                                        </p:cTn>
+                                        <p:tgtEl>
+                                          <p:spTgt spid="3">
+                                            <p:txEl>
+                                              <p:pRg st="7" end="7"/>
+                                            </p:txEl>
+                                          </p:spTgt>
+                                        </p:tgtEl>
+                                        <p:attrNameLst>
+                                          <p:attrName>style.visibility</p:attrName>
+                                        </p:attrNameLst>
+                                      </p:cBhvr>
+                                      <p:to>
+                                        <p:strVal val="visible"/>
+                                      </p:to>
+                                    </p:set>
+                                    <p:anim calcmode="lin" valueType="num">
+                                      <p:cBhvr additive="base">
+                                        <p:cTn id="39" dur="500" fill="hold"/>
+                                        <p:tgtEl>
+                                          <p:spTgt spid="3">
+                                            <p:txEl>
+                                              <p:pRg st="7" end="7"/>
+                                            </p:txEl>
+                                          </p:spTgt>
+                                        </p:tgtEl>
+                                        <p:attrNameLst>
+                                          <p:attrName>ppt_x</p:attrName>
+                                        </p:attrNameLst>
+                                      </p:cBhvr>
+                                      <p:tavLst>
+                                        <p:tav tm="0">
+                                          <p:val>
+                                            <p:strVal val="#ppt_x"/>
+                                          </p:val>
+                                        </p:tav>
+                                        <p:tav tm="100000">
+                                          <p:val>
+                                            <p:strVal val="#ppt_x"/>
+                                          </p:val>
+                                        </p:tav>
+                                      </p:tavLst>
+                                    </p:anim>
+                                    <p:anim calcmode="lin" valueType="num">
+                                      <p:cBhvr additive="base">
+                                        <p:cTn id="40" dur="500" fill="hold"/>
+                                        <p:tgtEl>
+                                          <p:spTgt spid="3">
+                                            <p:txEl>
+                                              <p:pRg st="7" end="7"/>
+                                            </p:txEl>
+                                          </p:spTgt>
+                                        </p:tgtEl>
+                                        <p:attrNameLst>
+                                          <p:attrName>ppt_y</p:attrName>
+                                        </p:attrNameLst>
+                                      </p:cBhvr>
+                                      <p:tavLst>
+                                        <p:tav tm="0">
+                                          <p:val>
+                                            <p:strVal val="1+#ppt_h/2"/>
+                                          </p:val>
+                                        </p:tav>
+                                        <p:tav tm="100000">
+                                          <p:val>
+                                            <p:strVal val="#ppt_y"/>
+                                          </p:val>
+                                        </p:tav>
+                                      </p:tavLst>
+                                    </p:anim>
+                                  </p:childTnLst>
+                                </p:cTn>
+                              </p:par>
+                              <p:par>
+                                <p:cTn id="41" presetID="2" presetClass="entr" presetSubtype="4" fill="hold" grpId="0" nodeType="withEffect">
+                                  <p:stCondLst>
+                                    <p:cond delay="0"/>
+                                  </p:stCondLst>
+                                  <p:childTnLst>
+                                    <p:set>
+                                      <p:cBhvr>
+                                        <p:cTn id="42" dur="1" fill="hold">
+                                          <p:stCondLst>
+                                            <p:cond delay="0"/>
+                                          </p:stCondLst>
+                                        </p:cTn>
+                                        <p:tgtEl>
+                                          <p:spTgt spid="3">
+                                            <p:txEl>
+                                              <p:pRg st="8" end="8"/>
+                                            </p:txEl>
+                                          </p:spTgt>
+                                        </p:tgtEl>
+                                        <p:attrNameLst>
+                                          <p:attrName>style.visibility</p:attrName>
+                                        </p:attrNameLst>
+                                      </p:cBhvr>
+                                      <p:to>
+                                        <p:strVal val="visible"/>
+                                      </p:to>
+                                    </p:set>
+                                    <p:anim calcmode="lin" valueType="num">
+                                      <p:cBhvr additive="base">
+                                        <p:cTn id="43" dur="500" fill="hold"/>
+                                        <p:tgtEl>
+                                          <p:spTgt spid="3">
+                                            <p:txEl>
+                                              <p:pRg st="8" end="8"/>
+                                            </p:txEl>
+                                          </p:spTgt>
+                                        </p:tgtEl>
+                                        <p:attrNameLst>
+                                          <p:attrName>ppt_x</p:attrName>
+                                        </p:attrNameLst>
+                                      </p:cBhvr>
+                                      <p:tavLst>
+                                        <p:tav tm="0">
+                                          <p:val>
+                                            <p:strVal val="#ppt_x"/>
+                                          </p:val>
+                                        </p:tav>
+                                        <p:tav tm="100000">
+                                          <p:val>
+                                            <p:strVal val="#ppt_x"/>
+                                          </p:val>
+                                        </p:tav>
+                                      </p:tavLst>
+                                    </p:anim>
+                                    <p:anim calcmode="lin" valueType="num">
+                                      <p:cBhvr additive="base">
+                                        <p:cTn id="44" dur="500" fill="hold"/>
+                                        <p:tgtEl>
+                                          <p:spTgt spid="3">
+                                            <p:txEl>
+                                              <p:pRg st="8" end="8"/>
+                                            </p:txEl>
+                                          </p:spTgt>
+                                        </p:tgtEl>
+                                        <p:attrNameLst>
+                                          <p:attrName>ppt_y</p:attrName>
+                                        </p:attrNameLst>
+                                      </p:cBhvr>
+                                      <p:tavLst>
+                                        <p:tav tm="0">
+                                          <p:val>
+                                            <p:strVal val="1+#ppt_h/2"/>
+                                          </p:val>
+                                        </p:tav>
+                                        <p:tav tm="100000">
+                                          <p:val>
+                                            <p:strVal val="#ppt_y"/>
+                                          </p:val>
+                                        </p:tav>
+                                      </p:tavLst>
+                                    </p:anim>
+                                  </p:childTnLst>
+                                </p:cTn>
+                              </p:par>
+                              <p:par>
+                                <p:cTn id="45" presetID="2" presetClass="entr" presetSubtype="4" fill="hold" grpId="0" nodeType="withEffect">
+                                  <p:stCondLst>
+                                    <p:cond delay="0"/>
+                                  </p:stCondLst>
+                                  <p:childTnLst>
+                                    <p:set>
+                                      <p:cBhvr>
+                                        <p:cTn id="46" dur="1" fill="hold">
+                                          <p:stCondLst>
+                                            <p:cond delay="0"/>
+                                          </p:stCondLst>
+                                        </p:cTn>
+                                        <p:tgtEl>
+                                          <p:spTgt spid="3">
+                                            <p:txEl>
+                                              <p:pRg st="9" end="9"/>
+                                            </p:txEl>
+                                          </p:spTgt>
+                                        </p:tgtEl>
+                                        <p:attrNameLst>
+                                          <p:attrName>style.visibility</p:attrName>
+                                        </p:attrNameLst>
+                                      </p:cBhvr>
+                                      <p:to>
+                                        <p:strVal val="visible"/>
+                                      </p:to>
+                                    </p:set>
+                                    <p:anim calcmode="lin" valueType="num">
+                                      <p:cBhvr additive="base">
+                                        <p:cTn id="47" dur="500" fill="hold"/>
+                                        <p:tgtEl>
+                                          <p:spTgt spid="3">
+                                            <p:txEl>
+                                              <p:pRg st="9" end="9"/>
+                                            </p:txEl>
+                                          </p:spTgt>
+                                        </p:tgtEl>
+                                        <p:attrNameLst>
+                                          <p:attrName>ppt_x</p:attrName>
+                                        </p:attrNameLst>
+                                      </p:cBhvr>
+                                      <p:tavLst>
+                                        <p:tav tm="0">
+                                          <p:val>
+                                            <p:strVal val="#ppt_x"/>
+                                          </p:val>
+                                        </p:tav>
+                                        <p:tav tm="100000">
+                                          <p:val>
+                                            <p:strVal val="#ppt_x"/>
+                                          </p:val>
+                                        </p:tav>
+                                      </p:tavLst>
+                                    </p:anim>
+                                    <p:anim calcmode="lin" valueType="num">
+                                      <p:cBhvr additive="base">
+                                        <p:cTn id="48" dur="500" fill="hold"/>
+                                        <p:tgtEl>
+                                          <p:spTgt spid="3">
+                                            <p:txEl>
+                                              <p:pRg st="9" end="9"/>
+                                            </p:txEl>
+                                          </p:spTgt>
+                                        </p:tgtEl>
+                                        <p:attrNameLst>
+                                          <p:attrName>ppt_y</p:attrName>
+                                        </p:attrNameLst>
+                                      </p:cBhvr>
+                                      <p:tavLst>
+                                        <p:tav tm="0">
+                                          <p:val>
+                                            <p:strVal val="1+#ppt_h/2"/>
+                                          </p:val>
+                                        </p:tav>
+                                        <p:tav tm="100000">
+                                          <p:val>
+                                            <p:strVal val="#ppt_y"/>
+                                          </p:val>
+                                        </p:tav>
+                                      </p:tavLst>
+                                    </p:anim>
+                                  </p:childTnLst>
+                                </p:cTn>
+                              </p:par>
+                            </p:childTnLst>
+                          </p:cTn>
+                        </p:par>
+                      </p:childTnLst>
+                    </p:cTn>
+                  </p:par>
+                </p:childTnLst>
+              </p:cTn>
+              <p:prevCondLst>
+                <p:cond evt="onPrev" delay="0">
+                  <p:tgtEl>
+                    <p:sldTgt/>
+                  </p:tgtEl>
+                </p:cond>
+              </p:prevCondLst>
+              <p:nextCondLst>
+                <p:cond evt="onNext" delay="0">
+                  <p:tgtEl>
+                    <p:sldTgt/>
+                  </p:tgtEl>
+                </p:cond>
+              </p:nextCondLst>
+            </p:seq>
+          </p:childTnLst>
+        </p:cTn>
+      </p:par>
+    </p:tnLst>
+    <p:bldLst>
+      <p:bldP spid="3" grpId="0" uiExpand="1" build="p"/>
+    </p:bldLst>
+  </p:timing>
+</p:sld>
+</file>
+
+<file path=ppt/slides/slide34.xml><?xml version="1.0" encoding="utf-8"?>
+<p:sld xmlns:a="http://schemas.openxmlformats.org/drawingml/2006/main" xmlns:r="http://schemas.openxmlformats.org/officeDocument/2006/relationships" xmlns:p="http://schemas.openxmlformats.org/presentationml/2006/main">
+  <p:cSld>
+    <p:spTree>
+      <p:nvGrpSpPr>
+        <p:cNvPr id="1" name=""/>
+        <p:cNvGrpSpPr/>
+        <p:nvPr/>
+      </p:nvGrpSpPr>
+      <p:grpSpPr>
+        <a:xfrm>
+          <a:off x="0" y="0"/>
+          <a:ext cx="0" cy="0"/>
+          <a:chOff x="0" y="0"/>
+          <a:chExt cx="0" cy="0"/>
+        </a:xfrm>
+      </p:grpSpPr>
+      <p:sp>
+        <p:nvSpPr>
+          <p:cNvPr id="2" name="Title 1">
+            <a:extLst>
+              <a:ext uri="{FF2B5EF4-FFF2-40B4-BE49-F238E27FC236}">
+                <a16:creationId xmlns:a16="http://schemas.microsoft.com/office/drawing/2014/main" id="{7CABC495-933D-0B1F-98A4-3A12466E1D3B}"/>
+              </a:ext>
+            </a:extLst>
+          </p:cNvPr>
+          <p:cNvSpPr>
+            <a:spLocks noGrp="1"/>
+          </p:cNvSpPr>
+          <p:nvPr>
+            <p:ph type="title"/>
+          </p:nvPr>
+        </p:nvSpPr>
+        <p:spPr/>
+        <p:txBody>
+          <a:bodyPr/>
+          <a:lstStyle/>
+          <a:p>
+            <a:r>
+              <a:rPr lang="en-US" dirty="0"/>
+              <a:t>IntelliJ and GitHub – Summary</a:t>
+            </a:r>
+            <a:endParaRPr lang="en-IE" dirty="0"/>
+          </a:p>
+        </p:txBody>
+      </p:sp>
+      <p:sp>
+        <p:nvSpPr>
+          <p:cNvPr id="3" name="Content Placeholder 2">
+            <a:extLst>
+              <a:ext uri="{FF2B5EF4-FFF2-40B4-BE49-F238E27FC236}">
+                <a16:creationId xmlns:a16="http://schemas.microsoft.com/office/drawing/2014/main" id="{CC59CA40-65B8-990D-F1E1-DDAACF7386B0}"/>
+              </a:ext>
+            </a:extLst>
+          </p:cNvPr>
+          <p:cNvSpPr>
+            <a:spLocks noGrp="1"/>
+          </p:cNvSpPr>
+          <p:nvPr>
+            <p:ph idx="1"/>
+          </p:nvPr>
+        </p:nvSpPr>
+        <p:spPr/>
+        <p:txBody>
+          <a:bodyPr/>
+          <a:lstStyle/>
+          <a:p>
+            <a:r>
+              <a:rPr lang="en-US" dirty="0"/>
+              <a:t>Git tracks changes locally</a:t>
+            </a:r>
+          </a:p>
+          <a:p>
+            <a:r>
+              <a:rPr lang="en-US" dirty="0"/>
+              <a:t>GitHub stores the project remotely</a:t>
+            </a:r>
+          </a:p>
+          <a:p>
+            <a:r>
+              <a:rPr lang="en-US" dirty="0"/>
+              <a:t>IntelliJ connects the two seamlessly</a:t>
+            </a:r>
+          </a:p>
+          <a:p>
+            <a:r>
+              <a:rPr lang="en-US" dirty="0"/>
+              <a:t>No command line required</a:t>
+            </a:r>
+          </a:p>
+          <a:p>
+            <a:r>
+              <a:rPr lang="en-US" dirty="0"/>
+              <a:t>Visual feedback reduces mistakes</a:t>
+            </a:r>
+          </a:p>
+          <a:p>
+            <a:r>
+              <a:rPr lang="en-US" dirty="0"/>
+              <a:t>Encourages good version control habits</a:t>
+            </a:r>
+          </a:p>
+          <a:p>
+            <a:endParaRPr lang="en-IE" dirty="0"/>
+          </a:p>
+        </p:txBody>
+      </p:sp>
+    </p:spTree>
+    <p:extLst>
+      <p:ext uri="{BB962C8B-B14F-4D97-AF65-F5344CB8AC3E}">
+        <p14:creationId xmlns:p14="http://schemas.microsoft.com/office/powerpoint/2010/main" val="2636046842"/>
+      </p:ext>
+    </p:extLst>
+  </p:cSld>
+  <p:clrMapOvr>
+    <a:masterClrMapping/>
+  </p:clrMapOvr>
+  <p:timing>
+    <p:tnLst>
+      <p:par>
+        <p:cTn id="1" dur="indefinite" restart="never" nodeType="tmRoot">
+          <p:childTnLst>
+            <p:seq concurrent="1" nextAc="seek">
+              <p:cTn id="2" dur="indefinite" nodeType="mainSeq">
+                <p:childTnLst>
+                  <p:par>
+                    <p:cTn id="3" fill="hold">
+                      <p:stCondLst>
+                        <p:cond delay="indefinite"/>
+                      </p:stCondLst>
+                      <p:childTnLst>
+                        <p:par>
+                          <p:cTn id="4" fill="hold">
+                            <p:stCondLst>
+                              <p:cond delay="0"/>
+                            </p:stCondLst>
+                            <p:childTnLst>
+                              <p:par>
+                                <p:cTn id="5" presetID="2" presetClass="entr" presetSubtype="4" fill="hold" grpId="0" nodeType="clickEffect">
+                                  <p:stCondLst>
+                                    <p:cond delay="0"/>
+                                  </p:stCondLst>
+                                  <p:childTnLst>
+                                    <p:set>
+                                      <p:cBhvr>
+                                        <p:cTn id="6" dur="1" fill="hold">
+                                          <p:stCondLst>
+                                            <p:cond delay="0"/>
+                                          </p:stCondLst>
+                                        </p:cTn>
+                                        <p:tgtEl>
+                                          <p:spTgt spid="3">
+                                            <p:txEl>
+                                              <p:pRg st="0" end="0"/>
+                                            </p:txEl>
+                                          </p:spTgt>
+                                        </p:tgtEl>
+                                        <p:attrNameLst>
+                                          <p:attrName>style.visibility</p:attrName>
+                                        </p:attrNameLst>
+                                      </p:cBhvr>
+                                      <p:to>
+                                        <p:strVal val="visible"/>
+                                      </p:to>
+                                    </p:set>
+                                    <p:anim calcmode="lin" valueType="num">
+                                      <p:cBhvr additive="base">
+                                        <p:cTn id="7" dur="500" fill="hold"/>
+                                        <p:tgtEl>
+                                          <p:spTgt spid="3">
+                                            <p:txEl>
+                                              <p:pRg st="0" end="0"/>
+                                            </p:txEl>
+                                          </p:spTgt>
+                                        </p:tgtEl>
+                                        <p:attrNameLst>
+                                          <p:attrName>ppt_x</p:attrName>
+                                        </p:attrNameLst>
+                                      </p:cBhvr>
+                                      <p:tavLst>
+                                        <p:tav tm="0">
+                                          <p:val>
+                                            <p:strVal val="#ppt_x"/>
+                                          </p:val>
+                                        </p:tav>
+                                        <p:tav tm="100000">
+                                          <p:val>
+                                            <p:strVal val="#ppt_x"/>
+                                          </p:val>
+                                        </p:tav>
+                                      </p:tavLst>
+                                    </p:anim>
+                                    <p:anim calcmode="lin" valueType="num">
+                                      <p:cBhvr additive="base">
+                                        <p:cTn id="8" dur="500" fill="hold"/>
+                                        <p:tgtEl>
+                                          <p:spTgt spid="3">
+                                            <p:txEl>
+                                              <p:pRg st="0" end="0"/>
+                                            </p:txEl>
+                                          </p:spTgt>
+                                        </p:tgtEl>
+                                        <p:attrNameLst>
+                                          <p:attrName>ppt_y</p:attrName>
+                                        </p:attrNameLst>
+                                      </p:cBhvr>
+                                      <p:tavLst>
+                                        <p:tav tm="0">
+                                          <p:val>
+                                            <p:strVal val="1+#ppt_h/2"/>
+                                          </p:val>
+                                        </p:tav>
+                                        <p:tav tm="100000">
+                                          <p:val>
+                                            <p:strVal val="#ppt_y"/>
+                                          </p:val>
+                                        </p:tav>
+                                      </p:tavLst>
+                                    </p:anim>
+                                  </p:childTnLst>
+                                </p:cTn>
+                              </p:par>
+                            </p:childTnLst>
+                          </p:cTn>
+                        </p:par>
+                      </p:childTnLst>
+                    </p:cTn>
+                  </p:par>
+                  <p:par>
+                    <p:cTn id="9" fill="hold">
+                      <p:stCondLst>
+                        <p:cond delay="indefinite"/>
+                      </p:stCondLst>
+                      <p:childTnLst>
+                        <p:par>
+                          <p:cTn id="10" fill="hold">
+                            <p:stCondLst>
+                              <p:cond delay="0"/>
+                            </p:stCondLst>
+                            <p:childTnLst>
+                              <p:par>
+                                <p:cTn id="11" presetID="2" presetClass="entr" presetSubtype="4" fill="hold" grpId="0" nodeType="clickEffect">
+                                  <p:stCondLst>
+                                    <p:cond delay="0"/>
+                                  </p:stCondLst>
+                                  <p:childTnLst>
+                                    <p:set>
+                                      <p:cBhvr>
+                                        <p:cTn id="12" dur="1" fill="hold">
+                                          <p:stCondLst>
+                                            <p:cond delay="0"/>
+                                          </p:stCondLst>
+                                        </p:cTn>
+                                        <p:tgtEl>
+                                          <p:spTgt spid="3">
+                                            <p:txEl>
+                                              <p:pRg st="1" end="1"/>
+                                            </p:txEl>
+                                          </p:spTgt>
+                                        </p:tgtEl>
+                                        <p:attrNameLst>
+                                          <p:attrName>style.visibility</p:attrName>
+                                        </p:attrNameLst>
+                                      </p:cBhvr>
+                                      <p:to>
+                                        <p:strVal val="visible"/>
+                                      </p:to>
+                                    </p:set>
+                                    <p:anim calcmode="lin" valueType="num">
+                                      <p:cBhvr additive="base">
+                                        <p:cTn id="13" dur="500" fill="hold"/>
+                                        <p:tgtEl>
+                                          <p:spTgt spid="3">
+                                            <p:txEl>
+                                              <p:pRg st="1" end="1"/>
+                                            </p:txEl>
+                                          </p:spTgt>
+                                        </p:tgtEl>
+                                        <p:attrNameLst>
+                                          <p:attrName>ppt_x</p:attrName>
+                                        </p:attrNameLst>
+                                      </p:cBhvr>
+                                      <p:tavLst>
+                                        <p:tav tm="0">
+                                          <p:val>
+                                            <p:strVal val="#ppt_x"/>
+                                          </p:val>
+                                        </p:tav>
+                                        <p:tav tm="100000">
+                                          <p:val>
+                                            <p:strVal val="#ppt_x"/>
+                                          </p:val>
+                                        </p:tav>
+                                      </p:tavLst>
+                                    </p:anim>
+                                    <p:anim calcmode="lin" valueType="num">
+                                      <p:cBhvr additive="base">
+                                        <p:cTn id="14" dur="500" fill="hold"/>
+                                        <p:tgtEl>
+                                          <p:spTgt spid="3">
+                                            <p:txEl>
+                                              <p:pRg st="1" end="1"/>
+                                            </p:txEl>
+                                          </p:spTgt>
+                                        </p:tgtEl>
+                                        <p:attrNameLst>
+                                          <p:attrName>ppt_y</p:attrName>
+                                        </p:attrNameLst>
+                                      </p:cBhvr>
+                                      <p:tavLst>
+                                        <p:tav tm="0">
+                                          <p:val>
+                                            <p:strVal val="1+#ppt_h/2"/>
+                                          </p:val>
+                                        </p:tav>
+                                        <p:tav tm="100000">
+                                          <p:val>
+                                            <p:strVal val="#ppt_y"/>
+                                          </p:val>
+                                        </p:tav>
+                                      </p:tavLst>
+                                    </p:anim>
+                                  </p:childTnLst>
+                                </p:cTn>
+                              </p:par>
+                            </p:childTnLst>
+                          </p:cTn>
+                        </p:par>
+                      </p:childTnLst>
+                    </p:cTn>
+                  </p:par>
+                  <p:par>
+                    <p:cTn id="15" fill="hold">
+                      <p:stCondLst>
+                        <p:cond delay="indefinite"/>
+                      </p:stCondLst>
+                      <p:childTnLst>
+                        <p:par>
+                          <p:cTn id="16" fill="hold">
+                            <p:stCondLst>
+                              <p:cond delay="0"/>
+                            </p:stCondLst>
+                            <p:childTnLst>
+                              <p:par>
+                                <p:cTn id="17" presetID="2" presetClass="entr" presetSubtype="4" fill="hold" grpId="0" nodeType="clickEffect">
+                                  <p:stCondLst>
+                                    <p:cond delay="0"/>
+                                  </p:stCondLst>
+                                  <p:childTnLst>
+                                    <p:set>
+                                      <p:cBhvr>
+                                        <p:cTn id="18" dur="1" fill="hold">
+                                          <p:stCondLst>
+                                            <p:cond delay="0"/>
+                                          </p:stCondLst>
+                                        </p:cTn>
+                                        <p:tgtEl>
+                                          <p:spTgt spid="3">
+                                            <p:txEl>
+                                              <p:pRg st="2" end="2"/>
+                                            </p:txEl>
+                                          </p:spTgt>
+                                        </p:tgtEl>
+                                        <p:attrNameLst>
+                                          <p:attrName>style.visibility</p:attrName>
+                                        </p:attrNameLst>
+                                      </p:cBhvr>
+                                      <p:to>
+                                        <p:strVal val="visible"/>
+                                      </p:to>
+                                    </p:set>
+                                    <p:anim calcmode="lin" valueType="num">
+                                      <p:cBhvr additive="base">
+                                        <p:cTn id="19" dur="500" fill="hold"/>
+                                        <p:tgtEl>
+                                          <p:spTgt spid="3">
+                                            <p:txEl>
+                                              <p:pRg st="2" end="2"/>
+                                            </p:txEl>
+                                          </p:spTgt>
+                                        </p:tgtEl>
+                                        <p:attrNameLst>
+                                          <p:attrName>ppt_x</p:attrName>
+                                        </p:attrNameLst>
+                                      </p:cBhvr>
+                                      <p:tavLst>
+                                        <p:tav tm="0">
+                                          <p:val>
+                                            <p:strVal val="#ppt_x"/>
+                                          </p:val>
+                                        </p:tav>
+                                        <p:tav tm="100000">
+                                          <p:val>
+                                            <p:strVal val="#ppt_x"/>
+                                          </p:val>
+                                        </p:tav>
+                                      </p:tavLst>
+                                    </p:anim>
+                                    <p:anim calcmode="lin" valueType="num">
+                                      <p:cBhvr additive="base">
+                                        <p:cTn id="20" dur="500" fill="hold"/>
+                                        <p:tgtEl>
+                                          <p:spTgt spid="3">
+                                            <p:txEl>
+                                              <p:pRg st="2" end="2"/>
+                                            </p:txEl>
+                                          </p:spTgt>
+                                        </p:tgtEl>
+                                        <p:attrNameLst>
+                                          <p:attrName>ppt_y</p:attrName>
+                                        </p:attrNameLst>
+                                      </p:cBhvr>
+                                      <p:tavLst>
+                                        <p:tav tm="0">
+                                          <p:val>
+                                            <p:strVal val="1+#ppt_h/2"/>
+                                          </p:val>
+                                        </p:tav>
+                                        <p:tav tm="100000">
+                                          <p:val>
+                                            <p:strVal val="#ppt_y"/>
+                                          </p:val>
+                                        </p:tav>
+                                      </p:tavLst>
+                                    </p:anim>
+                                  </p:childTnLst>
+                                </p:cTn>
+                              </p:par>
+                            </p:childTnLst>
+                          </p:cTn>
+                        </p:par>
+                      </p:childTnLst>
+                    </p:cTn>
+                  </p:par>
+                  <p:par>
+                    <p:cTn id="21" fill="hold">
+                      <p:stCondLst>
+                        <p:cond delay="indefinite"/>
+                      </p:stCondLst>
+                      <p:childTnLst>
+                        <p:par>
+                          <p:cTn id="22" fill="hold">
+                            <p:stCondLst>
+                              <p:cond delay="0"/>
+                            </p:stCondLst>
+                            <p:childTnLst>
+                              <p:par>
+                                <p:cTn id="23" presetID="2" presetClass="entr" presetSubtype="4" fill="hold" grpId="0" nodeType="clickEffect">
+                                  <p:stCondLst>
+                                    <p:cond delay="0"/>
+                                  </p:stCondLst>
+                                  <p:childTnLst>
+                                    <p:set>
+                                      <p:cBhvr>
+                                        <p:cTn id="24" dur="1" fill="hold">
+                                          <p:stCondLst>
+                                            <p:cond delay="0"/>
+                                          </p:stCondLst>
+                                        </p:cTn>
+                                        <p:tgtEl>
+                                          <p:spTgt spid="3">
+                                            <p:txEl>
+                                              <p:pRg st="3" end="3"/>
+                                            </p:txEl>
+                                          </p:spTgt>
+                                        </p:tgtEl>
+                                        <p:attrNameLst>
+                                          <p:attrName>style.visibility</p:attrName>
+                                        </p:attrNameLst>
+                                      </p:cBhvr>
+                                      <p:to>
+                                        <p:strVal val="visible"/>
+                                      </p:to>
+                                    </p:set>
+                                    <p:anim calcmode="lin" valueType="num">
+                                      <p:cBhvr additive="base">
+                                        <p:cTn id="25" dur="500" fill="hold"/>
+                                        <p:tgtEl>
+                                          <p:spTgt spid="3">
+                                            <p:txEl>
+                                              <p:pRg st="3" end="3"/>
+                                            </p:txEl>
+                                          </p:spTgt>
+                                        </p:tgtEl>
+                                        <p:attrNameLst>
+                                          <p:attrName>ppt_x</p:attrName>
+                                        </p:attrNameLst>
+                                      </p:cBhvr>
+                                      <p:tavLst>
+                                        <p:tav tm="0">
+                                          <p:val>
+                                            <p:strVal val="#ppt_x"/>
+                                          </p:val>
+                                        </p:tav>
+                                        <p:tav tm="100000">
+                                          <p:val>
+                                            <p:strVal val="#ppt_x"/>
+                                          </p:val>
+                                        </p:tav>
+                                      </p:tavLst>
+                                    </p:anim>
+                                    <p:anim calcmode="lin" valueType="num">
+                                      <p:cBhvr additive="base">
+                                        <p:cTn id="26" dur="500" fill="hold"/>
+                                        <p:tgtEl>
+                                          <p:spTgt spid="3">
+                                            <p:txEl>
+                                              <p:pRg st="3" end="3"/>
+                                            </p:txEl>
+                                          </p:spTgt>
+                                        </p:tgtEl>
+                                        <p:attrNameLst>
+                                          <p:attrName>ppt_y</p:attrName>
+                                        </p:attrNameLst>
+                                      </p:cBhvr>
+                                      <p:tavLst>
+                                        <p:tav tm="0">
+                                          <p:val>
+                                            <p:strVal val="1+#ppt_h/2"/>
+                                          </p:val>
+                                        </p:tav>
+                                        <p:tav tm="100000">
+                                          <p:val>
+                                            <p:strVal val="#ppt_y"/>
+                                          </p:val>
+                                        </p:tav>
+                                      </p:tavLst>
+                                    </p:anim>
+                                  </p:childTnLst>
+                                </p:cTn>
+                              </p:par>
+                            </p:childTnLst>
+                          </p:cTn>
+                        </p:par>
+                      </p:childTnLst>
+                    </p:cTn>
+                  </p:par>
+                  <p:par>
+                    <p:cTn id="27" fill="hold">
+                      <p:stCondLst>
+                        <p:cond delay="indefinite"/>
+                      </p:stCondLst>
+                      <p:childTnLst>
+                        <p:par>
+                          <p:cTn id="28" fill="hold">
+                            <p:stCondLst>
+                              <p:cond delay="0"/>
+                            </p:stCondLst>
+                            <p:childTnLst>
+                              <p:par>
+                                <p:cTn id="29" presetID="2" presetClass="entr" presetSubtype="4" fill="hold" grpId="0" nodeType="clickEffect">
+                                  <p:stCondLst>
+                                    <p:cond delay="0"/>
+                                  </p:stCondLst>
+                                  <p:childTnLst>
+                                    <p:set>
+                                      <p:cBhvr>
+                                        <p:cTn id="30" dur="1" fill="hold">
+                                          <p:stCondLst>
+                                            <p:cond delay="0"/>
+                                          </p:stCondLst>
+                                        </p:cTn>
+                                        <p:tgtEl>
+                                          <p:spTgt spid="3">
+                                            <p:txEl>
+                                              <p:pRg st="4" end="4"/>
+                                            </p:txEl>
+                                          </p:spTgt>
+                                        </p:tgtEl>
+                                        <p:attrNameLst>
+                                          <p:attrName>style.visibility</p:attrName>
+                                        </p:attrNameLst>
+                                      </p:cBhvr>
+                                      <p:to>
+                                        <p:strVal val="visible"/>
+                                      </p:to>
+                                    </p:set>
+                                    <p:anim calcmode="lin" valueType="num">
+                                      <p:cBhvr additive="base">
+                                        <p:cTn id="31" dur="500" fill="hold"/>
+                                        <p:tgtEl>
+                                          <p:spTgt spid="3">
+                                            <p:txEl>
+                                              <p:pRg st="4" end="4"/>
+                                            </p:txEl>
+                                          </p:spTgt>
+                                        </p:tgtEl>
+                                        <p:attrNameLst>
+                                          <p:attrName>ppt_x</p:attrName>
+                                        </p:attrNameLst>
+                                      </p:cBhvr>
+                                      <p:tavLst>
+                                        <p:tav tm="0">
+                                          <p:val>
+                                            <p:strVal val="#ppt_x"/>
+                                          </p:val>
+                                        </p:tav>
+                                        <p:tav tm="100000">
+                                          <p:val>
+                                            <p:strVal val="#ppt_x"/>
+                                          </p:val>
+                                        </p:tav>
+                                      </p:tavLst>
+                                    </p:anim>
+                                    <p:anim calcmode="lin" valueType="num">
+                                      <p:cBhvr additive="base">
+                                        <p:cTn id="32" dur="500" fill="hold"/>
+                                        <p:tgtEl>
+                                          <p:spTgt spid="3">
+                                            <p:txEl>
+                                              <p:pRg st="4" end="4"/>
+                                            </p:txEl>
+                                          </p:spTgt>
+                                        </p:tgtEl>
+                                        <p:attrNameLst>
+                                          <p:attrName>ppt_y</p:attrName>
+                                        </p:attrNameLst>
+                                      </p:cBhvr>
+                                      <p:tavLst>
+                                        <p:tav tm="0">
+                                          <p:val>
+                                            <p:strVal val="1+#ppt_h/2"/>
+                                          </p:val>
+                                        </p:tav>
+                                        <p:tav tm="100000">
+                                          <p:val>
+                                            <p:strVal val="#ppt_y"/>
+                                          </p:val>
+                                        </p:tav>
+                                      </p:tavLst>
+                                    </p:anim>
+                                  </p:childTnLst>
+                                </p:cTn>
+                              </p:par>
+                            </p:childTnLst>
+                          </p:cTn>
+                        </p:par>
+                      </p:childTnLst>
+                    </p:cTn>
+                  </p:par>
+                  <p:par>
+                    <p:cTn id="33" fill="hold">
+                      <p:stCondLst>
+                        <p:cond delay="indefinite"/>
+                      </p:stCondLst>
+                      <p:childTnLst>
+                        <p:par>
+                          <p:cTn id="34" fill="hold">
+                            <p:stCondLst>
+                              <p:cond delay="0"/>
+                            </p:stCondLst>
+                            <p:childTnLst>
+                              <p:par>
+                                <p:cTn id="35" presetID="2" presetClass="entr" presetSubtype="4" fill="hold" grpId="0" nodeType="clickEffect">
+                                  <p:stCondLst>
+                                    <p:cond delay="0"/>
+                                  </p:stCondLst>
+                                  <p:childTnLst>
+                                    <p:set>
+                                      <p:cBhvr>
+                                        <p:cTn id="36" dur="1" fill="hold">
+                                          <p:stCondLst>
+                                            <p:cond delay="0"/>
+                                          </p:stCondLst>
+                                        </p:cTn>
+                                        <p:tgtEl>
+                                          <p:spTgt spid="3">
+                                            <p:txEl>
+                                              <p:pRg st="5" end="5"/>
+                                            </p:txEl>
+                                          </p:spTgt>
+                                        </p:tgtEl>
+                                        <p:attrNameLst>
+                                          <p:attrName>style.visibility</p:attrName>
+                                        </p:attrNameLst>
+                                      </p:cBhvr>
+                                      <p:to>
+                                        <p:strVal val="visible"/>
+                                      </p:to>
+                                    </p:set>
+                                    <p:anim calcmode="lin" valueType="num">
+                                      <p:cBhvr additive="base">
+                                        <p:cTn id="37" dur="500" fill="hold"/>
+                                        <p:tgtEl>
+                                          <p:spTgt spid="3">
+                                            <p:txEl>
+                                              <p:pRg st="5" end="5"/>
+                                            </p:txEl>
+                                          </p:spTgt>
+                                        </p:tgtEl>
+                                        <p:attrNameLst>
+                                          <p:attrName>ppt_x</p:attrName>
+                                        </p:attrNameLst>
+                                      </p:cBhvr>
+                                      <p:tavLst>
+                                        <p:tav tm="0">
+                                          <p:val>
+                                            <p:strVal val="#ppt_x"/>
+                                          </p:val>
+                                        </p:tav>
+                                        <p:tav tm="100000">
+                                          <p:val>
+                                            <p:strVal val="#ppt_x"/>
+                                          </p:val>
+                                        </p:tav>
+                                      </p:tavLst>
+                                    </p:anim>
+                                    <p:anim calcmode="lin" valueType="num">
+                                      <p:cBhvr additive="base">
+                                        <p:cTn id="38" dur="500" fill="hold"/>
+                                        <p:tgtEl>
+                                          <p:spTgt spid="3">
+                                            <p:txEl>
+                                              <p:pRg st="5" end="5"/>
+                                            </p:txEl>
+                                          </p:spTgt>
+                                        </p:tgtEl>
+                                        <p:attrNameLst>
+                                          <p:attrName>ppt_y</p:attrName>
+                                        </p:attrNameLst>
+                                      </p:cBhvr>
+                                      <p:tavLst>
+                                        <p:tav tm="0">
+                                          <p:val>
+                                            <p:strVal val="1+#ppt_h/2"/>
+                                          </p:val>
+                                        </p:tav>
+                                        <p:tav tm="100000">
+                                          <p:val>
+                                            <p:strVal val="#ppt_y"/>
+                                          </p:val>
+                                        </p:tav>
+                                      </p:tavLst>
+                                    </p:anim>
+                                  </p:childTnLst>
+                                </p:cTn>
+                              </p:par>
+                            </p:childTnLst>
+                          </p:cTn>
+                        </p:par>
+                      </p:childTnLst>
+                    </p:cTn>
+                  </p:par>
+                </p:childTnLst>
+              </p:cTn>
+              <p:prevCondLst>
+                <p:cond evt="onPrev" delay="0">
+                  <p:tgtEl>
+                    <p:sldTgt/>
+                  </p:tgtEl>
+                </p:cond>
+              </p:prevCondLst>
+              <p:nextCondLst>
+                <p:cond evt="onNext" delay="0">
+                  <p:tgtEl>
+                    <p:sldTgt/>
+                  </p:tgtEl>
+                </p:cond>
+              </p:nextCondLst>
+            </p:seq>
+          </p:childTnLst>
+        </p:cTn>
+      </p:par>
+    </p:tnLst>
+    <p:bldLst>
+      <p:bldP spid="3" grpId="0" build="p"/>
+    </p:bldLst>
+  </p:timing>
+</p:sld>
+</file>
+
+<file path=ppt/slides/slide35.xml><?xml version="1.0" encoding="utf-8"?>
+<p:sld xmlns:a="http://schemas.openxmlformats.org/drawingml/2006/main" xmlns:r="http://schemas.openxmlformats.org/officeDocument/2006/relationships" xmlns:p="http://schemas.openxmlformats.org/presentationml/2006/main">
+  <p:cSld>
+    <p:spTree>
+      <p:nvGrpSpPr>
+        <p:cNvPr id="1" name=""/>
+        <p:cNvGrpSpPr/>
+        <p:nvPr/>
+      </p:nvGrpSpPr>
+      <p:grpSpPr>
+        <a:xfrm>
+          <a:off x="0" y="0"/>
+          <a:ext cx="0" cy="0"/>
+          <a:chOff x="0" y="0"/>
+          <a:chExt cx="0" cy="0"/>
+        </a:xfrm>
+      </p:grpSpPr>
+      <p:sp>
+        <p:nvSpPr>
+          <p:cNvPr id="2" name="Title 1">
+            <a:extLst>
+              <a:ext uri="{FF2B5EF4-FFF2-40B4-BE49-F238E27FC236}">
+                <a16:creationId xmlns:a16="http://schemas.microsoft.com/office/drawing/2014/main" id="{9C2CC67A-8A23-6D39-985C-3FE334DC14E1}"/>
+              </a:ext>
+            </a:extLst>
+          </p:cNvPr>
+          <p:cNvSpPr>
+            <a:spLocks noGrp="1"/>
+          </p:cNvSpPr>
+          <p:nvPr>
+            <p:ph type="title"/>
+          </p:nvPr>
+        </p:nvSpPr>
+        <p:spPr/>
+        <p:txBody>
+          <a:bodyPr/>
+          <a:lstStyle/>
+          <a:p>
+            <a:r>
+              <a:rPr lang="en-US" dirty="0"/>
+              <a:t>Why We Use GitHub with IntelliJ</a:t>
+            </a:r>
+            <a:endParaRPr lang="en-IE" dirty="0"/>
+          </a:p>
+        </p:txBody>
+      </p:sp>
+      <p:sp>
+        <p:nvSpPr>
+          <p:cNvPr id="3" name="Content Placeholder 2">
+            <a:extLst>
+              <a:ext uri="{FF2B5EF4-FFF2-40B4-BE49-F238E27FC236}">
+                <a16:creationId xmlns:a16="http://schemas.microsoft.com/office/drawing/2014/main" id="{5C7F3642-B832-2EF3-2C9C-55C4A037E410}"/>
+              </a:ext>
+            </a:extLst>
+          </p:cNvPr>
+          <p:cNvSpPr>
+            <a:spLocks noGrp="1"/>
+          </p:cNvSpPr>
+          <p:nvPr>
+            <p:ph idx="1"/>
+          </p:nvPr>
+        </p:nvSpPr>
+        <p:spPr/>
+        <p:txBody>
+          <a:bodyPr/>
+          <a:lstStyle/>
+          <a:p>
+            <a:pPr marL="0" indent="0">
+              <a:buNone/>
+            </a:pPr>
+            <a:r>
+              <a:rPr lang="en-US" dirty="0"/>
+              <a:t>Using GitHub through IntelliJ allows you to:</a:t>
+            </a:r>
+          </a:p>
+          <a:p>
+            <a:pPr marL="0" indent="0">
+              <a:buNone/>
+            </a:pPr>
+            <a:endParaRPr lang="en-US" dirty="0"/>
+          </a:p>
+          <a:p>
+            <a:pPr lvl="1"/>
+            <a:r>
+              <a:rPr lang="en-US" sz="2800" dirty="0"/>
+              <a:t>Back up your code safely</a:t>
+            </a:r>
+          </a:p>
+          <a:p>
+            <a:pPr lvl="1"/>
+            <a:r>
+              <a:rPr lang="en-US" sz="2800" dirty="0"/>
+              <a:t>Track your progress over time</a:t>
+            </a:r>
+          </a:p>
+          <a:p>
+            <a:pPr lvl="1"/>
+            <a:r>
+              <a:rPr lang="en-US" sz="2800" dirty="0"/>
+              <a:t>Recover older versions</a:t>
+            </a:r>
+          </a:p>
+          <a:p>
+            <a:pPr lvl="1"/>
+            <a:r>
+              <a:rPr lang="en-US" sz="2800" dirty="0"/>
+              <a:t>Share work with lecturers or teammates</a:t>
+            </a:r>
+          </a:p>
+          <a:p>
+            <a:endParaRPr lang="en-US" dirty="0"/>
+          </a:p>
+          <a:p>
+            <a:pPr marL="0" indent="0">
+              <a:buNone/>
+            </a:pPr>
+            <a:r>
+              <a:rPr lang="en-US" b="1" dirty="0"/>
+              <a:t>This workflow is standard in industry.</a:t>
+            </a:r>
+          </a:p>
+          <a:p>
+            <a:endParaRPr lang="en-IE" dirty="0"/>
+          </a:p>
+        </p:txBody>
+      </p:sp>
+    </p:spTree>
+    <p:extLst>
+      <p:ext uri="{BB962C8B-B14F-4D97-AF65-F5344CB8AC3E}">
+        <p14:creationId xmlns:p14="http://schemas.microsoft.com/office/powerpoint/2010/main" val="3822781096"/>
+      </p:ext>
+    </p:extLst>
+  </p:cSld>
+  <p:clrMapOvr>
+    <a:masterClrMapping/>
+  </p:clrMapOvr>
+  <p:timing>
+    <p:tnLst>
+      <p:par>
+        <p:cTn id="1" dur="indefinite" restart="never" nodeType="tmRoot">
+          <p:childTnLst>
+            <p:seq concurrent="1" nextAc="seek">
+              <p:cTn id="2" dur="indefinite" nodeType="mainSeq">
+                <p:childTnLst>
+                  <p:par>
+                    <p:cTn id="3" fill="hold">
+                      <p:stCondLst>
+                        <p:cond delay="indefinite"/>
+                      </p:stCondLst>
+                      <p:childTnLst>
+                        <p:par>
+                          <p:cTn id="4" fill="hold">
+                            <p:stCondLst>
+                              <p:cond delay="0"/>
+                            </p:stCondLst>
+                            <p:childTnLst>
+                              <p:par>
+                                <p:cTn id="5" presetID="2" presetClass="entr" presetSubtype="4" fill="hold" grpId="0" nodeType="clickEffect">
+                                  <p:stCondLst>
+                                    <p:cond delay="0"/>
+                                  </p:stCondLst>
+                                  <p:childTnLst>
+                                    <p:set>
+                                      <p:cBhvr>
+                                        <p:cTn id="6" dur="1" fill="hold">
+                                          <p:stCondLst>
+                                            <p:cond delay="0"/>
+                                          </p:stCondLst>
+                                        </p:cTn>
+                                        <p:tgtEl>
+                                          <p:spTgt spid="3">
+                                            <p:txEl>
+                                              <p:pRg st="0" end="0"/>
+                                            </p:txEl>
+                                          </p:spTgt>
+                                        </p:tgtEl>
+                                        <p:attrNameLst>
+                                          <p:attrName>style.visibility</p:attrName>
+                                        </p:attrNameLst>
+                                      </p:cBhvr>
+                                      <p:to>
+                                        <p:strVal val="visible"/>
+                                      </p:to>
+                                    </p:set>
+                                    <p:anim calcmode="lin" valueType="num">
+                                      <p:cBhvr additive="base">
+                                        <p:cTn id="7" dur="500" fill="hold"/>
+                                        <p:tgtEl>
+                                          <p:spTgt spid="3">
+                                            <p:txEl>
+                                              <p:pRg st="0" end="0"/>
+                                            </p:txEl>
+                                          </p:spTgt>
+                                        </p:tgtEl>
+                                        <p:attrNameLst>
+                                          <p:attrName>ppt_x</p:attrName>
+                                        </p:attrNameLst>
+                                      </p:cBhvr>
+                                      <p:tavLst>
+                                        <p:tav tm="0">
+                                          <p:val>
+                                            <p:strVal val="#ppt_x"/>
+                                          </p:val>
+                                        </p:tav>
+                                        <p:tav tm="100000">
+                                          <p:val>
+                                            <p:strVal val="#ppt_x"/>
+                                          </p:val>
+                                        </p:tav>
+                                      </p:tavLst>
+                                    </p:anim>
+                                    <p:anim calcmode="lin" valueType="num">
+                                      <p:cBhvr additive="base">
+                                        <p:cTn id="8" dur="500" fill="hold"/>
+                                        <p:tgtEl>
+                                          <p:spTgt spid="3">
+                                            <p:txEl>
+                                              <p:pRg st="0" end="0"/>
+                                            </p:txEl>
+                                          </p:spTgt>
+                                        </p:tgtEl>
+                                        <p:attrNameLst>
+                                          <p:attrName>ppt_y</p:attrName>
+                                        </p:attrNameLst>
+                                      </p:cBhvr>
+                                      <p:tavLst>
+                                        <p:tav tm="0">
+                                          <p:val>
+                                            <p:strVal val="1+#ppt_h/2"/>
+                                          </p:val>
+                                        </p:tav>
+                                        <p:tav tm="100000">
+                                          <p:val>
+                                            <p:strVal val="#ppt_y"/>
+                                          </p:val>
+                                        </p:tav>
+                                      </p:tavLst>
+                                    </p:anim>
+                                  </p:childTnLst>
+                                </p:cTn>
+                              </p:par>
+                            </p:childTnLst>
+                          </p:cTn>
+                        </p:par>
+                      </p:childTnLst>
+                    </p:cTn>
+                  </p:par>
+                  <p:par>
+                    <p:cTn id="9" fill="hold">
+                      <p:stCondLst>
+                        <p:cond delay="indefinite"/>
+                      </p:stCondLst>
+                      <p:childTnLst>
+                        <p:par>
+                          <p:cTn id="10" fill="hold">
+                            <p:stCondLst>
+                              <p:cond delay="0"/>
+                            </p:stCondLst>
+                            <p:childTnLst>
+                              <p:par>
+                                <p:cTn id="11" presetID="2" presetClass="entr" presetSubtype="4" fill="hold" grpId="0" nodeType="clickEffect">
+                                  <p:stCondLst>
+                                    <p:cond delay="0"/>
+                                  </p:stCondLst>
+                                  <p:childTnLst>
+                                    <p:set>
+                                      <p:cBhvr>
+                                        <p:cTn id="12" dur="1" fill="hold">
+                                          <p:stCondLst>
+                                            <p:cond delay="0"/>
+                                          </p:stCondLst>
+                                        </p:cTn>
+                                        <p:tgtEl>
+                                          <p:spTgt spid="3">
+                                            <p:txEl>
+                                              <p:pRg st="2" end="2"/>
+                                            </p:txEl>
+                                          </p:spTgt>
+                                        </p:tgtEl>
+                                        <p:attrNameLst>
+                                          <p:attrName>style.visibility</p:attrName>
+                                        </p:attrNameLst>
+                                      </p:cBhvr>
+                                      <p:to>
+                                        <p:strVal val="visible"/>
+                                      </p:to>
+                                    </p:set>
+                                    <p:anim calcmode="lin" valueType="num">
+                                      <p:cBhvr additive="base">
+                                        <p:cTn id="13" dur="500" fill="hold"/>
+                                        <p:tgtEl>
+                                          <p:spTgt spid="3">
+                                            <p:txEl>
+                                              <p:pRg st="2" end="2"/>
+                                            </p:txEl>
+                                          </p:spTgt>
+                                        </p:tgtEl>
+                                        <p:attrNameLst>
+                                          <p:attrName>ppt_x</p:attrName>
+                                        </p:attrNameLst>
+                                      </p:cBhvr>
+                                      <p:tavLst>
+                                        <p:tav tm="0">
+                                          <p:val>
+                                            <p:strVal val="#ppt_x"/>
+                                          </p:val>
+                                        </p:tav>
+                                        <p:tav tm="100000">
+                                          <p:val>
+                                            <p:strVal val="#ppt_x"/>
+                                          </p:val>
+                                        </p:tav>
+                                      </p:tavLst>
+                                    </p:anim>
+                                    <p:anim calcmode="lin" valueType="num">
+                                      <p:cBhvr additive="base">
+                                        <p:cTn id="14" dur="500" fill="hold"/>
+                                        <p:tgtEl>
+                                          <p:spTgt spid="3">
+                                            <p:txEl>
+                                              <p:pRg st="2" end="2"/>
+                                            </p:txEl>
+                                          </p:spTgt>
+                                        </p:tgtEl>
+                                        <p:attrNameLst>
+                                          <p:attrName>ppt_y</p:attrName>
+                                        </p:attrNameLst>
+                                      </p:cBhvr>
+                                      <p:tavLst>
+                                        <p:tav tm="0">
+                                          <p:val>
+                                            <p:strVal val="1+#ppt_h/2"/>
+                                          </p:val>
+                                        </p:tav>
+                                        <p:tav tm="100000">
+                                          <p:val>
+                                            <p:strVal val="#ppt_y"/>
+                                          </p:val>
+                                        </p:tav>
+                                      </p:tavLst>
+                                    </p:anim>
+                                  </p:childTnLst>
+                                </p:cTn>
+                              </p:par>
+                            </p:childTnLst>
+                          </p:cTn>
+                        </p:par>
+                      </p:childTnLst>
+                    </p:cTn>
+                  </p:par>
+                  <p:par>
+                    <p:cTn id="15" fill="hold">
+                      <p:stCondLst>
+                        <p:cond delay="indefinite"/>
+                      </p:stCondLst>
+                      <p:childTnLst>
+                        <p:par>
+                          <p:cTn id="16" fill="hold">
+                            <p:stCondLst>
+                              <p:cond delay="0"/>
+                            </p:stCondLst>
+                            <p:childTnLst>
+                              <p:par>
+                                <p:cTn id="17" presetID="2" presetClass="entr" presetSubtype="4" fill="hold" grpId="0" nodeType="clickEffect">
+                                  <p:stCondLst>
+                                    <p:cond delay="0"/>
+                                  </p:stCondLst>
+                                  <p:childTnLst>
+                                    <p:set>
+                                      <p:cBhvr>
+                                        <p:cTn id="18" dur="1" fill="hold">
+                                          <p:stCondLst>
+                                            <p:cond delay="0"/>
+                                          </p:stCondLst>
+                                        </p:cTn>
+                                        <p:tgtEl>
+                                          <p:spTgt spid="3">
+                                            <p:txEl>
+                                              <p:pRg st="3" end="3"/>
+                                            </p:txEl>
+                                          </p:spTgt>
+                                        </p:tgtEl>
+                                        <p:attrNameLst>
+                                          <p:attrName>style.visibility</p:attrName>
+                                        </p:attrNameLst>
+                                      </p:cBhvr>
+                                      <p:to>
+                                        <p:strVal val="visible"/>
+                                      </p:to>
+                                    </p:set>
+                                    <p:anim calcmode="lin" valueType="num">
+                                      <p:cBhvr additive="base">
+                                        <p:cTn id="19" dur="500" fill="hold"/>
+                                        <p:tgtEl>
+                                          <p:spTgt spid="3">
+                                            <p:txEl>
+                                              <p:pRg st="3" end="3"/>
+                                            </p:txEl>
+                                          </p:spTgt>
+                                        </p:tgtEl>
+                                        <p:attrNameLst>
+                                          <p:attrName>ppt_x</p:attrName>
+                                        </p:attrNameLst>
+                                      </p:cBhvr>
+                                      <p:tavLst>
+                                        <p:tav tm="0">
+                                          <p:val>
+                                            <p:strVal val="#ppt_x"/>
+                                          </p:val>
+                                        </p:tav>
+                                        <p:tav tm="100000">
+                                          <p:val>
+                                            <p:strVal val="#ppt_x"/>
+                                          </p:val>
+                                        </p:tav>
+                                      </p:tavLst>
+                                    </p:anim>
+                                    <p:anim calcmode="lin" valueType="num">
+                                      <p:cBhvr additive="base">
+                                        <p:cTn id="20" dur="500" fill="hold"/>
+                                        <p:tgtEl>
+                                          <p:spTgt spid="3">
+                                            <p:txEl>
+                                              <p:pRg st="3" end="3"/>
+                                            </p:txEl>
+                                          </p:spTgt>
+                                        </p:tgtEl>
+                                        <p:attrNameLst>
+                                          <p:attrName>ppt_y</p:attrName>
+                                        </p:attrNameLst>
+                                      </p:cBhvr>
+                                      <p:tavLst>
+                                        <p:tav tm="0">
+                                          <p:val>
+                                            <p:strVal val="1+#ppt_h/2"/>
+                                          </p:val>
+                                        </p:tav>
+                                        <p:tav tm="100000">
+                                          <p:val>
+                                            <p:strVal val="#ppt_y"/>
+                                          </p:val>
+                                        </p:tav>
+                                      </p:tavLst>
+                                    </p:anim>
+                                  </p:childTnLst>
+                                </p:cTn>
+                              </p:par>
+                            </p:childTnLst>
+                          </p:cTn>
+                        </p:par>
+                      </p:childTnLst>
+                    </p:cTn>
+                  </p:par>
+                  <p:par>
+                    <p:cTn id="21" fill="hold">
+                      <p:stCondLst>
+                        <p:cond delay="indefinite"/>
+                      </p:stCondLst>
+                      <p:childTnLst>
+                        <p:par>
+                          <p:cTn id="22" fill="hold">
+                            <p:stCondLst>
+                              <p:cond delay="0"/>
+                            </p:stCondLst>
+                            <p:childTnLst>
+                              <p:par>
+                                <p:cTn id="23" presetID="2" presetClass="entr" presetSubtype="4" fill="hold" grpId="0" nodeType="clickEffect">
+                                  <p:stCondLst>
+                                    <p:cond delay="0"/>
+                                  </p:stCondLst>
+                                  <p:childTnLst>
+                                    <p:set>
+                                      <p:cBhvr>
+                                        <p:cTn id="24" dur="1" fill="hold">
+                                          <p:stCondLst>
+                                            <p:cond delay="0"/>
+                                          </p:stCondLst>
+                                        </p:cTn>
+                                        <p:tgtEl>
+                                          <p:spTgt spid="3">
+                                            <p:txEl>
+                                              <p:pRg st="4" end="4"/>
+                                            </p:txEl>
+                                          </p:spTgt>
+                                        </p:tgtEl>
+                                        <p:attrNameLst>
+                                          <p:attrName>style.visibility</p:attrName>
+                                        </p:attrNameLst>
+                                      </p:cBhvr>
+                                      <p:to>
+                                        <p:strVal val="visible"/>
+                                      </p:to>
+                                    </p:set>
+                                    <p:anim calcmode="lin" valueType="num">
+                                      <p:cBhvr additive="base">
+                                        <p:cTn id="25" dur="500" fill="hold"/>
+                                        <p:tgtEl>
+                                          <p:spTgt spid="3">
+                                            <p:txEl>
+                                              <p:pRg st="4" end="4"/>
+                                            </p:txEl>
+                                          </p:spTgt>
+                                        </p:tgtEl>
+                                        <p:attrNameLst>
+                                          <p:attrName>ppt_x</p:attrName>
+                                        </p:attrNameLst>
+                                      </p:cBhvr>
+                                      <p:tavLst>
+                                        <p:tav tm="0">
+                                          <p:val>
+                                            <p:strVal val="#ppt_x"/>
+                                          </p:val>
+                                        </p:tav>
+                                        <p:tav tm="100000">
+                                          <p:val>
+                                            <p:strVal val="#ppt_x"/>
+                                          </p:val>
+                                        </p:tav>
+                                      </p:tavLst>
+                                    </p:anim>
+                                    <p:anim calcmode="lin" valueType="num">
+                                      <p:cBhvr additive="base">
+                                        <p:cTn id="26" dur="500" fill="hold"/>
+                                        <p:tgtEl>
+                                          <p:spTgt spid="3">
+                                            <p:txEl>
+                                              <p:pRg st="4" end="4"/>
+                                            </p:txEl>
+                                          </p:spTgt>
+                                        </p:tgtEl>
+                                        <p:attrNameLst>
+                                          <p:attrName>ppt_y</p:attrName>
+                                        </p:attrNameLst>
+                                      </p:cBhvr>
+                                      <p:tavLst>
+                                        <p:tav tm="0">
+                                          <p:val>
+                                            <p:strVal val="1+#ppt_h/2"/>
+                                          </p:val>
+                                        </p:tav>
+                                        <p:tav tm="100000">
+                                          <p:val>
+                                            <p:strVal val="#ppt_y"/>
+                                          </p:val>
+                                        </p:tav>
+                                      </p:tavLst>
+                                    </p:anim>
+                                  </p:childTnLst>
+                                </p:cTn>
+                              </p:par>
+                            </p:childTnLst>
+                          </p:cTn>
+                        </p:par>
+                      </p:childTnLst>
+                    </p:cTn>
+                  </p:par>
+                  <p:par>
+                    <p:cTn id="27" fill="hold">
+                      <p:stCondLst>
+                        <p:cond delay="indefinite"/>
+                      </p:stCondLst>
+                      <p:childTnLst>
+                        <p:par>
+                          <p:cTn id="28" fill="hold">
+                            <p:stCondLst>
+                              <p:cond delay="0"/>
+                            </p:stCondLst>
+                            <p:childTnLst>
+                              <p:par>
+                                <p:cTn id="29" presetID="2" presetClass="entr" presetSubtype="4" fill="hold" grpId="0" nodeType="clickEffect">
+                                  <p:stCondLst>
+                                    <p:cond delay="0"/>
+                                  </p:stCondLst>
+                                  <p:childTnLst>
+                                    <p:set>
+                                      <p:cBhvr>
+                                        <p:cTn id="30" dur="1" fill="hold">
+                                          <p:stCondLst>
+                                            <p:cond delay="0"/>
+                                          </p:stCondLst>
+                                        </p:cTn>
+                                        <p:tgtEl>
+                                          <p:spTgt spid="3">
+                                            <p:txEl>
+                                              <p:pRg st="5" end="5"/>
+                                            </p:txEl>
+                                          </p:spTgt>
+                                        </p:tgtEl>
+                                        <p:attrNameLst>
+                                          <p:attrName>style.visibility</p:attrName>
+                                        </p:attrNameLst>
+                                      </p:cBhvr>
+                                      <p:to>
+                                        <p:strVal val="visible"/>
+                                      </p:to>
+                                    </p:set>
+                                    <p:anim calcmode="lin" valueType="num">
+                                      <p:cBhvr additive="base">
+                                        <p:cTn id="31" dur="500" fill="hold"/>
+                                        <p:tgtEl>
+                                          <p:spTgt spid="3">
+                                            <p:txEl>
+                                              <p:pRg st="5" end="5"/>
+                                            </p:txEl>
+                                          </p:spTgt>
+                                        </p:tgtEl>
+                                        <p:attrNameLst>
+                                          <p:attrName>ppt_x</p:attrName>
+                                        </p:attrNameLst>
+                                      </p:cBhvr>
+                                      <p:tavLst>
+                                        <p:tav tm="0">
+                                          <p:val>
+                                            <p:strVal val="#ppt_x"/>
+                                          </p:val>
+                                        </p:tav>
+                                        <p:tav tm="100000">
+                                          <p:val>
+                                            <p:strVal val="#ppt_x"/>
+                                          </p:val>
+                                        </p:tav>
+                                      </p:tavLst>
+                                    </p:anim>
+                                    <p:anim calcmode="lin" valueType="num">
+                                      <p:cBhvr additive="base">
+                                        <p:cTn id="32" dur="500" fill="hold"/>
+                                        <p:tgtEl>
+                                          <p:spTgt spid="3">
+                                            <p:txEl>
+                                              <p:pRg st="5" end="5"/>
+                                            </p:txEl>
+                                          </p:spTgt>
+                                        </p:tgtEl>
+                                        <p:attrNameLst>
+                                          <p:attrName>ppt_y</p:attrName>
+                                        </p:attrNameLst>
+                                      </p:cBhvr>
+                                      <p:tavLst>
+                                        <p:tav tm="0">
+                                          <p:val>
+                                            <p:strVal val="1+#ppt_h/2"/>
+                                          </p:val>
+                                        </p:tav>
+                                        <p:tav tm="100000">
+                                          <p:val>
+                                            <p:strVal val="#ppt_y"/>
+                                          </p:val>
+                                        </p:tav>
+                                      </p:tavLst>
+                                    </p:anim>
+                                  </p:childTnLst>
+                                </p:cTn>
+                              </p:par>
+                            </p:childTnLst>
+                          </p:cTn>
+                        </p:par>
+                      </p:childTnLst>
+                    </p:cTn>
+                  </p:par>
+                  <p:par>
+                    <p:cTn id="33" fill="hold">
+                      <p:stCondLst>
+                        <p:cond delay="indefinite"/>
+                      </p:stCondLst>
+                      <p:childTnLst>
+                        <p:par>
+                          <p:cTn id="34" fill="hold">
+                            <p:stCondLst>
+                              <p:cond delay="0"/>
+                            </p:stCondLst>
+                            <p:childTnLst>
+                              <p:par>
+                                <p:cTn id="35" presetID="2" presetClass="entr" presetSubtype="4" fill="hold" grpId="0" nodeType="clickEffect">
+                                  <p:stCondLst>
+                                    <p:cond delay="0"/>
+                                  </p:stCondLst>
+                                  <p:childTnLst>
+                                    <p:set>
+                                      <p:cBhvr>
+                                        <p:cTn id="36" dur="1" fill="hold">
+                                          <p:stCondLst>
+                                            <p:cond delay="0"/>
+                                          </p:stCondLst>
+                                        </p:cTn>
+                                        <p:tgtEl>
+                                          <p:spTgt spid="3">
+                                            <p:txEl>
+                                              <p:pRg st="7" end="7"/>
+                                            </p:txEl>
+                                          </p:spTgt>
+                                        </p:tgtEl>
+                                        <p:attrNameLst>
+                                          <p:attrName>style.visibility</p:attrName>
+                                        </p:attrNameLst>
+                                      </p:cBhvr>
+                                      <p:to>
+                                        <p:strVal val="visible"/>
+                                      </p:to>
+                                    </p:set>
+                                    <p:anim calcmode="lin" valueType="num">
+                                      <p:cBhvr additive="base">
+                                        <p:cTn id="37" dur="500" fill="hold"/>
+                                        <p:tgtEl>
+                                          <p:spTgt spid="3">
+                                            <p:txEl>
+                                              <p:pRg st="7" end="7"/>
+                                            </p:txEl>
+                                          </p:spTgt>
+                                        </p:tgtEl>
+                                        <p:attrNameLst>
+                                          <p:attrName>ppt_x</p:attrName>
+                                        </p:attrNameLst>
+                                      </p:cBhvr>
+                                      <p:tavLst>
+                                        <p:tav tm="0">
+                                          <p:val>
+                                            <p:strVal val="#ppt_x"/>
+                                          </p:val>
+                                        </p:tav>
+                                        <p:tav tm="100000">
+                                          <p:val>
+                                            <p:strVal val="#ppt_x"/>
+                                          </p:val>
+                                        </p:tav>
+                                      </p:tavLst>
+                                    </p:anim>
+                                    <p:anim calcmode="lin" valueType="num">
+                                      <p:cBhvr additive="base">
+                                        <p:cTn id="38" dur="500" fill="hold"/>
+                                        <p:tgtEl>
+                                          <p:spTgt spid="3">
+                                            <p:txEl>
+                                              <p:pRg st="7" end="7"/>
+                                            </p:txEl>
+                                          </p:spTgt>
+                                        </p:tgtEl>
+                                        <p:attrNameLst>
+                                          <p:attrName>ppt_y</p:attrName>
+                                        </p:attrNameLst>
+                                      </p:cBhvr>
+                                      <p:tavLst>
+                                        <p:tav tm="0">
+                                          <p:val>
+                                            <p:strVal val="1+#ppt_h/2"/>
+                                          </p:val>
+                                        </p:tav>
+                                        <p:tav tm="100000">
+                                          <p:val>
+                                            <p:strVal val="#ppt_y"/>
+                                          </p:val>
+                                        </p:tav>
+                                      </p:tavLst>
+                                    </p:anim>
+                                  </p:childTnLst>
+                                </p:cTn>
+                              </p:par>
+                            </p:childTnLst>
+                          </p:cTn>
+                        </p:par>
+                      </p:childTnLst>
+                    </p:cTn>
+                  </p:par>
+                </p:childTnLst>
+              </p:cTn>
+              <p:prevCondLst>
+                <p:cond evt="onPrev" delay="0">
+                  <p:tgtEl>
+                    <p:sldTgt/>
+                  </p:tgtEl>
+                </p:cond>
+              </p:prevCondLst>
+              <p:nextCondLst>
+                <p:cond evt="onNext" delay="0">
+                  <p:tgtEl>
+                    <p:sldTgt/>
+                  </p:tgtEl>
+                </p:cond>
+              </p:nextCondLst>
+            </p:seq>
+          </p:childTnLst>
+        </p:cTn>
+      </p:par>
+    </p:tnLst>
+    <p:bldLst>
+      <p:bldP spid="3" grpId="0" uiExpand="1" build="p"/>
+    </p:bldLst>
+  </p:timing>
+</p:sld>
+</file>
+
+<file path=ppt/slides/slide36.xml><?xml version="1.0" encoding="utf-8"?>
+<p:sld xmlns:a="http://schemas.openxmlformats.org/drawingml/2006/main" xmlns:r="http://schemas.openxmlformats.org/officeDocument/2006/relationships" xmlns:p="http://schemas.openxmlformats.org/presentationml/2006/main">
+  <p:cSld>
+    <p:bg>
+      <p:bgPr>
+        <a:solidFill>
+          <a:schemeClr val="bg1"/>
+        </a:solidFill>
+        <a:effectLst/>
+      </p:bgPr>
+    </p:bg>
+    <p:spTree>
+      <p:nvGrpSpPr>
+        <p:cNvPr id="1" name=""/>
+        <p:cNvGrpSpPr/>
+        <p:nvPr/>
+      </p:nvGrpSpPr>
+      <p:grpSpPr>
+        <a:xfrm>
+          <a:off x="0" y="0"/>
+          <a:ext cx="0" cy="0"/>
+          <a:chOff x="0" y="0"/>
+          <a:chExt cx="0" cy="0"/>
+        </a:xfrm>
+      </p:grpSpPr>
+      <p:sp useBgFill="1">
+        <p:nvSpPr>
+          <p:cNvPr id="8" name="Rectangle 7">
+            <a:extLst>
+              <a:ext uri="{FF2B5EF4-FFF2-40B4-BE49-F238E27FC236}">
+                <a16:creationId xmlns:a16="http://schemas.microsoft.com/office/drawing/2014/main" id="{362D44EE-C852-4460-B8B5-C4F2BC20510C}"/>
+              </a:ext>
+              <a:ext uri="{C183D7F6-B498-43B3-948B-1728B52AA6E4}">
+                <adec:decorative xmlns:adec="http://schemas.microsoft.com/office/drawing/2017/decorative" val="1"/>
+              </a:ext>
+            </a:extLst>
+          </p:cNvPr>
+          <p:cNvSpPr>
+            <a:spLocks noGrp="1" noRot="1" noChangeAspect="1" noMove="1" noResize="1" noEditPoints="1" noAdjustHandles="1" noChangeArrowheads="1" noChangeShapeType="1" noTextEdit="1"/>
+          </p:cNvSpPr>
+          <p:nvPr>
+            <p:extLst>
+              <p:ext uri="{386F3935-93C4-4BCD-93E2-E3B085C9AB24}">
+                <p16:designElem xmlns:p16="http://schemas.microsoft.com/office/powerpoint/2015/main" val="1"/>
+              </p:ext>
+            </p:extLst>
+          </p:nvPr>
+        </p:nvSpPr>
+        <p:spPr>
+          <a:xfrm>
+            <a:off x="0" y="0"/>
+            <a:ext cx="12192000" cy="6858000"/>
+          </a:xfrm>
+          <a:prstGeom prst="rect">
+            <a:avLst/>
+          </a:prstGeom>
+          <a:ln>
+            <a:noFill/>
+          </a:ln>
+        </p:spPr>
+        <p:style>
+          <a:lnRef idx="2">
+            <a:schemeClr val="accent1">
+              <a:shade val="50000"/>
+            </a:schemeClr>
+          </a:lnRef>
+          <a:fillRef idx="1">
+            <a:schemeClr val="accent1"/>
+          </a:fillRef>
+          <a:effectRef idx="0">
+            <a:schemeClr val="accent1"/>
+          </a:effectRef>
+          <a:fontRef idx="minor">
+            <a:schemeClr val="lt1"/>
+          </a:fontRef>
+        </p:style>
+        <p:txBody>
+          <a:bodyPr rtlCol="0" anchor="ctr"/>
+          <a:lstStyle/>
+          <a:p>
+            <a:pPr algn="ctr"/>
+            <a:endParaRPr lang="en-US"/>
+          </a:p>
+        </p:txBody>
+      </p:sp>
+      <p:sp>
+        <p:nvSpPr>
+          <p:cNvPr id="2" name="Title 1">
+            <a:extLst>
+              <a:ext uri="{FF2B5EF4-FFF2-40B4-BE49-F238E27FC236}">
+                <a16:creationId xmlns:a16="http://schemas.microsoft.com/office/drawing/2014/main" id="{A65975DD-5C1D-47DE-94EA-6DF61AF38C02}"/>
+              </a:ext>
+            </a:extLst>
+          </p:cNvPr>
+          <p:cNvSpPr>
+            <a:spLocks noGrp="1"/>
+          </p:cNvSpPr>
+          <p:nvPr>
+            <p:ph type="title"/>
+          </p:nvPr>
+        </p:nvSpPr>
+        <p:spPr>
+          <a:xfrm>
+            <a:off x="6194716" y="739978"/>
+            <a:ext cx="5334930" cy="3004145"/>
+          </a:xfrm>
+        </p:spPr>
+        <p:txBody>
+          <a:bodyPr vert="horz" lIns="91440" tIns="45720" rIns="91440" bIns="45720" rtlCol="0" anchor="b">
+            <a:normAutofit/>
+          </a:bodyPr>
+          <a:lstStyle/>
+          <a:p>
+            <a:pPr algn="ctr"/>
+            <a:r>
+              <a:rPr lang="en-US" sz="6000"/>
+              <a:t>Any questions?</a:t>
+            </a:r>
+          </a:p>
+        </p:txBody>
+      </p:sp>
+      <p:sp>
+        <p:nvSpPr>
+          <p:cNvPr id="10" name="Freeform: Shape 9">
+            <a:extLst>
+              <a:ext uri="{FF2B5EF4-FFF2-40B4-BE49-F238E27FC236}">
+                <a16:creationId xmlns:a16="http://schemas.microsoft.com/office/drawing/2014/main" id="{658970D8-8D1D-4B5C-894B-E871CC86543D}"/>
+              </a:ext>
+              <a:ext uri="{C183D7F6-B498-43B3-948B-1728B52AA6E4}">
+                <adec:decorative xmlns:adec="http://schemas.microsoft.com/office/drawing/2017/decorative" val="1"/>
+              </a:ext>
+            </a:extLst>
+          </p:cNvPr>
+          <p:cNvSpPr>
+            <a:spLocks noGrp="1" noRot="1" noChangeAspect="1" noMove="1" noResize="1" noEditPoints="1" noAdjustHandles="1" noChangeArrowheads="1" noChangeShapeType="1" noTextEdit="1"/>
+          </p:cNvSpPr>
+          <p:nvPr>
+            <p:extLst>
+              <p:ext uri="{386F3935-93C4-4BCD-93E2-E3B085C9AB24}">
+                <p16:designElem xmlns:p16="http://schemas.microsoft.com/office/powerpoint/2015/main" val="1"/>
+              </p:ext>
+            </p:extLst>
+          </p:nvPr>
+        </p:nvSpPr>
+        <p:spPr>
+          <a:xfrm flipH="1">
+            <a:off x="530529" y="1"/>
+            <a:ext cx="1155142" cy="591009"/>
+          </a:xfrm>
+          <a:custGeom>
+            <a:avLst/>
+            <a:gdLst>
+              <a:gd name="connsiteX0" fmla="*/ 1355 w 1155142"/>
+              <a:gd name="connsiteY0" fmla="*/ 0 h 591009"/>
+              <a:gd name="connsiteX1" fmla="*/ 1153787 w 1155142"/>
+              <a:gd name="connsiteY1" fmla="*/ 0 h 591009"/>
+              <a:gd name="connsiteX2" fmla="*/ 1155142 w 1155142"/>
+              <a:gd name="connsiteY2" fmla="*/ 13438 h 591009"/>
+              <a:gd name="connsiteX3" fmla="*/ 577571 w 1155142"/>
+              <a:gd name="connsiteY3" fmla="*/ 591009 h 591009"/>
+              <a:gd name="connsiteX4" fmla="*/ 0 w 1155142"/>
+              <a:gd name="connsiteY4" fmla="*/ 13438 h 591009"/>
+            </a:gdLst>
+            <a:ahLst/>
+            <a:cxnLst>
+              <a:cxn ang="0">
+                <a:pos x="connsiteX0" y="connsiteY0"/>
+              </a:cxn>
+              <a:cxn ang="0">
+                <a:pos x="connsiteX1" y="connsiteY1"/>
+              </a:cxn>
+              <a:cxn ang="0">
+                <a:pos x="connsiteX2" y="connsiteY2"/>
+              </a:cxn>
+              <a:cxn ang="0">
+                <a:pos x="connsiteX3" y="connsiteY3"/>
+              </a:cxn>
+              <a:cxn ang="0">
+                <a:pos x="connsiteX4" y="connsiteY4"/>
+              </a:cxn>
+            </a:cxnLst>
+            <a:rect l="l" t="t" r="r" b="b"/>
+            <a:pathLst>
+              <a:path w="1155142" h="591009">
+                <a:moveTo>
+                  <a:pt x="1355" y="0"/>
+                </a:moveTo>
+                <a:lnTo>
+                  <a:pt x="1153787" y="0"/>
+                </a:lnTo>
+                <a:lnTo>
+                  <a:pt x="1155142" y="13438"/>
+                </a:lnTo>
+                <a:cubicBezTo>
+                  <a:pt x="1155142" y="332422"/>
+                  <a:pt x="896555" y="591009"/>
+                  <a:pt x="577571" y="591009"/>
+                </a:cubicBezTo>
+                <a:cubicBezTo>
+                  <a:pt x="258587" y="591009"/>
+                  <a:pt x="0" y="332422"/>
+                  <a:pt x="0" y="13438"/>
+                </a:cubicBezTo>
+                <a:close/>
+              </a:path>
+            </a:pathLst>
+          </a:custGeom>
+          <a:solidFill>
+            <a:schemeClr val="accent5"/>
+          </a:solidFill>
+          <a:ln>
+            <a:noFill/>
+          </a:ln>
+        </p:spPr>
+        <p:style>
+          <a:lnRef idx="2">
+            <a:schemeClr val="accent1">
+              <a:shade val="50000"/>
+            </a:schemeClr>
+          </a:lnRef>
+          <a:fillRef idx="1">
+            <a:schemeClr val="accent1"/>
+          </a:fillRef>
+          <a:effectRef idx="0">
+            <a:schemeClr val="accent1"/>
+          </a:effectRef>
+          <a:fontRef idx="minor">
+            <a:schemeClr val="lt1"/>
+          </a:fontRef>
+        </p:style>
+        <p:txBody>
+          <a:bodyPr wrap="square" rtlCol="0" anchor="ctr">
+            <a:noAutofit/>
+          </a:bodyPr>
+          <a:lstStyle/>
+          <a:p>
+            <a:pPr algn="ctr"/>
+            <a:endParaRPr lang="en-US"/>
+          </a:p>
+        </p:txBody>
+      </p:sp>
+      <p:sp>
+        <p:nvSpPr>
+          <p:cNvPr id="12" name="Freeform: Shape 11">
+            <a:extLst>
+              <a:ext uri="{FF2B5EF4-FFF2-40B4-BE49-F238E27FC236}">
+                <a16:creationId xmlns:a16="http://schemas.microsoft.com/office/drawing/2014/main" id="{F227E5B6-9132-43CA-B503-37A18562ADF2}"/>
+              </a:ext>
+              <a:ext uri="{C183D7F6-B498-43B3-948B-1728B52AA6E4}">
+                <adec:decorative xmlns:adec="http://schemas.microsoft.com/office/drawing/2017/decorative" val="1"/>
+              </a:ext>
+            </a:extLst>
+          </p:cNvPr>
+          <p:cNvSpPr>
+            <a:spLocks noGrp="1" noRot="1" noChangeAspect="1" noMove="1" noResize="1" noEditPoints="1" noAdjustHandles="1" noChangeArrowheads="1" noChangeShapeType="1" noTextEdit="1"/>
+          </p:cNvSpPr>
+          <p:nvPr>
+            <p:extLst>
+              <p:ext uri="{386F3935-93C4-4BCD-93E2-E3B085C9AB24}">
+                <p16:designElem xmlns:p16="http://schemas.microsoft.com/office/powerpoint/2015/main" val="1"/>
+              </p:ext>
+            </p:extLst>
+          </p:nvPr>
+        </p:nvSpPr>
+        <p:spPr>
+          <a:xfrm flipH="1">
+            <a:off x="4349052" y="0"/>
+            <a:ext cx="1737401" cy="959536"/>
+          </a:xfrm>
+          <a:custGeom>
+            <a:avLst/>
+            <a:gdLst>
+              <a:gd name="connsiteX0" fmla="*/ 0 w 1737401"/>
+              <a:gd name="connsiteY0" fmla="*/ 0 h 959536"/>
+              <a:gd name="connsiteX1" fmla="*/ 123825 w 1737401"/>
+              <a:gd name="connsiteY1" fmla="*/ 0 h 959536"/>
+              <a:gd name="connsiteX2" fmla="*/ 123825 w 1737401"/>
+              <a:gd name="connsiteY2" fmla="*/ 790277 h 959536"/>
+              <a:gd name="connsiteX3" fmla="*/ 1490095 w 1737401"/>
+              <a:gd name="connsiteY3" fmla="*/ 0 h 959536"/>
+              <a:gd name="connsiteX4" fmla="*/ 1737401 w 1737401"/>
+              <a:gd name="connsiteY4" fmla="*/ 0 h 959536"/>
+              <a:gd name="connsiteX5" fmla="*/ 92869 w 1737401"/>
+              <a:gd name="connsiteY5" fmla="*/ 951249 h 959536"/>
+              <a:gd name="connsiteX6" fmla="*/ 61913 w 1737401"/>
+              <a:gd name="connsiteY6" fmla="*/ 959536 h 959536"/>
+              <a:gd name="connsiteX7" fmla="*/ 0 w 1737401"/>
+              <a:gd name="connsiteY7" fmla="*/ 897624 h 959536"/>
+            </a:gdLst>
+            <a:ahLst/>
+            <a:cxnLst>
+              <a:cxn ang="0">
+                <a:pos x="connsiteX0" y="connsiteY0"/>
+              </a:cxn>
+              <a:cxn ang="0">
+                <a:pos x="connsiteX1" y="connsiteY1"/>
+              </a:cxn>
+              <a:cxn ang="0">
+                <a:pos x="connsiteX2" y="connsiteY2"/>
+              </a:cxn>
+              <a:cxn ang="0">
+                <a:pos x="connsiteX3" y="connsiteY3"/>
+              </a:cxn>
+              <a:cxn ang="0">
+                <a:pos x="connsiteX4" y="connsiteY4"/>
+              </a:cxn>
+              <a:cxn ang="0">
+                <a:pos x="connsiteX5" y="connsiteY5"/>
+              </a:cxn>
+              <a:cxn ang="0">
+                <a:pos x="connsiteX6" y="connsiteY6"/>
+              </a:cxn>
+              <a:cxn ang="0">
+                <a:pos x="connsiteX7" y="connsiteY7"/>
+              </a:cxn>
+            </a:cxnLst>
+            <a:rect l="l" t="t" r="r" b="b"/>
+            <a:pathLst>
+              <a:path w="1737401" h="959536">
+                <a:moveTo>
+                  <a:pt x="0" y="0"/>
+                </a:moveTo>
+                <a:lnTo>
+                  <a:pt x="123825" y="0"/>
+                </a:lnTo>
+                <a:lnTo>
+                  <a:pt x="123825" y="790277"/>
+                </a:lnTo>
+                <a:lnTo>
+                  <a:pt x="1490095" y="0"/>
+                </a:lnTo>
+                <a:lnTo>
+                  <a:pt x="1737401" y="0"/>
+                </a:lnTo>
+                <a:lnTo>
+                  <a:pt x="92869" y="951249"/>
+                </a:lnTo>
+                <a:cubicBezTo>
+                  <a:pt x="83458" y="956688"/>
+                  <a:pt x="72780" y="959546"/>
+                  <a:pt x="61913" y="959536"/>
+                </a:cubicBezTo>
+                <a:cubicBezTo>
+                  <a:pt x="27719" y="959536"/>
+                  <a:pt x="0" y="931818"/>
+                  <a:pt x="0" y="897624"/>
+                </a:cubicBezTo>
+                <a:close/>
+              </a:path>
+            </a:pathLst>
+          </a:custGeom>
+          <a:solidFill>
+            <a:schemeClr val="accent6"/>
+          </a:solidFill>
+          <a:ln w="9525" cap="flat">
+            <a:noFill/>
+            <a:prstDash val="solid"/>
+            <a:miter/>
+          </a:ln>
+        </p:spPr>
+        <p:txBody>
+          <a:bodyPr rtlCol="0" anchor="ctr"/>
+          <a:lstStyle/>
+          <a:p>
+            <a:endParaRPr lang="en-US"/>
+          </a:p>
+        </p:txBody>
+      </p:sp>
+      <p:sp>
+        <p:nvSpPr>
+          <p:cNvPr id="14" name="Freeform: Shape 13">
+            <a:extLst>
+              <a:ext uri="{FF2B5EF4-FFF2-40B4-BE49-F238E27FC236}">
+                <a16:creationId xmlns:a16="http://schemas.microsoft.com/office/drawing/2014/main" id="{03C2051E-A88D-48E5-BACF-AAED17892722}"/>
+              </a:ext>
+              <a:ext uri="{C183D7F6-B498-43B3-948B-1728B52AA6E4}">
+                <adec:decorative xmlns:adec="http://schemas.microsoft.com/office/drawing/2017/decorative" val="1"/>
+              </a:ext>
+            </a:extLst>
+          </p:cNvPr>
+          <p:cNvSpPr>
+            <a:spLocks noGrp="1" noRot="1" noChangeAspect="1" noMove="1" noResize="1" noEditPoints="1" noAdjustHandles="1" noChangeArrowheads="1" noChangeShapeType="1" noTextEdit="1"/>
+          </p:cNvSpPr>
+          <p:nvPr>
+            <p:extLst>
+              <p:ext uri="{386F3935-93C4-4BCD-93E2-E3B085C9AB24}">
+                <p16:designElem xmlns:p16="http://schemas.microsoft.com/office/powerpoint/2015/main" val="1"/>
+              </p:ext>
+            </p:extLst>
+          </p:nvPr>
+        </p:nvSpPr>
+        <p:spPr>
+          <a:xfrm flipH="1">
+            <a:off x="0" y="2916245"/>
+            <a:ext cx="159741" cy="552996"/>
+          </a:xfrm>
+          <a:custGeom>
+            <a:avLst/>
+            <a:gdLst>
+              <a:gd name="connsiteX0" fmla="*/ 159741 w 159741"/>
+              <a:gd name="connsiteY0" fmla="*/ 0 h 552996"/>
+              <a:gd name="connsiteX1" fmla="*/ 159741 w 159741"/>
+              <a:gd name="connsiteY1" fmla="*/ 552996 h 552996"/>
+              <a:gd name="connsiteX2" fmla="*/ 141849 w 159741"/>
+              <a:gd name="connsiteY2" fmla="*/ 543285 h 552996"/>
+              <a:gd name="connsiteX3" fmla="*/ 0 w 159741"/>
+              <a:gd name="connsiteY3" fmla="*/ 276498 h 552996"/>
+              <a:gd name="connsiteX4" fmla="*/ 141849 w 159741"/>
+              <a:gd name="connsiteY4" fmla="*/ 9711 h 552996"/>
+            </a:gdLst>
+            <a:ahLst/>
+            <a:cxnLst>
+              <a:cxn ang="0">
+                <a:pos x="connsiteX0" y="connsiteY0"/>
+              </a:cxn>
+              <a:cxn ang="0">
+                <a:pos x="connsiteX1" y="connsiteY1"/>
+              </a:cxn>
+              <a:cxn ang="0">
+                <a:pos x="connsiteX2" y="connsiteY2"/>
+              </a:cxn>
+              <a:cxn ang="0">
+                <a:pos x="connsiteX3" y="connsiteY3"/>
+              </a:cxn>
+              <a:cxn ang="0">
+                <a:pos x="connsiteX4" y="connsiteY4"/>
+              </a:cxn>
+            </a:cxnLst>
+            <a:rect l="l" t="t" r="r" b="b"/>
+            <a:pathLst>
+              <a:path w="159741" h="552996">
+                <a:moveTo>
+                  <a:pt x="159741" y="0"/>
+                </a:moveTo>
+                <a:lnTo>
+                  <a:pt x="159741" y="552996"/>
+                </a:lnTo>
+                <a:lnTo>
+                  <a:pt x="141849" y="543285"/>
+                </a:lnTo>
+                <a:cubicBezTo>
+                  <a:pt x="56268" y="485467"/>
+                  <a:pt x="0" y="387554"/>
+                  <a:pt x="0" y="276498"/>
+                </a:cubicBezTo>
+                <a:cubicBezTo>
+                  <a:pt x="0" y="165443"/>
+                  <a:pt x="56268" y="67529"/>
+                  <a:pt x="141849" y="9711"/>
+                </a:cubicBezTo>
+                <a:close/>
+              </a:path>
+            </a:pathLst>
+          </a:custGeom>
+          <a:solidFill>
+            <a:schemeClr val="accent2"/>
+          </a:solidFill>
+          <a:ln w="127000">
+            <a:noFill/>
+          </a:ln>
+        </p:spPr>
+        <p:style>
+          <a:lnRef idx="2">
+            <a:schemeClr val="accent1">
+              <a:shade val="50000"/>
+            </a:schemeClr>
+          </a:lnRef>
+          <a:fillRef idx="1">
+            <a:schemeClr val="accent1"/>
+          </a:fillRef>
+          <a:effectRef idx="0">
+            <a:schemeClr val="accent1"/>
+          </a:effectRef>
+          <a:fontRef idx="minor">
+            <a:schemeClr val="lt1"/>
+          </a:fontRef>
+        </p:style>
+        <p:txBody>
+          <a:bodyPr wrap="square" rtlCol="0" anchor="ctr">
+            <a:noAutofit/>
+          </a:bodyPr>
+          <a:lstStyle/>
+          <a:p>
+            <a:pPr algn="ctr"/>
+            <a:endParaRPr lang="en-US"/>
+          </a:p>
+        </p:txBody>
+      </p:sp>
+      <p:sp>
+        <p:nvSpPr>
+          <p:cNvPr id="16" name="Freeform: Shape 15">
+            <a:extLst>
+              <a:ext uri="{FF2B5EF4-FFF2-40B4-BE49-F238E27FC236}">
+                <a16:creationId xmlns:a16="http://schemas.microsoft.com/office/drawing/2014/main" id="{7821A508-2985-4905-874A-527429BAABFA}"/>
+              </a:ext>
+              <a:ext uri="{C183D7F6-B498-43B3-948B-1728B52AA6E4}">
+                <adec:decorative xmlns:adec="http://schemas.microsoft.com/office/drawing/2017/decorative" val="1"/>
+              </a:ext>
+            </a:extLst>
+          </p:cNvPr>
+          <p:cNvSpPr>
+            <a:spLocks noGrp="1" noRot="1" noChangeAspect="1" noMove="1" noResize="1" noEditPoints="1" noAdjustHandles="1" noChangeArrowheads="1" noChangeShapeType="1" noTextEdit="1"/>
+          </p:cNvSpPr>
+          <p:nvPr>
+            <p:extLst>
+              <p:ext uri="{386F3935-93C4-4BCD-93E2-E3B085C9AB24}">
+                <p16:designElem xmlns:p16="http://schemas.microsoft.com/office/powerpoint/2015/main" val="1"/>
+              </p:ext>
+            </p:extLst>
+          </p:nvPr>
+        </p:nvSpPr>
+        <p:spPr>
+          <a:xfrm flipH="1">
+            <a:off x="0" y="5835649"/>
+            <a:ext cx="1548180" cy="1022351"/>
+          </a:xfrm>
+          <a:custGeom>
+            <a:avLst/>
+            <a:gdLst>
+              <a:gd name="connsiteX0" fmla="*/ 61913 w 1548180"/>
+              <a:gd name="connsiteY0" fmla="*/ 0 h 1022351"/>
+              <a:gd name="connsiteX1" fmla="*/ 1548180 w 1548180"/>
+              <a:gd name="connsiteY1" fmla="*/ 0 h 1022351"/>
+              <a:gd name="connsiteX2" fmla="*/ 1548180 w 1548180"/>
+              <a:gd name="connsiteY2" fmla="*/ 123825 h 1022351"/>
+              <a:gd name="connsiteX3" fmla="*/ 123825 w 1548180"/>
+              <a:gd name="connsiteY3" fmla="*/ 123825 h 1022351"/>
+              <a:gd name="connsiteX4" fmla="*/ 123825 w 1548180"/>
+              <a:gd name="connsiteY4" fmla="*/ 1022351 h 1022351"/>
+              <a:gd name="connsiteX5" fmla="*/ 0 w 1548180"/>
+              <a:gd name="connsiteY5" fmla="*/ 1022351 h 1022351"/>
+              <a:gd name="connsiteX6" fmla="*/ 0 w 1548180"/>
+              <a:gd name="connsiteY6" fmla="*/ 61913 h 1022351"/>
+              <a:gd name="connsiteX7" fmla="*/ 61913 w 1548180"/>
+              <a:gd name="connsiteY7" fmla="*/ 0 h 1022351"/>
+            </a:gdLst>
+            <a:ahLst/>
+            <a:cxnLst>
+              <a:cxn ang="0">
+                <a:pos x="connsiteX0" y="connsiteY0"/>
+              </a:cxn>
+              <a:cxn ang="0">
+                <a:pos x="connsiteX1" y="connsiteY1"/>
+              </a:cxn>
+              <a:cxn ang="0">
+                <a:pos x="connsiteX2" y="connsiteY2"/>
+              </a:cxn>
+              <a:cxn ang="0">
+                <a:pos x="connsiteX3" y="connsiteY3"/>
+              </a:cxn>
+              <a:cxn ang="0">
+                <a:pos x="connsiteX4" y="connsiteY4"/>
+              </a:cxn>
+              <a:cxn ang="0">
+                <a:pos x="connsiteX5" y="connsiteY5"/>
+              </a:cxn>
+              <a:cxn ang="0">
+                <a:pos x="connsiteX6" y="connsiteY6"/>
+              </a:cxn>
+              <a:cxn ang="0">
+                <a:pos x="connsiteX7" y="connsiteY7"/>
+              </a:cxn>
+            </a:cxnLst>
+            <a:rect l="l" t="t" r="r" b="b"/>
+            <a:pathLst>
+              <a:path w="1548180" h="1022351">
+                <a:moveTo>
+                  <a:pt x="61913" y="0"/>
+                </a:moveTo>
+                <a:lnTo>
+                  <a:pt x="1548180" y="0"/>
+                </a:lnTo>
+                <a:lnTo>
+                  <a:pt x="1548180" y="123825"/>
+                </a:lnTo>
+                <a:lnTo>
+                  <a:pt x="123825" y="123825"/>
+                </a:lnTo>
+                <a:lnTo>
+                  <a:pt x="123825" y="1022351"/>
+                </a:lnTo>
+                <a:lnTo>
+                  <a:pt x="0" y="1022351"/>
+                </a:lnTo>
+                <a:lnTo>
+                  <a:pt x="0" y="61913"/>
+                </a:lnTo>
+                <a:cubicBezTo>
+                  <a:pt x="0" y="27719"/>
+                  <a:pt x="27719" y="0"/>
+                  <a:pt x="61913" y="0"/>
+                </a:cubicBezTo>
+                <a:close/>
+              </a:path>
+            </a:pathLst>
+          </a:custGeom>
+          <a:solidFill>
+            <a:schemeClr val="accent6"/>
+          </a:solidFill>
+          <a:ln w="9525" cap="flat">
+            <a:noFill/>
+            <a:prstDash val="solid"/>
+            <a:miter/>
+          </a:ln>
+        </p:spPr>
+        <p:txBody>
+          <a:bodyPr rtlCol="0" anchor="ctr"/>
+          <a:lstStyle/>
+          <a:p>
+            <a:endParaRPr lang="en-US"/>
+          </a:p>
+        </p:txBody>
+      </p:sp>
+      <p:sp>
+        <p:nvSpPr>
+          <p:cNvPr id="18" name="Freeform: Shape 17">
+            <a:extLst>
+              <a:ext uri="{FF2B5EF4-FFF2-40B4-BE49-F238E27FC236}">
+                <a16:creationId xmlns:a16="http://schemas.microsoft.com/office/drawing/2014/main" id="{D2929CB1-0E3C-4B2D-ADC5-0154FB33BA44}"/>
+              </a:ext>
+              <a:ext uri="{C183D7F6-B498-43B3-948B-1728B52AA6E4}">
+                <adec:decorative xmlns:adec="http://schemas.microsoft.com/office/drawing/2017/decorative" val="1"/>
+              </a:ext>
+            </a:extLst>
+          </p:cNvPr>
+          <p:cNvSpPr>
+            <a:spLocks noGrp="1" noRot="1" noChangeAspect="1" noMove="1" noResize="1" noEditPoints="1" noAdjustHandles="1" noChangeArrowheads="1" noChangeShapeType="1" noTextEdit="1"/>
+          </p:cNvSpPr>
+          <p:nvPr>
+            <p:extLst>
+              <p:ext uri="{386F3935-93C4-4BCD-93E2-E3B085C9AB24}">
+                <p16:designElem xmlns:p16="http://schemas.microsoft.com/office/powerpoint/2015/main" val="1"/>
+              </p:ext>
+            </p:extLst>
+          </p:nvPr>
+        </p:nvSpPr>
+        <p:spPr>
+          <a:xfrm flipH="1">
+            <a:off x="3697761" y="5717906"/>
+            <a:ext cx="1771609" cy="1140095"/>
+          </a:xfrm>
+          <a:custGeom>
+            <a:avLst/>
+            <a:gdLst>
+              <a:gd name="connsiteX0" fmla="*/ 1561721 w 1771609"/>
+              <a:gd name="connsiteY0" fmla="*/ 763041 h 1140095"/>
+              <a:gd name="connsiteX1" fmla="*/ 1623024 w 1771609"/>
+              <a:gd name="connsiteY1" fmla="*/ 792810 h 1140095"/>
+              <a:gd name="connsiteX2" fmla="*/ 1711735 w 1771609"/>
+              <a:gd name="connsiteY2" fmla="*/ 970132 h 1140095"/>
+              <a:gd name="connsiteX3" fmla="*/ 1771609 w 1771609"/>
+              <a:gd name="connsiteY3" fmla="*/ 1140095 h 1140095"/>
+              <a:gd name="connsiteX4" fmla="*/ 1637225 w 1771609"/>
+              <a:gd name="connsiteY4" fmla="*/ 1140095 h 1140095"/>
+              <a:gd name="connsiteX5" fmla="*/ 1594820 w 1771609"/>
+              <a:gd name="connsiteY5" fmla="*/ 1019711 h 1140095"/>
+              <a:gd name="connsiteX6" fmla="*/ 1513200 w 1771609"/>
+              <a:gd name="connsiteY6" fmla="*/ 856627 h 1140095"/>
+              <a:gd name="connsiteX7" fmla="*/ 1538499 w 1771609"/>
+              <a:gd name="connsiteY7" fmla="*/ 770415 h 1140095"/>
+              <a:gd name="connsiteX8" fmla="*/ 1561721 w 1771609"/>
+              <a:gd name="connsiteY8" fmla="*/ 763041 h 1140095"/>
+              <a:gd name="connsiteX9" fmla="*/ 933455 w 1771609"/>
+              <a:gd name="connsiteY9" fmla="*/ 161309 h 1140095"/>
+              <a:gd name="connsiteX10" fmla="*/ 957797 w 1771609"/>
+              <a:gd name="connsiteY10" fmla="*/ 167970 h 1140095"/>
+              <a:gd name="connsiteX11" fmla="*/ 1286982 w 1771609"/>
+              <a:gd name="connsiteY11" fmla="*/ 387616 h 1140095"/>
+              <a:gd name="connsiteX12" fmla="*/ 1293725 w 1771609"/>
+              <a:gd name="connsiteY12" fmla="*/ 477075 h 1140095"/>
+              <a:gd name="connsiteX13" fmla="*/ 1245453 w 1771609"/>
+              <a:gd name="connsiteY13" fmla="*/ 499154 h 1140095"/>
+              <a:gd name="connsiteX14" fmla="*/ 1245167 w 1771609"/>
+              <a:gd name="connsiteY14" fmla="*/ 499154 h 1140095"/>
+              <a:gd name="connsiteX15" fmla="*/ 1203638 w 1771609"/>
+              <a:gd name="connsiteY15" fmla="*/ 484104 h 1140095"/>
+              <a:gd name="connsiteX16" fmla="*/ 900647 w 1771609"/>
+              <a:gd name="connsiteY16" fmla="*/ 281508 h 1140095"/>
+              <a:gd name="connsiteX17" fmla="*/ 872454 w 1771609"/>
+              <a:gd name="connsiteY17" fmla="*/ 196164 h 1140095"/>
+              <a:gd name="connsiteX18" fmla="*/ 933455 w 1771609"/>
+              <a:gd name="connsiteY18" fmla="*/ 161309 h 1140095"/>
+              <a:gd name="connsiteX19" fmla="*/ 256260 w 1771609"/>
+              <a:gd name="connsiteY19" fmla="*/ 29 h 1140095"/>
+              <a:gd name="connsiteX20" fmla="*/ 454020 w 1771609"/>
+              <a:gd name="connsiteY20" fmla="*/ 13474 h 1140095"/>
+              <a:gd name="connsiteX21" fmla="*/ 509236 w 1771609"/>
+              <a:gd name="connsiteY21" fmla="*/ 84182 h 1140095"/>
+              <a:gd name="connsiteX22" fmla="*/ 445829 w 1771609"/>
+              <a:gd name="connsiteY22" fmla="*/ 139871 h 1140095"/>
+              <a:gd name="connsiteX23" fmla="*/ 437447 w 1771609"/>
+              <a:gd name="connsiteY23" fmla="*/ 139395 h 1140095"/>
+              <a:gd name="connsiteX24" fmla="*/ 73211 w 1771609"/>
+              <a:gd name="connsiteY24" fmla="*/ 137204 h 1140095"/>
+              <a:gd name="connsiteX25" fmla="*/ 749 w 1771609"/>
+              <a:gd name="connsiteY25" fmla="*/ 84082 h 1140095"/>
+              <a:gd name="connsiteX26" fmla="*/ 53871 w 1771609"/>
+              <a:gd name="connsiteY26" fmla="*/ 11621 h 1140095"/>
+              <a:gd name="connsiteX27" fmla="*/ 58352 w 1771609"/>
+              <a:gd name="connsiteY27" fmla="*/ 11093 h 1140095"/>
+              <a:gd name="connsiteX28" fmla="*/ 256260 w 1771609"/>
+              <a:gd name="connsiteY28" fmla="*/ 29 h 1140095"/>
+            </a:gdLst>
+            <a:ahLst/>
+            <a:cxnLst>
+              <a:cxn ang="0">
+                <a:pos x="connsiteX0" y="connsiteY0"/>
+              </a:cxn>
+              <a:cxn ang="0">
+                <a:pos x="connsiteX1" y="connsiteY1"/>
+              </a:cxn>
+              <a:cxn ang="0">
+                <a:pos x="connsiteX2" y="connsiteY2"/>
+              </a:cxn>
+              <a:cxn ang="0">
+                <a:pos x="connsiteX3" y="connsiteY3"/>
+              </a:cxn>
+              <a:cxn ang="0">
+                <a:pos x="connsiteX4" y="connsiteY4"/>
+              </a:cxn>
+              <a:cxn ang="0">
+                <a:pos x="connsiteX5" y="connsiteY5"/>
+              </a:cxn>
+              <a:cxn ang="0">
+                <a:pos x="connsiteX6" y="connsiteY6"/>
+              </a:cxn>
+              <a:cxn ang="0">
+                <a:pos x="connsiteX7" y="connsiteY7"/>
+              </a:cxn>
+              <a:cxn ang="0">
+                <a:pos x="connsiteX8" y="connsiteY8"/>
+              </a:cxn>
+              <a:cxn ang="0">
+                <a:pos x="connsiteX9" y="connsiteY9"/>
+              </a:cxn>
+              <a:cxn ang="0">
+                <a:pos x="connsiteX10" y="connsiteY10"/>
+              </a:cxn>
+              <a:cxn ang="0">
+                <a:pos x="connsiteX11" y="connsiteY11"/>
+              </a:cxn>
+              <a:cxn ang="0">
+                <a:pos x="connsiteX12" y="connsiteY12"/>
+              </a:cxn>
+              <a:cxn ang="0">
+                <a:pos x="connsiteX13" y="connsiteY13"/>
+              </a:cxn>
+              <a:cxn ang="0">
+                <a:pos x="connsiteX14" y="connsiteY14"/>
+              </a:cxn>
+              <a:cxn ang="0">
+                <a:pos x="connsiteX15" y="connsiteY15"/>
+              </a:cxn>
+              <a:cxn ang="0">
+                <a:pos x="connsiteX16" y="connsiteY16"/>
+              </a:cxn>
+              <a:cxn ang="0">
+                <a:pos x="connsiteX17" y="connsiteY17"/>
+              </a:cxn>
+              <a:cxn ang="0">
+                <a:pos x="connsiteX18" y="connsiteY18"/>
+              </a:cxn>
+              <a:cxn ang="0">
+                <a:pos x="connsiteX19" y="connsiteY19"/>
+              </a:cxn>
+              <a:cxn ang="0">
+                <a:pos x="connsiteX20" y="connsiteY20"/>
+              </a:cxn>
+              <a:cxn ang="0">
+                <a:pos x="connsiteX21" y="connsiteY21"/>
+              </a:cxn>
+              <a:cxn ang="0">
+                <a:pos x="connsiteX22" y="connsiteY22"/>
+              </a:cxn>
+              <a:cxn ang="0">
+                <a:pos x="connsiteX23" y="connsiteY23"/>
+              </a:cxn>
+              <a:cxn ang="0">
+                <a:pos x="connsiteX24" y="connsiteY24"/>
+              </a:cxn>
+              <a:cxn ang="0">
+                <a:pos x="connsiteX25" y="connsiteY25"/>
+              </a:cxn>
+              <a:cxn ang="0">
+                <a:pos x="connsiteX26" y="connsiteY26"/>
+              </a:cxn>
+              <a:cxn ang="0">
+                <a:pos x="connsiteX27" y="connsiteY27"/>
+              </a:cxn>
+              <a:cxn ang="0">
+                <a:pos x="connsiteX28" y="connsiteY28"/>
+              </a:cxn>
+            </a:cxnLst>
+            <a:rect l="l" t="t" r="r" b="b"/>
+            <a:pathLst>
+              <a:path w="1771609" h="1140095">
+                <a:moveTo>
+                  <a:pt x="1561721" y="763041"/>
+                </a:moveTo>
+                <a:cubicBezTo>
+                  <a:pt x="1585506" y="760324"/>
+                  <a:pt x="1609722" y="771249"/>
+                  <a:pt x="1623024" y="792810"/>
+                </a:cubicBezTo>
+                <a:cubicBezTo>
+                  <a:pt x="1656300" y="850065"/>
+                  <a:pt x="1685920" y="909291"/>
+                  <a:pt x="1711735" y="970132"/>
+                </a:cubicBezTo>
+                <a:lnTo>
+                  <a:pt x="1771609" y="1140095"/>
+                </a:lnTo>
+                <a:lnTo>
+                  <a:pt x="1637225" y="1140095"/>
+                </a:lnTo>
+                <a:lnTo>
+                  <a:pt x="1594820" y="1019711"/>
+                </a:lnTo>
+                <a:cubicBezTo>
+                  <a:pt x="1571072" y="963753"/>
+                  <a:pt x="1543818" y="909282"/>
+                  <a:pt x="1513200" y="856627"/>
+                </a:cubicBezTo>
+                <a:cubicBezTo>
+                  <a:pt x="1496379" y="825834"/>
+                  <a:pt x="1507704" y="787236"/>
+                  <a:pt x="1538499" y="770415"/>
+                </a:cubicBezTo>
+                <a:cubicBezTo>
+                  <a:pt x="1545912" y="766367"/>
+                  <a:pt x="1553792" y="763946"/>
+                  <a:pt x="1561721" y="763041"/>
+                </a:cubicBezTo>
+                <a:close/>
+                <a:moveTo>
+                  <a:pt x="933455" y="161309"/>
+                </a:moveTo>
+                <a:cubicBezTo>
+                  <a:pt x="941693" y="161855"/>
+                  <a:pt x="949959" y="164025"/>
+                  <a:pt x="957797" y="167970"/>
+                </a:cubicBezTo>
+                <a:cubicBezTo>
+                  <a:pt x="1076184" y="227289"/>
+                  <a:pt x="1186759" y="301068"/>
+                  <a:pt x="1286982" y="387616"/>
+                </a:cubicBezTo>
+                <a:cubicBezTo>
+                  <a:pt x="1313547" y="410457"/>
+                  <a:pt x="1316566" y="450510"/>
+                  <a:pt x="1293725" y="477075"/>
+                </a:cubicBezTo>
+                <a:cubicBezTo>
+                  <a:pt x="1281638" y="491137"/>
+                  <a:pt x="1263998" y="499204"/>
+                  <a:pt x="1245453" y="499154"/>
+                </a:cubicBezTo>
+                <a:lnTo>
+                  <a:pt x="1245167" y="499154"/>
+                </a:lnTo>
+                <a:cubicBezTo>
+                  <a:pt x="1229965" y="499301"/>
+                  <a:pt x="1215220" y="493956"/>
+                  <a:pt x="1203638" y="484104"/>
+                </a:cubicBezTo>
+                <a:cubicBezTo>
+                  <a:pt x="1111407" y="404300"/>
+                  <a:pt x="1009633" y="336248"/>
+                  <a:pt x="900647" y="281508"/>
+                </a:cubicBezTo>
+                <a:cubicBezTo>
+                  <a:pt x="869295" y="265726"/>
+                  <a:pt x="856672" y="227516"/>
+                  <a:pt x="872454" y="196164"/>
+                </a:cubicBezTo>
+                <a:cubicBezTo>
+                  <a:pt x="884290" y="172650"/>
+                  <a:pt x="908742" y="159670"/>
+                  <a:pt x="933455" y="161309"/>
+                </a:cubicBezTo>
+                <a:close/>
+                <a:moveTo>
+                  <a:pt x="256260" y="29"/>
+                </a:moveTo>
+                <a:cubicBezTo>
+                  <a:pt x="322331" y="427"/>
+                  <a:pt x="388378" y="4909"/>
+                  <a:pt x="454020" y="13474"/>
+                </a:cubicBezTo>
+                <a:cubicBezTo>
+                  <a:pt x="488793" y="17752"/>
+                  <a:pt x="513514" y="49409"/>
+                  <a:pt x="509236" y="84182"/>
+                </a:cubicBezTo>
+                <a:cubicBezTo>
+                  <a:pt x="505303" y="116151"/>
+                  <a:pt x="478038" y="140098"/>
+                  <a:pt x="445829" y="139871"/>
+                </a:cubicBezTo>
+                <a:cubicBezTo>
+                  <a:pt x="443027" y="139899"/>
+                  <a:pt x="440227" y="139740"/>
+                  <a:pt x="437447" y="139395"/>
+                </a:cubicBezTo>
+                <a:cubicBezTo>
+                  <a:pt x="316592" y="123615"/>
+                  <a:pt x="194247" y="122878"/>
+                  <a:pt x="73211" y="137204"/>
+                </a:cubicBezTo>
+                <a:cubicBezTo>
+                  <a:pt x="38532" y="142545"/>
+                  <a:pt x="6090" y="118762"/>
+                  <a:pt x="749" y="84082"/>
+                </a:cubicBezTo>
+                <a:cubicBezTo>
+                  <a:pt x="-4591" y="49403"/>
+                  <a:pt x="19192" y="16961"/>
+                  <a:pt x="53871" y="11621"/>
+                </a:cubicBezTo>
+                <a:cubicBezTo>
+                  <a:pt x="55358" y="11392"/>
+                  <a:pt x="56852" y="11216"/>
+                  <a:pt x="58352" y="11093"/>
+                </a:cubicBezTo>
+                <a:cubicBezTo>
+                  <a:pt x="124093" y="3319"/>
+                  <a:pt x="190189" y="-369"/>
+                  <a:pt x="256260" y="29"/>
+                </a:cubicBezTo>
+                <a:close/>
+              </a:path>
+            </a:pathLst>
+          </a:custGeom>
+          <a:solidFill>
+            <a:schemeClr val="accent4"/>
+          </a:solidFill>
+          <a:ln w="9525" cap="flat">
+            <a:noFill/>
+            <a:prstDash val="solid"/>
+            <a:miter/>
+          </a:ln>
+        </p:spPr>
+        <p:txBody>
+          <a:bodyPr rtlCol="0" anchor="ctr"/>
+          <a:lstStyle/>
+          <a:p>
+            <a:endParaRPr lang="en-US"/>
+          </a:p>
+        </p:txBody>
+      </p:sp>
+      <p:pic>
+        <p:nvPicPr>
+          <p:cNvPr id="3" name="Picture 2" descr="A green question mark in a circle&#10;&#10;AI-generated content may be incorrect.">
+            <a:extLst>
+              <a:ext uri="{FF2B5EF4-FFF2-40B4-BE49-F238E27FC236}">
+                <a16:creationId xmlns:a16="http://schemas.microsoft.com/office/drawing/2014/main" id="{B64D5611-65A5-6E4F-EDD1-11409767AAC0}"/>
+              </a:ext>
+            </a:extLst>
+          </p:cNvPr>
+          <p:cNvPicPr>
+            <a:picLocks noChangeAspect="1"/>
+          </p:cNvPicPr>
+          <p:nvPr/>
+        </p:nvPicPr>
+        <p:blipFill>
+          <a:blip r:embed="rId2">
+            <a:extLst>
+              <a:ext uri="{28A0092B-C50C-407E-A947-70E740481C1C}">
+                <a14:useLocalDpi xmlns:a14="http://schemas.microsoft.com/office/drawing/2010/main" val="0"/>
+              </a:ext>
+            </a:extLst>
+          </a:blip>
+          <a:srcRect r="3" b="3"/>
+          <a:stretch>
+            <a:fillRect/>
+          </a:stretch>
+        </p:blipFill>
+        <p:spPr>
+          <a:xfrm>
+            <a:off x="631840" y="598720"/>
+            <a:ext cx="5178249" cy="5178249"/>
+          </a:xfrm>
+          <a:custGeom>
+            <a:avLst/>
+            <a:gdLst/>
+            <a:ahLst/>
+            <a:cxnLst/>
+            <a:rect l="l" t="t" r="r" b="b"/>
+            <a:pathLst>
+              <a:path w="3741748" h="3741748">
+                <a:moveTo>
+                  <a:pt x="1870874" y="0"/>
+                </a:moveTo>
+                <a:cubicBezTo>
+                  <a:pt x="2904129" y="0"/>
+                  <a:pt x="3741748" y="837619"/>
+                  <a:pt x="3741748" y="1870874"/>
+                </a:cubicBezTo>
+                <a:cubicBezTo>
+                  <a:pt x="3741748" y="2904129"/>
+                  <a:pt x="2904129" y="3741748"/>
+                  <a:pt x="1870874" y="3741748"/>
+                </a:cubicBezTo>
+                <a:cubicBezTo>
+                  <a:pt x="837619" y="3741748"/>
+                  <a:pt x="0" y="2904129"/>
+                  <a:pt x="0" y="1870874"/>
+                </a:cubicBezTo>
+                <a:cubicBezTo>
+                  <a:pt x="0" y="837619"/>
+                  <a:pt x="837619" y="0"/>
+                  <a:pt x="1870874" y="0"/>
+                </a:cubicBezTo>
+                <a:close/>
+              </a:path>
+            </a:pathLst>
+          </a:custGeom>
+        </p:spPr>
+      </p:pic>
+      <p:sp>
+        <p:nvSpPr>
+          <p:cNvPr id="20" name="Freeform: Shape 19">
+            <a:extLst>
+              <a:ext uri="{FF2B5EF4-FFF2-40B4-BE49-F238E27FC236}">
+                <a16:creationId xmlns:a16="http://schemas.microsoft.com/office/drawing/2014/main" id="{5F2F0C84-BE8C-4DC2-A6D3-30349A801D5C}"/>
+              </a:ext>
+              <a:ext uri="{C183D7F6-B498-43B3-948B-1728B52AA6E4}">
+                <adec:decorative xmlns:adec="http://schemas.microsoft.com/office/drawing/2017/decorative" val="1"/>
+              </a:ext>
+            </a:extLst>
+          </p:cNvPr>
+          <p:cNvSpPr>
+            <a:spLocks noGrp="1" noRot="1" noChangeAspect="1" noMove="1" noResize="1" noEditPoints="1" noAdjustHandles="1" noChangeArrowheads="1" noChangeShapeType="1" noTextEdit="1"/>
+          </p:cNvSpPr>
+          <p:nvPr>
+            <p:extLst>
+              <p:ext uri="{386F3935-93C4-4BCD-93E2-E3B085C9AB24}">
+                <p16:designElem xmlns:p16="http://schemas.microsoft.com/office/powerpoint/2015/main" val="1"/>
+              </p:ext>
+            </p:extLst>
+          </p:nvPr>
+        </p:nvSpPr>
+        <p:spPr>
+          <a:xfrm flipH="1">
+            <a:off x="4520513" y="6258756"/>
+            <a:ext cx="1565940" cy="599245"/>
+          </a:xfrm>
+          <a:custGeom>
+            <a:avLst/>
+            <a:gdLst>
+              <a:gd name="connsiteX0" fmla="*/ 782970 w 1565940"/>
+              <a:gd name="connsiteY0" fmla="*/ 0 h 599245"/>
+              <a:gd name="connsiteX1" fmla="*/ 1528042 w 1565940"/>
+              <a:gd name="connsiteY1" fmla="*/ 480469 h 599245"/>
+              <a:gd name="connsiteX2" fmla="*/ 1565940 w 1565940"/>
+              <a:gd name="connsiteY2" fmla="*/ 599245 h 599245"/>
+              <a:gd name="connsiteX3" fmla="*/ 0 w 1565940"/>
+              <a:gd name="connsiteY3" fmla="*/ 599245 h 599245"/>
+              <a:gd name="connsiteX4" fmla="*/ 37898 w 1565940"/>
+              <a:gd name="connsiteY4" fmla="*/ 480469 h 599245"/>
+              <a:gd name="connsiteX5" fmla="*/ 782970 w 1565940"/>
+              <a:gd name="connsiteY5" fmla="*/ 0 h 599245"/>
+            </a:gdLst>
+            <a:ahLst/>
+            <a:cxnLst>
+              <a:cxn ang="0">
+                <a:pos x="connsiteX0" y="connsiteY0"/>
+              </a:cxn>
+              <a:cxn ang="0">
+                <a:pos x="connsiteX1" y="connsiteY1"/>
+              </a:cxn>
+              <a:cxn ang="0">
+                <a:pos x="connsiteX2" y="connsiteY2"/>
+              </a:cxn>
+              <a:cxn ang="0">
+                <a:pos x="connsiteX3" y="connsiteY3"/>
+              </a:cxn>
+              <a:cxn ang="0">
+                <a:pos x="connsiteX4" y="connsiteY4"/>
+              </a:cxn>
+              <a:cxn ang="0">
+                <a:pos x="connsiteX5" y="connsiteY5"/>
+              </a:cxn>
+            </a:cxnLst>
+            <a:rect l="l" t="t" r="r" b="b"/>
+            <a:pathLst>
+              <a:path w="1565940" h="599245">
+                <a:moveTo>
+                  <a:pt x="782970" y="0"/>
+                </a:moveTo>
+                <a:cubicBezTo>
+                  <a:pt x="1117910" y="0"/>
+                  <a:pt x="1405287" y="198118"/>
+                  <a:pt x="1528042" y="480469"/>
+                </a:cubicBezTo>
+                <a:lnTo>
+                  <a:pt x="1565940" y="599245"/>
+                </a:lnTo>
+                <a:lnTo>
+                  <a:pt x="0" y="599245"/>
+                </a:lnTo>
+                <a:lnTo>
+                  <a:pt x="37898" y="480469"/>
+                </a:lnTo>
+                <a:cubicBezTo>
+                  <a:pt x="160653" y="198118"/>
+                  <a:pt x="448030" y="0"/>
+                  <a:pt x="782970" y="0"/>
+                </a:cubicBezTo>
+                <a:close/>
+              </a:path>
+            </a:pathLst>
+          </a:custGeom>
+          <a:solidFill>
+            <a:schemeClr val="accent2"/>
+          </a:solidFill>
+          <a:ln>
+            <a:noFill/>
+          </a:ln>
+        </p:spPr>
+        <p:style>
+          <a:lnRef idx="2">
+            <a:schemeClr val="accent1">
+              <a:shade val="50000"/>
+            </a:schemeClr>
+          </a:lnRef>
+          <a:fillRef idx="1">
+            <a:schemeClr val="accent1"/>
+          </a:fillRef>
+          <a:effectRef idx="0">
+            <a:schemeClr val="accent1"/>
+          </a:effectRef>
+          <a:fontRef idx="minor">
+            <a:schemeClr val="lt1"/>
+          </a:fontRef>
+        </p:style>
+        <p:txBody>
+          <a:bodyPr wrap="square" rtlCol="0" anchor="ctr">
+            <a:noAutofit/>
+          </a:bodyPr>
+          <a:lstStyle/>
+          <a:p>
+            <a:pPr algn="ctr"/>
+            <a:endParaRPr lang="en-US" dirty="0"/>
+          </a:p>
+        </p:txBody>
+      </p:sp>
+    </p:spTree>
+    <p:extLst>
+      <p:ext uri="{BB962C8B-B14F-4D97-AF65-F5344CB8AC3E}">
+        <p14:creationId xmlns:p14="http://schemas.microsoft.com/office/powerpoint/2010/main" val="522624457"/>
+      </p:ext>
+    </p:extLst>
+  </p:cSld>
+  <p:clrMapOvr>
+    <a:masterClrMapping/>
+  </p:clrMapOvr>
+  <p:transition spd="med"/>
+  <p:timing>
+    <p:tnLst>
+      <p:par>
+        <p:cTn id="1" dur="indefinite" restart="never" nodeType="tmRoot">
+          <p:childTnLst>
+            <p:seq concurrent="1" nextAc="seek">
+              <p:cTn id="2" dur="indefinite" nodeType="mainSeq">
+                <p:childTnLst>
+                  <p:par>
+                    <p:cTn id="3" fill="hold">
+                      <p:stCondLst>
+                        <p:cond delay="indefinite"/>
+                        <p:cond evt="onBegin" delay="0">
+                          <p:tn val="2"/>
+                        </p:cond>
+                      </p:stCondLst>
+                      <p:childTnLst>
+                        <p:par>
+                          <p:cTn id="4" fill="hold">
+                            <p:stCondLst>
+                              <p:cond delay="0"/>
+                            </p:stCondLst>
+                            <p:childTnLst>
+                              <p:par>
+                                <p:cTn id="5" presetID="10" presetClass="entr" presetSubtype="0" fill="hold" grpId="0" nodeType="withEffect">
+                                  <p:stCondLst>
+                                    <p:cond delay="1000"/>
+                                  </p:stCondLst>
+                                  <p:iterate type="lt">
+                                    <p:tmPct val="10000"/>
+                                  </p:iterate>
+                                  <p:childTnLst>
+                                    <p:set>
+                                      <p:cBhvr>
+                                        <p:cTn id="6" dur="1" fill="hold">
+                                          <p:stCondLst>
+                                            <p:cond delay="0"/>
+                                          </p:stCondLst>
+                                        </p:cTn>
+                                        <p:tgtEl>
+                                          <p:spTgt spid="2"/>
+                                        </p:tgtEl>
+                                        <p:attrNameLst>
+                                          <p:attrName>style.visibility</p:attrName>
+                                        </p:attrNameLst>
+                                      </p:cBhvr>
+                                      <p:to>
+                                        <p:strVal val="visible"/>
+                                      </p:to>
+                                    </p:set>
+                                    <p:animEffect transition="in" filter="fade">
+                                      <p:cBhvr>
+                                        <p:cTn id="7" dur="400"/>
+                                        <p:tgtEl>
+                                          <p:spTgt spid="2"/>
+                                        </p:tgtEl>
+                                      </p:cBhvr>
+                                    </p:animEffect>
+                                  </p:childTnLst>
+                                </p:cTn>
+                              </p:par>
+                            </p:childTnLst>
+                          </p:cTn>
+                        </p:par>
+                      </p:childTnLst>
+                    </p:cTn>
+                  </p:par>
+                </p:childTnLst>
+              </p:cTn>
+              <p:prevCondLst>
+                <p:cond evt="onPrev" delay="0">
+                  <p:tgtEl>
+                    <p:sldTgt/>
+                  </p:tgtEl>
+                </p:cond>
+              </p:prevCondLst>
+              <p:nextCondLst>
+                <p:cond evt="onNext" delay="0">
+                  <p:tgtEl>
+                    <p:sldTgt/>
+                  </p:tgtEl>
+                </p:cond>
+              </p:nextCondLst>
+            </p:seq>
+          </p:childTnLst>
+        </p:cTn>
+      </p:par>
+    </p:tnLst>
+    <p:bldLst>
+      <p:bldP spid="2" grpId="0"/>
+    </p:bldLst>
+  </p:timing>
 </p:sld>
 </file>
 
